--- a/serverless-workshop.pptx
+++ b/serverless-workshop.pptx
@@ -8,9 +8,10 @@
     <p:sldId id="256" r:id="rId2"/>
     <p:sldId id="257" r:id="rId3"/>
     <p:sldId id="258" r:id="rId4"/>
-    <p:sldId id="276" r:id="rId5"/>
-    <p:sldId id="275" r:id="rId6"/>
-    <p:sldId id="277" r:id="rId7"/>
+    <p:sldId id="278" r:id="rId5"/>
+    <p:sldId id="279" r:id="rId6"/>
+    <p:sldId id="280" r:id="rId7"/>
+    <p:sldId id="281" r:id="rId8"/>
   </p:sldIdLst>
   <p:sldSz cx="12192000" cy="6858000"/>
   <p:notesSz cx="6858000" cy="9144000"/>
@@ -120,6 +121,2754 @@
 </p:presentation>
 </file>
 
+<file path=ppt/diagrams/colors1.xml><?xml version="1.0" encoding="utf-8"?>
+<dgm:colorsDef xmlns:dgm="http://schemas.openxmlformats.org/drawingml/2006/diagram" xmlns:a="http://schemas.openxmlformats.org/drawingml/2006/main" uniqueId="urn:microsoft.com/office/officeart/2005/8/colors/accent2_4">
+  <dgm:title val=""/>
+  <dgm:desc val=""/>
+  <dgm:catLst>
+    <dgm:cat type="accent2" pri="11400"/>
+  </dgm:catLst>
+  <dgm:styleLbl name="node0">
+    <dgm:fillClrLst meth="cycle">
+      <a:schemeClr val="accent2">
+        <a:shade val="60000"/>
+      </a:schemeClr>
+    </dgm:fillClrLst>
+    <dgm:linClrLst meth="repeat">
+      <a:schemeClr val="lt1"/>
+    </dgm:linClrLst>
+    <dgm:effectClrLst/>
+    <dgm:txLinClrLst/>
+    <dgm:txFillClrLst/>
+    <dgm:txEffectClrLst/>
+  </dgm:styleLbl>
+  <dgm:styleLbl name="node1">
+    <dgm:fillClrLst meth="cycle">
+      <a:schemeClr val="accent2">
+        <a:shade val="50000"/>
+      </a:schemeClr>
+      <a:schemeClr val="accent2">
+        <a:tint val="45000"/>
+      </a:schemeClr>
+    </dgm:fillClrLst>
+    <dgm:linClrLst meth="repeat">
+      <a:schemeClr val="lt1"/>
+    </dgm:linClrLst>
+    <dgm:effectClrLst/>
+    <dgm:txLinClrLst/>
+    <dgm:txFillClrLst/>
+    <dgm:txEffectClrLst/>
+  </dgm:styleLbl>
+  <dgm:styleLbl name="alignNode1">
+    <dgm:fillClrLst meth="cycle">
+      <a:schemeClr val="accent2">
+        <a:shade val="50000"/>
+      </a:schemeClr>
+      <a:schemeClr val="accent2">
+        <a:tint val="45000"/>
+      </a:schemeClr>
+    </dgm:fillClrLst>
+    <dgm:linClrLst meth="cycle">
+      <a:schemeClr val="accent2">
+        <a:shade val="50000"/>
+      </a:schemeClr>
+      <a:schemeClr val="accent2">
+        <a:tint val="45000"/>
+      </a:schemeClr>
+    </dgm:linClrLst>
+    <dgm:effectClrLst/>
+    <dgm:txLinClrLst/>
+    <dgm:txFillClrLst/>
+    <dgm:txEffectClrLst/>
+  </dgm:styleLbl>
+  <dgm:styleLbl name="lnNode1">
+    <dgm:fillClrLst meth="cycle">
+      <a:schemeClr val="accent2">
+        <a:shade val="50000"/>
+      </a:schemeClr>
+      <a:schemeClr val="accent2">
+        <a:tint val="45000"/>
+      </a:schemeClr>
+    </dgm:fillClrLst>
+    <dgm:linClrLst meth="repeat">
+      <a:schemeClr val="lt1"/>
+    </dgm:linClrLst>
+    <dgm:effectClrLst/>
+    <dgm:txLinClrLst/>
+    <dgm:txFillClrLst/>
+    <dgm:txEffectClrLst/>
+  </dgm:styleLbl>
+  <dgm:styleLbl name="vennNode1">
+    <dgm:fillClrLst meth="cycle">
+      <a:schemeClr val="accent2">
+        <a:shade val="80000"/>
+        <a:alpha val="50000"/>
+      </a:schemeClr>
+      <a:schemeClr val="accent2">
+        <a:tint val="45000"/>
+        <a:alpha val="50000"/>
+      </a:schemeClr>
+    </dgm:fillClrLst>
+    <dgm:linClrLst meth="repeat">
+      <a:schemeClr val="lt1"/>
+    </dgm:linClrLst>
+    <dgm:effectClrLst/>
+    <dgm:txLinClrLst/>
+    <dgm:txFillClrLst/>
+    <dgm:txEffectClrLst/>
+  </dgm:styleLbl>
+  <dgm:styleLbl name="node2">
+    <dgm:fillClrLst>
+      <a:schemeClr val="accent2">
+        <a:shade val="80000"/>
+      </a:schemeClr>
+    </dgm:fillClrLst>
+    <dgm:linClrLst meth="repeat">
+      <a:schemeClr val="lt1"/>
+    </dgm:linClrLst>
+    <dgm:effectClrLst/>
+    <dgm:txLinClrLst/>
+    <dgm:txFillClrLst/>
+    <dgm:txEffectClrLst/>
+  </dgm:styleLbl>
+  <dgm:styleLbl name="node3">
+    <dgm:fillClrLst>
+      <a:schemeClr val="accent2">
+        <a:tint val="99000"/>
+      </a:schemeClr>
+    </dgm:fillClrLst>
+    <dgm:linClrLst meth="repeat">
+      <a:schemeClr val="lt1"/>
+    </dgm:linClrLst>
+    <dgm:effectClrLst/>
+    <dgm:txLinClrLst/>
+    <dgm:txFillClrLst/>
+    <dgm:txEffectClrLst/>
+  </dgm:styleLbl>
+  <dgm:styleLbl name="node4">
+    <dgm:fillClrLst>
+      <a:schemeClr val="accent2">
+        <a:tint val="70000"/>
+      </a:schemeClr>
+    </dgm:fillClrLst>
+    <dgm:linClrLst meth="repeat">
+      <a:schemeClr val="lt1"/>
+    </dgm:linClrLst>
+    <dgm:effectClrLst/>
+    <dgm:txLinClrLst/>
+    <dgm:txFillClrLst/>
+    <dgm:txEffectClrLst/>
+  </dgm:styleLbl>
+  <dgm:styleLbl name="fgImgPlace1">
+    <dgm:fillClrLst>
+      <a:schemeClr val="accent2">
+        <a:tint val="50000"/>
+      </a:schemeClr>
+      <a:schemeClr val="accent2">
+        <a:tint val="55000"/>
+      </a:schemeClr>
+    </dgm:fillClrLst>
+    <dgm:linClrLst meth="repeat">
+      <a:schemeClr val="lt1"/>
+    </dgm:linClrLst>
+    <dgm:effectClrLst/>
+    <dgm:txLinClrLst/>
+    <dgm:txFillClrLst meth="repeat">
+      <a:schemeClr val="lt1"/>
+    </dgm:txFillClrLst>
+    <dgm:txEffectClrLst/>
+  </dgm:styleLbl>
+  <dgm:styleLbl name="alignImgPlace1">
+    <dgm:fillClrLst>
+      <a:schemeClr val="accent2">
+        <a:tint val="50000"/>
+      </a:schemeClr>
+      <a:schemeClr val="accent2">
+        <a:tint val="55000"/>
+      </a:schemeClr>
+    </dgm:fillClrLst>
+    <dgm:linClrLst meth="repeat">
+      <a:schemeClr val="lt1"/>
+    </dgm:linClrLst>
+    <dgm:effectClrLst/>
+    <dgm:txLinClrLst/>
+    <dgm:txFillClrLst meth="repeat">
+      <a:schemeClr val="lt1"/>
+    </dgm:txFillClrLst>
+    <dgm:txEffectClrLst/>
+  </dgm:styleLbl>
+  <dgm:styleLbl name="bgImgPlace1">
+    <dgm:fillClrLst>
+      <a:schemeClr val="accent2">
+        <a:tint val="50000"/>
+      </a:schemeClr>
+      <a:schemeClr val="accent2">
+        <a:tint val="55000"/>
+      </a:schemeClr>
+    </dgm:fillClrLst>
+    <dgm:linClrLst meth="repeat">
+      <a:schemeClr val="lt1"/>
+    </dgm:linClrLst>
+    <dgm:effectClrLst/>
+    <dgm:txLinClrLst/>
+    <dgm:txFillClrLst meth="repeat">
+      <a:schemeClr val="lt1"/>
+    </dgm:txFillClrLst>
+    <dgm:txEffectClrLst/>
+  </dgm:styleLbl>
+  <dgm:styleLbl name="sibTrans2D1">
+    <dgm:fillClrLst meth="cycle">
+      <a:schemeClr val="accent2">
+        <a:shade val="90000"/>
+      </a:schemeClr>
+      <a:schemeClr val="accent2">
+        <a:tint val="50000"/>
+      </a:schemeClr>
+    </dgm:fillClrLst>
+    <dgm:linClrLst meth="cycle">
+      <a:schemeClr val="accent2">
+        <a:shade val="90000"/>
+      </a:schemeClr>
+      <a:schemeClr val="accent2">
+        <a:tint val="50000"/>
+      </a:schemeClr>
+    </dgm:linClrLst>
+    <dgm:effectClrLst/>
+    <dgm:txLinClrLst/>
+    <dgm:txFillClrLst/>
+    <dgm:txEffectClrLst/>
+  </dgm:styleLbl>
+  <dgm:styleLbl name="fgSibTrans2D1">
+    <dgm:fillClrLst meth="cycle">
+      <a:schemeClr val="accent2">
+        <a:shade val="90000"/>
+      </a:schemeClr>
+      <a:schemeClr val="accent2">
+        <a:tint val="50000"/>
+      </a:schemeClr>
+    </dgm:fillClrLst>
+    <dgm:linClrLst meth="cycle">
+      <a:schemeClr val="accent2">
+        <a:shade val="90000"/>
+      </a:schemeClr>
+      <a:schemeClr val="accent2">
+        <a:tint val="50000"/>
+      </a:schemeClr>
+    </dgm:linClrLst>
+    <dgm:effectClrLst/>
+    <dgm:txLinClrLst/>
+    <dgm:txFillClrLst/>
+    <dgm:txEffectClrLst/>
+  </dgm:styleLbl>
+  <dgm:styleLbl name="bgSibTrans2D1">
+    <dgm:fillClrLst meth="cycle">
+      <a:schemeClr val="accent2">
+        <a:shade val="90000"/>
+      </a:schemeClr>
+      <a:schemeClr val="accent2">
+        <a:tint val="50000"/>
+      </a:schemeClr>
+    </dgm:fillClrLst>
+    <dgm:linClrLst meth="cycle">
+      <a:schemeClr val="accent2">
+        <a:shade val="90000"/>
+      </a:schemeClr>
+      <a:schemeClr val="accent2">
+        <a:tint val="50000"/>
+      </a:schemeClr>
+    </dgm:linClrLst>
+    <dgm:effectClrLst/>
+    <dgm:txLinClrLst/>
+    <dgm:txFillClrLst/>
+    <dgm:txEffectClrLst/>
+  </dgm:styleLbl>
+  <dgm:styleLbl name="sibTrans1D1">
+    <dgm:fillClrLst meth="cycle">
+      <a:schemeClr val="accent2">
+        <a:shade val="90000"/>
+      </a:schemeClr>
+      <a:schemeClr val="accent2">
+        <a:tint val="50000"/>
+      </a:schemeClr>
+    </dgm:fillClrLst>
+    <dgm:linClrLst meth="cycle">
+      <a:schemeClr val="accent2">
+        <a:shade val="90000"/>
+      </a:schemeClr>
+      <a:schemeClr val="accent2">
+        <a:tint val="50000"/>
+      </a:schemeClr>
+    </dgm:linClrLst>
+    <dgm:effectClrLst/>
+    <dgm:txLinClrLst/>
+    <dgm:txFillClrLst meth="repeat">
+      <a:schemeClr val="tx1"/>
+    </dgm:txFillClrLst>
+    <dgm:txEffectClrLst/>
+  </dgm:styleLbl>
+  <dgm:styleLbl name="callout">
+    <dgm:fillClrLst meth="repeat">
+      <a:schemeClr val="accent2"/>
+    </dgm:fillClrLst>
+    <dgm:linClrLst meth="repeat">
+      <a:schemeClr val="accent2"/>
+    </dgm:linClrLst>
+    <dgm:effectClrLst/>
+    <dgm:txLinClrLst/>
+    <dgm:txFillClrLst meth="repeat">
+      <a:schemeClr val="tx1"/>
+    </dgm:txFillClrLst>
+    <dgm:txEffectClrLst/>
+  </dgm:styleLbl>
+  <dgm:styleLbl name="asst0">
+    <dgm:fillClrLst meth="repeat">
+      <a:schemeClr val="accent2">
+        <a:shade val="80000"/>
+      </a:schemeClr>
+    </dgm:fillClrLst>
+    <dgm:linClrLst meth="repeat">
+      <a:schemeClr val="lt1"/>
+    </dgm:linClrLst>
+    <dgm:effectClrLst/>
+    <dgm:txLinClrLst/>
+    <dgm:txFillClrLst/>
+    <dgm:txEffectClrLst/>
+  </dgm:styleLbl>
+  <dgm:styleLbl name="asst1">
+    <dgm:fillClrLst meth="repeat">
+      <a:schemeClr val="accent2">
+        <a:shade val="80000"/>
+      </a:schemeClr>
+    </dgm:fillClrLst>
+    <dgm:linClrLst meth="repeat">
+      <a:schemeClr val="lt1"/>
+    </dgm:linClrLst>
+    <dgm:effectClrLst/>
+    <dgm:txLinClrLst/>
+    <dgm:txFillClrLst/>
+    <dgm:txEffectClrLst/>
+  </dgm:styleLbl>
+  <dgm:styleLbl name="asst2">
+    <dgm:fillClrLst>
+      <a:schemeClr val="accent2">
+        <a:tint val="90000"/>
+      </a:schemeClr>
+    </dgm:fillClrLst>
+    <dgm:linClrLst meth="repeat">
+      <a:schemeClr val="lt1"/>
+    </dgm:linClrLst>
+    <dgm:effectClrLst/>
+    <dgm:txLinClrLst/>
+    <dgm:txFillClrLst/>
+    <dgm:txEffectClrLst/>
+  </dgm:styleLbl>
+  <dgm:styleLbl name="asst3">
+    <dgm:fillClrLst>
+      <a:schemeClr val="accent2">
+        <a:tint val="70000"/>
+      </a:schemeClr>
+    </dgm:fillClrLst>
+    <dgm:linClrLst meth="repeat">
+      <a:schemeClr val="lt1"/>
+    </dgm:linClrLst>
+    <dgm:effectClrLst/>
+    <dgm:txLinClrLst/>
+    <dgm:txFillClrLst/>
+    <dgm:txEffectClrLst/>
+  </dgm:styleLbl>
+  <dgm:styleLbl name="asst4">
+    <dgm:fillClrLst>
+      <a:schemeClr val="accent2">
+        <a:tint val="50000"/>
+      </a:schemeClr>
+    </dgm:fillClrLst>
+    <dgm:linClrLst meth="repeat">
+      <a:schemeClr val="lt1"/>
+    </dgm:linClrLst>
+    <dgm:effectClrLst/>
+    <dgm:txLinClrLst/>
+    <dgm:txFillClrLst/>
+    <dgm:txEffectClrLst/>
+  </dgm:styleLbl>
+  <dgm:styleLbl name="parChTrans2D1">
+    <dgm:fillClrLst meth="repeat">
+      <a:schemeClr val="accent2">
+        <a:tint val="60000"/>
+      </a:schemeClr>
+    </dgm:fillClrLst>
+    <dgm:linClrLst meth="repeat">
+      <a:schemeClr val="accent2">
+        <a:shade val="80000"/>
+      </a:schemeClr>
+    </dgm:linClrLst>
+    <dgm:effectClrLst/>
+    <dgm:txLinClrLst/>
+    <dgm:txFillClrLst/>
+    <dgm:txEffectClrLst/>
+  </dgm:styleLbl>
+  <dgm:styleLbl name="parChTrans2D2">
+    <dgm:fillClrLst meth="repeat">
+      <a:schemeClr val="accent2">
+        <a:tint val="90000"/>
+      </a:schemeClr>
+    </dgm:fillClrLst>
+    <dgm:linClrLst meth="repeat">
+      <a:schemeClr val="accent2">
+        <a:tint val="90000"/>
+      </a:schemeClr>
+    </dgm:linClrLst>
+    <dgm:effectClrLst/>
+    <dgm:txLinClrLst/>
+    <dgm:txFillClrLst/>
+    <dgm:txEffectClrLst/>
+  </dgm:styleLbl>
+  <dgm:styleLbl name="parChTrans2D3">
+    <dgm:fillClrLst meth="repeat">
+      <a:schemeClr val="accent2">
+        <a:tint val="70000"/>
+      </a:schemeClr>
+    </dgm:fillClrLst>
+    <dgm:linClrLst meth="repeat">
+      <a:schemeClr val="accent2">
+        <a:tint val="70000"/>
+      </a:schemeClr>
+    </dgm:linClrLst>
+    <dgm:effectClrLst/>
+    <dgm:txLinClrLst/>
+    <dgm:txFillClrLst/>
+    <dgm:txEffectClrLst/>
+  </dgm:styleLbl>
+  <dgm:styleLbl name="parChTrans2D4">
+    <dgm:fillClrLst meth="repeat">
+      <a:schemeClr val="accent2">
+        <a:tint val="50000"/>
+      </a:schemeClr>
+    </dgm:fillClrLst>
+    <dgm:linClrLst meth="repeat">
+      <a:schemeClr val="accent2">
+        <a:tint val="50000"/>
+      </a:schemeClr>
+    </dgm:linClrLst>
+    <dgm:effectClrLst/>
+    <dgm:txLinClrLst/>
+    <dgm:txFillClrLst meth="repeat">
+      <a:schemeClr val="dk1"/>
+    </dgm:txFillClrLst>
+    <dgm:txEffectClrLst/>
+  </dgm:styleLbl>
+  <dgm:styleLbl name="parChTrans1D1">
+    <dgm:fillClrLst meth="repeat">
+      <a:schemeClr val="accent2">
+        <a:shade val="80000"/>
+      </a:schemeClr>
+    </dgm:fillClrLst>
+    <dgm:linClrLst meth="repeat">
+      <a:schemeClr val="accent2">
+        <a:shade val="80000"/>
+      </a:schemeClr>
+    </dgm:linClrLst>
+    <dgm:effectClrLst/>
+    <dgm:txLinClrLst/>
+    <dgm:txFillClrLst meth="repeat">
+      <a:schemeClr val="tx1"/>
+    </dgm:txFillClrLst>
+    <dgm:txEffectClrLst/>
+  </dgm:styleLbl>
+  <dgm:styleLbl name="parChTrans1D2">
+    <dgm:fillClrLst meth="repeat">
+      <a:schemeClr val="accent2">
+        <a:tint val="90000"/>
+      </a:schemeClr>
+    </dgm:fillClrLst>
+    <dgm:linClrLst meth="repeat">
+      <a:schemeClr val="accent2">
+        <a:tint val="90000"/>
+      </a:schemeClr>
+    </dgm:linClrLst>
+    <dgm:effectClrLst/>
+    <dgm:txLinClrLst/>
+    <dgm:txFillClrLst meth="repeat">
+      <a:schemeClr val="tx1"/>
+    </dgm:txFillClrLst>
+    <dgm:txEffectClrLst/>
+  </dgm:styleLbl>
+  <dgm:styleLbl name="parChTrans1D3">
+    <dgm:fillClrLst meth="repeat">
+      <a:schemeClr val="accent2">
+        <a:tint val="70000"/>
+      </a:schemeClr>
+    </dgm:fillClrLst>
+    <dgm:linClrLst meth="repeat">
+      <a:schemeClr val="accent2">
+        <a:tint val="70000"/>
+      </a:schemeClr>
+    </dgm:linClrLst>
+    <dgm:effectClrLst/>
+    <dgm:txLinClrLst/>
+    <dgm:txFillClrLst meth="repeat">
+      <a:schemeClr val="tx1"/>
+    </dgm:txFillClrLst>
+    <dgm:txEffectClrLst/>
+  </dgm:styleLbl>
+  <dgm:styleLbl name="parChTrans1D4">
+    <dgm:fillClrLst meth="repeat">
+      <a:schemeClr val="accent2">
+        <a:tint val="50000"/>
+      </a:schemeClr>
+    </dgm:fillClrLst>
+    <dgm:linClrLst meth="repeat">
+      <a:schemeClr val="accent2">
+        <a:tint val="50000"/>
+      </a:schemeClr>
+    </dgm:linClrLst>
+    <dgm:effectClrLst/>
+    <dgm:txLinClrLst/>
+    <dgm:txFillClrLst meth="repeat">
+      <a:schemeClr val="tx1"/>
+    </dgm:txFillClrLst>
+    <dgm:txEffectClrLst/>
+  </dgm:styleLbl>
+  <dgm:styleLbl name="fgAcc1">
+    <dgm:fillClrLst meth="repeat">
+      <a:schemeClr val="lt1">
+        <a:alpha val="90000"/>
+      </a:schemeClr>
+    </dgm:fillClrLst>
+    <dgm:linClrLst meth="cycle">
+      <a:schemeClr val="accent2">
+        <a:shade val="50000"/>
+      </a:schemeClr>
+      <a:schemeClr val="accent2">
+        <a:tint val="55000"/>
+      </a:schemeClr>
+    </dgm:linClrLst>
+    <dgm:effectClrLst/>
+    <dgm:txLinClrLst/>
+    <dgm:txFillClrLst meth="repeat">
+      <a:schemeClr val="dk1"/>
+    </dgm:txFillClrLst>
+    <dgm:txEffectClrLst/>
+  </dgm:styleLbl>
+  <dgm:styleLbl name="conFgAcc1">
+    <dgm:fillClrLst meth="repeat">
+      <a:schemeClr val="lt1">
+        <a:alpha val="90000"/>
+      </a:schemeClr>
+    </dgm:fillClrLst>
+    <dgm:linClrLst meth="cycle">
+      <a:schemeClr val="accent2">
+        <a:shade val="50000"/>
+      </a:schemeClr>
+      <a:schemeClr val="accent2">
+        <a:tint val="55000"/>
+      </a:schemeClr>
+    </dgm:linClrLst>
+    <dgm:effectClrLst/>
+    <dgm:txLinClrLst/>
+    <dgm:txFillClrLst meth="repeat">
+      <a:schemeClr val="dk1"/>
+    </dgm:txFillClrLst>
+    <dgm:txEffectClrLst/>
+  </dgm:styleLbl>
+  <dgm:styleLbl name="alignAcc1">
+    <dgm:fillClrLst meth="repeat">
+      <a:schemeClr val="lt1">
+        <a:alpha val="90000"/>
+      </a:schemeClr>
+    </dgm:fillClrLst>
+    <dgm:linClrLst meth="cycle">
+      <a:schemeClr val="accent2">
+        <a:shade val="50000"/>
+      </a:schemeClr>
+      <a:schemeClr val="accent2">
+        <a:tint val="55000"/>
+      </a:schemeClr>
+    </dgm:linClrLst>
+    <dgm:effectClrLst/>
+    <dgm:txLinClrLst/>
+    <dgm:txFillClrLst meth="repeat">
+      <a:schemeClr val="dk1"/>
+    </dgm:txFillClrLst>
+    <dgm:txEffectClrLst/>
+  </dgm:styleLbl>
+  <dgm:styleLbl name="trAlignAcc1">
+    <dgm:fillClrLst meth="repeat">
+      <a:schemeClr val="lt1">
+        <a:alpha val="55000"/>
+      </a:schemeClr>
+    </dgm:fillClrLst>
+    <dgm:linClrLst meth="repeat">
+      <a:schemeClr val="accent2"/>
+    </dgm:linClrLst>
+    <dgm:effectClrLst/>
+    <dgm:txLinClrLst/>
+    <dgm:txFillClrLst meth="repeat">
+      <a:schemeClr val="dk1"/>
+    </dgm:txFillClrLst>
+    <dgm:txEffectClrLst/>
+  </dgm:styleLbl>
+  <dgm:styleLbl name="bgAcc1">
+    <dgm:fillClrLst meth="repeat">
+      <a:schemeClr val="lt1">
+        <a:alpha val="90000"/>
+      </a:schemeClr>
+    </dgm:fillClrLst>
+    <dgm:linClrLst meth="cycle">
+      <a:schemeClr val="accent2">
+        <a:shade val="50000"/>
+      </a:schemeClr>
+      <a:schemeClr val="accent2">
+        <a:tint val="55000"/>
+      </a:schemeClr>
+    </dgm:linClrLst>
+    <dgm:effectClrLst/>
+    <dgm:txLinClrLst/>
+    <dgm:txFillClrLst meth="repeat">
+      <a:schemeClr val="dk1"/>
+    </dgm:txFillClrLst>
+    <dgm:txEffectClrLst/>
+  </dgm:styleLbl>
+  <dgm:styleLbl name="solidFgAcc1">
+    <dgm:fillClrLst meth="repeat">
+      <a:schemeClr val="lt1"/>
+    </dgm:fillClrLst>
+    <dgm:linClrLst meth="cycle">
+      <a:schemeClr val="accent2">
+        <a:shade val="50000"/>
+      </a:schemeClr>
+      <a:schemeClr val="accent2">
+        <a:tint val="55000"/>
+      </a:schemeClr>
+    </dgm:linClrLst>
+    <dgm:effectClrLst/>
+    <dgm:txLinClrLst/>
+    <dgm:txFillClrLst meth="repeat">
+      <a:schemeClr val="dk1"/>
+    </dgm:txFillClrLst>
+    <dgm:txEffectClrLst/>
+  </dgm:styleLbl>
+  <dgm:styleLbl name="solidAlignAcc1">
+    <dgm:fillClrLst meth="repeat">
+      <a:schemeClr val="lt1"/>
+    </dgm:fillClrLst>
+    <dgm:linClrLst meth="repeat">
+      <a:schemeClr val="accent2"/>
+    </dgm:linClrLst>
+    <dgm:effectClrLst/>
+    <dgm:txLinClrLst/>
+    <dgm:txFillClrLst meth="repeat">
+      <a:schemeClr val="dk1"/>
+    </dgm:txFillClrLst>
+    <dgm:txEffectClrLst/>
+  </dgm:styleLbl>
+  <dgm:styleLbl name="solidBgAcc1">
+    <dgm:fillClrLst meth="repeat">
+      <a:schemeClr val="lt1"/>
+    </dgm:fillClrLst>
+    <dgm:linClrLst meth="repeat">
+      <a:schemeClr val="accent2"/>
+    </dgm:linClrLst>
+    <dgm:effectClrLst/>
+    <dgm:txLinClrLst/>
+    <dgm:txFillClrLst meth="repeat">
+      <a:schemeClr val="dk1"/>
+    </dgm:txFillClrLst>
+    <dgm:txEffectClrLst/>
+  </dgm:styleLbl>
+  <dgm:styleLbl name="fgAccFollowNode1">
+    <dgm:fillClrLst meth="repeat">
+      <a:schemeClr val="accent2">
+        <a:alpha val="90000"/>
+        <a:tint val="55000"/>
+      </a:schemeClr>
+    </dgm:fillClrLst>
+    <dgm:linClrLst meth="repeat">
+      <a:schemeClr val="accent2">
+        <a:alpha val="90000"/>
+        <a:tint val="55000"/>
+      </a:schemeClr>
+    </dgm:linClrLst>
+    <dgm:effectClrLst/>
+    <dgm:txLinClrLst/>
+    <dgm:txFillClrLst meth="repeat">
+      <a:schemeClr val="dk1"/>
+    </dgm:txFillClrLst>
+    <dgm:txEffectClrLst/>
+  </dgm:styleLbl>
+  <dgm:styleLbl name="alignAccFollowNode1">
+    <dgm:fillClrLst meth="repeat">
+      <a:schemeClr val="accent2">
+        <a:alpha val="90000"/>
+        <a:tint val="55000"/>
+      </a:schemeClr>
+    </dgm:fillClrLst>
+    <dgm:linClrLst meth="repeat">
+      <a:schemeClr val="accent2">
+        <a:alpha val="90000"/>
+        <a:tint val="55000"/>
+      </a:schemeClr>
+    </dgm:linClrLst>
+    <dgm:effectClrLst/>
+    <dgm:txLinClrLst/>
+    <dgm:txFillClrLst meth="repeat">
+      <a:schemeClr val="dk1"/>
+    </dgm:txFillClrLst>
+    <dgm:txEffectClrLst/>
+  </dgm:styleLbl>
+  <dgm:styleLbl name="bgAccFollowNode1">
+    <dgm:fillClrLst meth="repeat">
+      <a:schemeClr val="accent2">
+        <a:alpha val="90000"/>
+        <a:tint val="55000"/>
+      </a:schemeClr>
+    </dgm:fillClrLst>
+    <dgm:linClrLst meth="repeat">
+      <a:schemeClr val="lt1"/>
+    </dgm:linClrLst>
+    <dgm:effectClrLst/>
+    <dgm:txLinClrLst/>
+    <dgm:txFillClrLst meth="repeat">
+      <a:schemeClr val="dk1"/>
+    </dgm:txFillClrLst>
+    <dgm:txEffectClrLst/>
+  </dgm:styleLbl>
+  <dgm:styleLbl name="fgAcc0">
+    <dgm:fillClrLst meth="repeat">
+      <a:schemeClr val="lt1">
+        <a:alpha val="90000"/>
+      </a:schemeClr>
+    </dgm:fillClrLst>
+    <dgm:linClrLst meth="repeat">
+      <a:schemeClr val="accent2">
+        <a:shade val="80000"/>
+      </a:schemeClr>
+    </dgm:linClrLst>
+    <dgm:effectClrLst/>
+    <dgm:txLinClrLst/>
+    <dgm:txFillClrLst meth="repeat">
+      <a:schemeClr val="dk1"/>
+    </dgm:txFillClrLst>
+    <dgm:txEffectClrLst/>
+  </dgm:styleLbl>
+  <dgm:styleLbl name="fgAcc2">
+    <dgm:fillClrLst meth="repeat">
+      <a:schemeClr val="lt1">
+        <a:alpha val="90000"/>
+      </a:schemeClr>
+    </dgm:fillClrLst>
+    <dgm:linClrLst meth="repeat">
+      <a:schemeClr val="accent2">
+        <a:tint val="90000"/>
+      </a:schemeClr>
+    </dgm:linClrLst>
+    <dgm:effectClrLst/>
+    <dgm:txLinClrLst/>
+    <dgm:txFillClrLst meth="repeat">
+      <a:schemeClr val="dk1"/>
+    </dgm:txFillClrLst>
+    <dgm:txEffectClrLst/>
+  </dgm:styleLbl>
+  <dgm:styleLbl name="fgAcc3">
+    <dgm:fillClrLst meth="repeat">
+      <a:schemeClr val="lt1">
+        <a:alpha val="90000"/>
+      </a:schemeClr>
+    </dgm:fillClrLst>
+    <dgm:linClrLst meth="repeat">
+      <a:schemeClr val="accent2">
+        <a:tint val="70000"/>
+      </a:schemeClr>
+    </dgm:linClrLst>
+    <dgm:effectClrLst/>
+    <dgm:txLinClrLst/>
+    <dgm:txFillClrLst meth="repeat">
+      <a:schemeClr val="dk1"/>
+    </dgm:txFillClrLst>
+    <dgm:txEffectClrLst/>
+  </dgm:styleLbl>
+  <dgm:styleLbl name="fgAcc4">
+    <dgm:fillClrLst meth="repeat">
+      <a:schemeClr val="lt1">
+        <a:alpha val="90000"/>
+      </a:schemeClr>
+    </dgm:fillClrLst>
+    <dgm:linClrLst meth="repeat">
+      <a:schemeClr val="accent2">
+        <a:tint val="50000"/>
+      </a:schemeClr>
+    </dgm:linClrLst>
+    <dgm:effectClrLst/>
+    <dgm:txLinClrLst/>
+    <dgm:txFillClrLst meth="repeat">
+      <a:schemeClr val="dk1"/>
+    </dgm:txFillClrLst>
+    <dgm:txEffectClrLst/>
+  </dgm:styleLbl>
+  <dgm:styleLbl name="bgShp">
+    <dgm:fillClrLst meth="repeat">
+      <a:schemeClr val="accent2">
+        <a:tint val="55000"/>
+      </a:schemeClr>
+    </dgm:fillClrLst>
+    <dgm:linClrLst meth="repeat">
+      <a:schemeClr val="dk1"/>
+    </dgm:linClrLst>
+    <dgm:effectClrLst/>
+    <dgm:txLinClrLst/>
+    <dgm:txFillClrLst meth="repeat">
+      <a:schemeClr val="dk1"/>
+    </dgm:txFillClrLst>
+    <dgm:txEffectClrLst/>
+  </dgm:styleLbl>
+  <dgm:styleLbl name="dkBgShp">
+    <dgm:fillClrLst meth="repeat">
+      <a:schemeClr val="accent2">
+        <a:shade val="90000"/>
+      </a:schemeClr>
+    </dgm:fillClrLst>
+    <dgm:linClrLst meth="repeat">
+      <a:schemeClr val="dk1"/>
+    </dgm:linClrLst>
+    <dgm:effectClrLst/>
+    <dgm:txLinClrLst/>
+    <dgm:txFillClrLst meth="repeat">
+      <a:schemeClr val="lt1"/>
+    </dgm:txFillClrLst>
+    <dgm:txEffectClrLst/>
+  </dgm:styleLbl>
+  <dgm:styleLbl name="trBgShp">
+    <dgm:fillClrLst meth="repeat">
+      <a:schemeClr val="accent2">
+        <a:tint val="50000"/>
+        <a:alpha val="55000"/>
+      </a:schemeClr>
+    </dgm:fillClrLst>
+    <dgm:linClrLst meth="repeat">
+      <a:schemeClr val="accent2"/>
+    </dgm:linClrLst>
+    <dgm:effectClrLst/>
+    <dgm:txLinClrLst/>
+    <dgm:txFillClrLst meth="repeat">
+      <a:schemeClr val="lt1"/>
+    </dgm:txFillClrLst>
+    <dgm:txEffectClrLst/>
+  </dgm:styleLbl>
+  <dgm:styleLbl name="fgShp">
+    <dgm:fillClrLst meth="repeat">
+      <a:schemeClr val="accent2">
+        <a:tint val="55000"/>
+      </a:schemeClr>
+    </dgm:fillClrLst>
+    <dgm:linClrLst meth="repeat">
+      <a:schemeClr val="lt1"/>
+    </dgm:linClrLst>
+    <dgm:effectClrLst/>
+    <dgm:txLinClrLst/>
+    <dgm:txFillClrLst meth="repeat">
+      <a:schemeClr val="dk1"/>
+    </dgm:txFillClrLst>
+    <dgm:txEffectClrLst/>
+  </dgm:styleLbl>
+  <dgm:styleLbl name="revTx">
+    <dgm:fillClrLst meth="repeat">
+      <a:schemeClr val="lt1">
+        <a:alpha val="0"/>
+      </a:schemeClr>
+    </dgm:fillClrLst>
+    <dgm:linClrLst meth="repeat">
+      <a:schemeClr val="dk1">
+        <a:alpha val="0"/>
+      </a:schemeClr>
+    </dgm:linClrLst>
+    <dgm:effectClrLst/>
+    <dgm:txLinClrLst/>
+    <dgm:txFillClrLst meth="repeat">
+      <a:schemeClr val="tx1"/>
+    </dgm:txFillClrLst>
+    <dgm:txEffectClrLst/>
+  </dgm:styleLbl>
+</dgm:colorsDef>
+</file>
+
+<file path=ppt/diagrams/data1.xml><?xml version="1.0" encoding="utf-8"?>
+<dgm:dataModel xmlns:dgm="http://schemas.openxmlformats.org/drawingml/2006/diagram" xmlns:a="http://schemas.openxmlformats.org/drawingml/2006/main">
+  <dgm:ptLst>
+    <dgm:pt modelId="{B61D1457-E11F-44B3-9A30-7228C310090B}" type="doc">
+      <dgm:prSet loTypeId="urn:microsoft.com/office/officeart/2005/8/layout/vList3" loCatId="picture" qsTypeId="urn:microsoft.com/office/officeart/2005/8/quickstyle/simple1" qsCatId="simple" csTypeId="urn:microsoft.com/office/officeart/2005/8/colors/accent2_4" csCatId="accent2" phldr="1"/>
+      <dgm:spPr/>
+    </dgm:pt>
+    <dgm:pt modelId="{1599D4BC-C6D6-4250-823B-B94EC33E6D81}">
+      <dgm:prSet phldrT="[Text]" custT="1"/>
+      <dgm:spPr>
+        <a:noFill/>
+      </dgm:spPr>
+      <dgm:t>
+        <a:bodyPr/>
+        <a:lstStyle/>
+        <a:p>
+          <a:r>
+            <a:rPr lang="en-IN" sz="2000" dirty="0">
+              <a:solidFill>
+                <a:schemeClr val="tx1"/>
+              </a:solidFill>
+            </a:rPr>
+            <a:t>/bismillah-kani-49a31115/</a:t>
+          </a:r>
+        </a:p>
+      </dgm:t>
+    </dgm:pt>
+    <dgm:pt modelId="{00AC6BCA-E3F6-44DD-9C94-CD59E7389135}" type="parTrans" cxnId="{080C747D-7955-41C4-A75F-F9B66A767C9F}">
+      <dgm:prSet/>
+      <dgm:spPr/>
+      <dgm:t>
+        <a:bodyPr/>
+        <a:lstStyle/>
+        <a:p>
+          <a:endParaRPr lang="en-IN"/>
+        </a:p>
+      </dgm:t>
+    </dgm:pt>
+    <dgm:pt modelId="{5437EB71-AEC7-4D18-9CD5-E55DE4B6EB36}" type="sibTrans" cxnId="{080C747D-7955-41C4-A75F-F9B66A767C9F}">
+      <dgm:prSet/>
+      <dgm:spPr/>
+      <dgm:t>
+        <a:bodyPr/>
+        <a:lstStyle/>
+        <a:p>
+          <a:endParaRPr lang="en-IN"/>
+        </a:p>
+      </dgm:t>
+    </dgm:pt>
+    <dgm:pt modelId="{87433413-0CA1-40E6-A6CE-0C7722460EC6}">
+      <dgm:prSet phldrT="[Text]" custT="1"/>
+      <dgm:spPr>
+        <a:noFill/>
+      </dgm:spPr>
+      <dgm:t>
+        <a:bodyPr/>
+        <a:lstStyle/>
+        <a:p>
+          <a:r>
+            <a:rPr lang="en-IN" sz="2000" dirty="0">
+              <a:solidFill>
+                <a:schemeClr val="tx1"/>
+              </a:solidFill>
+            </a:rPr>
+            <a:t>bismillahkani@gmail.com</a:t>
+          </a:r>
+        </a:p>
+      </dgm:t>
+    </dgm:pt>
+    <dgm:pt modelId="{342B2B00-A84E-4FD1-867B-4E9D204917E7}" type="parTrans" cxnId="{6BB544C2-867B-4CCA-93F3-DC7900249723}">
+      <dgm:prSet/>
+      <dgm:spPr/>
+      <dgm:t>
+        <a:bodyPr/>
+        <a:lstStyle/>
+        <a:p>
+          <a:endParaRPr lang="en-IN"/>
+        </a:p>
+      </dgm:t>
+    </dgm:pt>
+    <dgm:pt modelId="{C891A15E-D5FE-45E3-BCE5-660B0BC99209}" type="sibTrans" cxnId="{6BB544C2-867B-4CCA-93F3-DC7900249723}">
+      <dgm:prSet/>
+      <dgm:spPr/>
+      <dgm:t>
+        <a:bodyPr/>
+        <a:lstStyle/>
+        <a:p>
+          <a:endParaRPr lang="en-IN"/>
+        </a:p>
+      </dgm:t>
+    </dgm:pt>
+    <dgm:pt modelId="{60F82DAF-EE05-4E72-9B3F-9D0611A3D4FB}">
+      <dgm:prSet phldrT="[Text]" custT="1"/>
+      <dgm:spPr>
+        <a:noFill/>
+        <a:ln w="12700" cap="flat" cmpd="sng" algn="ctr">
+          <a:solidFill>
+            <a:srgbClr val="000000">
+              <a:hueOff val="0"/>
+              <a:satOff val="0"/>
+              <a:lumOff val="0"/>
+              <a:alphaOff val="0"/>
+            </a:srgbClr>
+          </a:solidFill>
+          <a:prstDash val="solid"/>
+          <a:miter lim="800000"/>
+        </a:ln>
+        <a:effectLst/>
+      </dgm:spPr>
+      <dgm:t>
+        <a:bodyPr spcFirstLastPara="0" vert="horz" wrap="square" lIns="453801" tIns="175260" rIns="327152" bIns="175260" numCol="1" spcCol="1270" anchor="ctr" anchorCtr="0"/>
+        <a:lstStyle/>
+        <a:p>
+          <a:pPr marL="0" lvl="0" indent="0" algn="ctr" defTabSz="2044700">
+            <a:lnSpc>
+              <a:spcPct val="90000"/>
+            </a:lnSpc>
+            <a:spcBef>
+              <a:spcPct val="0"/>
+            </a:spcBef>
+            <a:spcAft>
+              <a:spcPct val="35000"/>
+            </a:spcAft>
+            <a:buNone/>
+          </a:pPr>
+          <a:r>
+            <a:rPr lang="en-IN" sz="2000" kern="1200" dirty="0">
+              <a:solidFill>
+                <a:schemeClr val="tx1"/>
+              </a:solidFill>
+              <a:latin typeface="Source Sans Pro"/>
+              <a:ea typeface="+mn-ea"/>
+              <a:cs typeface="+mn-cs"/>
+            </a:rPr>
+            <a:t>/bismillahkani</a:t>
+          </a:r>
+        </a:p>
+      </dgm:t>
+    </dgm:pt>
+    <dgm:pt modelId="{3054C009-5402-43C7-BA22-03D62C456167}" type="parTrans" cxnId="{18429F19-9048-4852-A72D-1F7822DFA55D}">
+      <dgm:prSet/>
+      <dgm:spPr/>
+      <dgm:t>
+        <a:bodyPr/>
+        <a:lstStyle/>
+        <a:p>
+          <a:endParaRPr lang="en-IN"/>
+        </a:p>
+      </dgm:t>
+    </dgm:pt>
+    <dgm:pt modelId="{B7D861FE-F5BD-40F0-9A9B-9C6518B33EA1}" type="sibTrans" cxnId="{18429F19-9048-4852-A72D-1F7822DFA55D}">
+      <dgm:prSet/>
+      <dgm:spPr/>
+      <dgm:t>
+        <a:bodyPr/>
+        <a:lstStyle/>
+        <a:p>
+          <a:endParaRPr lang="en-IN"/>
+        </a:p>
+      </dgm:t>
+    </dgm:pt>
+    <dgm:pt modelId="{2FBDAFCF-6796-47A2-8FDB-47508B1A91D6}" type="pres">
+      <dgm:prSet presAssocID="{B61D1457-E11F-44B3-9A30-7228C310090B}" presName="linearFlow" presStyleCnt="0">
+        <dgm:presLayoutVars>
+          <dgm:dir/>
+          <dgm:resizeHandles val="exact"/>
+        </dgm:presLayoutVars>
+      </dgm:prSet>
+      <dgm:spPr/>
+    </dgm:pt>
+    <dgm:pt modelId="{2BA99C8D-BD8B-4896-9B4E-8AD03D2081C0}" type="pres">
+      <dgm:prSet presAssocID="{1599D4BC-C6D6-4250-823B-B94EC33E6D81}" presName="composite" presStyleCnt="0"/>
+      <dgm:spPr/>
+    </dgm:pt>
+    <dgm:pt modelId="{74AE73E2-6F74-44B8-A911-7B0BAAAF04EE}" type="pres">
+      <dgm:prSet presAssocID="{1599D4BC-C6D6-4250-823B-B94EC33E6D81}" presName="imgShp" presStyleLbl="fgImgPlace1" presStyleIdx="0" presStyleCnt="3"/>
+      <dgm:spPr>
+        <a:blipFill>
+          <a:blip xmlns:r="http://schemas.openxmlformats.org/officeDocument/2006/relationships" r:embed="rId1">
+            <a:extLst>
+              <a:ext uri="{28A0092B-C50C-407E-A947-70E740481C1C}">
+                <a14:useLocalDpi xmlns:a14="http://schemas.microsoft.com/office/drawing/2010/main" val="0"/>
+              </a:ext>
+            </a:extLst>
+          </a:blip>
+          <a:srcRect/>
+          <a:stretch>
+            <a:fillRect/>
+          </a:stretch>
+        </a:blipFill>
+      </dgm:spPr>
+    </dgm:pt>
+    <dgm:pt modelId="{99272426-E283-4476-A74B-7C271F8C5F3D}" type="pres">
+      <dgm:prSet presAssocID="{1599D4BC-C6D6-4250-823B-B94EC33E6D81}" presName="txShp" presStyleLbl="node1" presStyleIdx="0" presStyleCnt="3">
+        <dgm:presLayoutVars>
+          <dgm:bulletEnabled val="1"/>
+        </dgm:presLayoutVars>
+      </dgm:prSet>
+      <dgm:spPr/>
+    </dgm:pt>
+    <dgm:pt modelId="{54C13591-9315-44BE-BB21-4BD1A763CADA}" type="pres">
+      <dgm:prSet presAssocID="{5437EB71-AEC7-4D18-9CD5-E55DE4B6EB36}" presName="spacing" presStyleCnt="0"/>
+      <dgm:spPr/>
+    </dgm:pt>
+    <dgm:pt modelId="{20F9206A-5809-4D0A-BAE7-7C9DD6128895}" type="pres">
+      <dgm:prSet presAssocID="{87433413-0CA1-40E6-A6CE-0C7722460EC6}" presName="composite" presStyleCnt="0"/>
+      <dgm:spPr/>
+    </dgm:pt>
+    <dgm:pt modelId="{1D371653-EF93-48BB-B97F-C29A649E35FE}" type="pres">
+      <dgm:prSet presAssocID="{87433413-0CA1-40E6-A6CE-0C7722460EC6}" presName="imgShp" presStyleLbl="fgImgPlace1" presStyleIdx="1" presStyleCnt="3"/>
+      <dgm:spPr>
+        <a:blipFill>
+          <a:blip xmlns:r="http://schemas.openxmlformats.org/officeDocument/2006/relationships" r:embed="rId2"/>
+          <a:srcRect/>
+          <a:stretch>
+            <a:fillRect/>
+          </a:stretch>
+        </a:blipFill>
+      </dgm:spPr>
+    </dgm:pt>
+    <dgm:pt modelId="{F8C1CAD7-F598-45B4-A417-2E51AE1C8808}" type="pres">
+      <dgm:prSet presAssocID="{87433413-0CA1-40E6-A6CE-0C7722460EC6}" presName="txShp" presStyleLbl="node1" presStyleIdx="1" presStyleCnt="3">
+        <dgm:presLayoutVars>
+          <dgm:bulletEnabled val="1"/>
+        </dgm:presLayoutVars>
+      </dgm:prSet>
+      <dgm:spPr/>
+    </dgm:pt>
+    <dgm:pt modelId="{A744F1B7-72E0-4CE2-87F0-902456708446}" type="pres">
+      <dgm:prSet presAssocID="{C891A15E-D5FE-45E3-BCE5-660B0BC99209}" presName="spacing" presStyleCnt="0"/>
+      <dgm:spPr/>
+    </dgm:pt>
+    <dgm:pt modelId="{CBDDDE9F-0555-4E96-A5EA-FCC0D17E5E37}" type="pres">
+      <dgm:prSet presAssocID="{60F82DAF-EE05-4E72-9B3F-9D0611A3D4FB}" presName="composite" presStyleCnt="0"/>
+      <dgm:spPr/>
+    </dgm:pt>
+    <dgm:pt modelId="{9DBA89AF-C6B2-4C13-BFD5-EDF87909ECE8}" type="pres">
+      <dgm:prSet presAssocID="{60F82DAF-EE05-4E72-9B3F-9D0611A3D4FB}" presName="imgShp" presStyleLbl="fgImgPlace1" presStyleIdx="2" presStyleCnt="3"/>
+      <dgm:spPr>
+        <a:blipFill>
+          <a:blip xmlns:r="http://schemas.openxmlformats.org/officeDocument/2006/relationships" r:embed="rId3"/>
+          <a:srcRect/>
+          <a:stretch>
+            <a:fillRect/>
+          </a:stretch>
+        </a:blipFill>
+      </dgm:spPr>
+    </dgm:pt>
+    <dgm:pt modelId="{BC0FBE1F-9D5B-4D33-92FD-D2DB6A74C811}" type="pres">
+      <dgm:prSet presAssocID="{60F82DAF-EE05-4E72-9B3F-9D0611A3D4FB}" presName="txShp" presStyleLbl="node1" presStyleIdx="2" presStyleCnt="3">
+        <dgm:presLayoutVars>
+          <dgm:bulletEnabled val="1"/>
+        </dgm:presLayoutVars>
+      </dgm:prSet>
+      <dgm:spPr>
+        <a:xfrm rot="10800000">
+          <a:off x="1344774" y="2672671"/>
+          <a:ext cx="4317545" cy="1029091"/>
+        </a:xfrm>
+        <a:prstGeom prst="homePlate">
+          <a:avLst/>
+        </a:prstGeom>
+      </dgm:spPr>
+    </dgm:pt>
+  </dgm:ptLst>
+  <dgm:cxnLst>
+    <dgm:cxn modelId="{3B987F11-EAC3-4D47-BCDD-F7DD877072D0}" type="presOf" srcId="{1599D4BC-C6D6-4250-823B-B94EC33E6D81}" destId="{99272426-E283-4476-A74B-7C271F8C5F3D}" srcOrd="0" destOrd="0" presId="urn:microsoft.com/office/officeart/2005/8/layout/vList3"/>
+    <dgm:cxn modelId="{18429F19-9048-4852-A72D-1F7822DFA55D}" srcId="{B61D1457-E11F-44B3-9A30-7228C310090B}" destId="{60F82DAF-EE05-4E72-9B3F-9D0611A3D4FB}" srcOrd="2" destOrd="0" parTransId="{3054C009-5402-43C7-BA22-03D62C456167}" sibTransId="{B7D861FE-F5BD-40F0-9A9B-9C6518B33EA1}"/>
+    <dgm:cxn modelId="{15231633-1E5B-44ED-A3F5-CD72180644C4}" type="presOf" srcId="{60F82DAF-EE05-4E72-9B3F-9D0611A3D4FB}" destId="{BC0FBE1F-9D5B-4D33-92FD-D2DB6A74C811}" srcOrd="0" destOrd="0" presId="urn:microsoft.com/office/officeart/2005/8/layout/vList3"/>
+    <dgm:cxn modelId="{C1962769-6839-469C-88F7-871BB75C4A72}" type="presOf" srcId="{B61D1457-E11F-44B3-9A30-7228C310090B}" destId="{2FBDAFCF-6796-47A2-8FDB-47508B1A91D6}" srcOrd="0" destOrd="0" presId="urn:microsoft.com/office/officeart/2005/8/layout/vList3"/>
+    <dgm:cxn modelId="{080C747D-7955-41C4-A75F-F9B66A767C9F}" srcId="{B61D1457-E11F-44B3-9A30-7228C310090B}" destId="{1599D4BC-C6D6-4250-823B-B94EC33E6D81}" srcOrd="0" destOrd="0" parTransId="{00AC6BCA-E3F6-44DD-9C94-CD59E7389135}" sibTransId="{5437EB71-AEC7-4D18-9CD5-E55DE4B6EB36}"/>
+    <dgm:cxn modelId="{6BB544C2-867B-4CCA-93F3-DC7900249723}" srcId="{B61D1457-E11F-44B3-9A30-7228C310090B}" destId="{87433413-0CA1-40E6-A6CE-0C7722460EC6}" srcOrd="1" destOrd="0" parTransId="{342B2B00-A84E-4FD1-867B-4E9D204917E7}" sibTransId="{C891A15E-D5FE-45E3-BCE5-660B0BC99209}"/>
+    <dgm:cxn modelId="{C7985BE2-C895-4829-A5FA-8D2FD0B9DC9D}" type="presOf" srcId="{87433413-0CA1-40E6-A6CE-0C7722460EC6}" destId="{F8C1CAD7-F598-45B4-A417-2E51AE1C8808}" srcOrd="0" destOrd="0" presId="urn:microsoft.com/office/officeart/2005/8/layout/vList3"/>
+    <dgm:cxn modelId="{01DE77DC-4DCE-41C0-8B39-CA2483E16824}" type="presParOf" srcId="{2FBDAFCF-6796-47A2-8FDB-47508B1A91D6}" destId="{2BA99C8D-BD8B-4896-9B4E-8AD03D2081C0}" srcOrd="0" destOrd="0" presId="urn:microsoft.com/office/officeart/2005/8/layout/vList3"/>
+    <dgm:cxn modelId="{56253900-9104-4126-B419-BF284CEF20FB}" type="presParOf" srcId="{2BA99C8D-BD8B-4896-9B4E-8AD03D2081C0}" destId="{74AE73E2-6F74-44B8-A911-7B0BAAAF04EE}" srcOrd="0" destOrd="0" presId="urn:microsoft.com/office/officeart/2005/8/layout/vList3"/>
+    <dgm:cxn modelId="{3958657E-7A5B-4EAC-AD2E-71751470BFD0}" type="presParOf" srcId="{2BA99C8D-BD8B-4896-9B4E-8AD03D2081C0}" destId="{99272426-E283-4476-A74B-7C271F8C5F3D}" srcOrd="1" destOrd="0" presId="urn:microsoft.com/office/officeart/2005/8/layout/vList3"/>
+    <dgm:cxn modelId="{BEF5CDFB-D96B-4F0B-A44D-B3A42B753081}" type="presParOf" srcId="{2FBDAFCF-6796-47A2-8FDB-47508B1A91D6}" destId="{54C13591-9315-44BE-BB21-4BD1A763CADA}" srcOrd="1" destOrd="0" presId="urn:microsoft.com/office/officeart/2005/8/layout/vList3"/>
+    <dgm:cxn modelId="{D30F0815-240E-4947-AD4D-FC310676EE05}" type="presParOf" srcId="{2FBDAFCF-6796-47A2-8FDB-47508B1A91D6}" destId="{20F9206A-5809-4D0A-BAE7-7C9DD6128895}" srcOrd="2" destOrd="0" presId="urn:microsoft.com/office/officeart/2005/8/layout/vList3"/>
+    <dgm:cxn modelId="{CBBA5DFE-2988-4869-B9A3-EFFBC38BE3A4}" type="presParOf" srcId="{20F9206A-5809-4D0A-BAE7-7C9DD6128895}" destId="{1D371653-EF93-48BB-B97F-C29A649E35FE}" srcOrd="0" destOrd="0" presId="urn:microsoft.com/office/officeart/2005/8/layout/vList3"/>
+    <dgm:cxn modelId="{BAD2C675-636E-4ACD-90AB-50BAC4DF7F8C}" type="presParOf" srcId="{20F9206A-5809-4D0A-BAE7-7C9DD6128895}" destId="{F8C1CAD7-F598-45B4-A417-2E51AE1C8808}" srcOrd="1" destOrd="0" presId="urn:microsoft.com/office/officeart/2005/8/layout/vList3"/>
+    <dgm:cxn modelId="{7F6FFB0F-E042-480D-A5DE-BF486D8D74E9}" type="presParOf" srcId="{2FBDAFCF-6796-47A2-8FDB-47508B1A91D6}" destId="{A744F1B7-72E0-4CE2-87F0-902456708446}" srcOrd="3" destOrd="0" presId="urn:microsoft.com/office/officeart/2005/8/layout/vList3"/>
+    <dgm:cxn modelId="{2D201B69-883F-4168-9DFB-927FBA518F7B}" type="presParOf" srcId="{2FBDAFCF-6796-47A2-8FDB-47508B1A91D6}" destId="{CBDDDE9F-0555-4E96-A5EA-FCC0D17E5E37}" srcOrd="4" destOrd="0" presId="urn:microsoft.com/office/officeart/2005/8/layout/vList3"/>
+    <dgm:cxn modelId="{CD8F7F70-F6CF-4048-9301-84CE6FAD1A7A}" type="presParOf" srcId="{CBDDDE9F-0555-4E96-A5EA-FCC0D17E5E37}" destId="{9DBA89AF-C6B2-4C13-BFD5-EDF87909ECE8}" srcOrd="0" destOrd="0" presId="urn:microsoft.com/office/officeart/2005/8/layout/vList3"/>
+    <dgm:cxn modelId="{4C94D8D9-920C-4A7B-9AE1-A83F5479182A}" type="presParOf" srcId="{CBDDDE9F-0555-4E96-A5EA-FCC0D17E5E37}" destId="{BC0FBE1F-9D5B-4D33-92FD-D2DB6A74C811}" srcOrd="1" destOrd="0" presId="urn:microsoft.com/office/officeart/2005/8/layout/vList3"/>
+  </dgm:cxnLst>
+  <dgm:bg/>
+  <dgm:whole/>
+  <dgm:extLst>
+    <a:ext uri="http://schemas.microsoft.com/office/drawing/2008/diagram">
+      <dsp:dataModelExt xmlns:dsp="http://schemas.microsoft.com/office/drawing/2008/diagram" relId="rId6" minVer="http://schemas.openxmlformats.org/drawingml/2006/diagram"/>
+    </a:ext>
+  </dgm:extLst>
+</dgm:dataModel>
+</file>
+
+<file path=ppt/diagrams/drawing1.xml><?xml version="1.0" encoding="utf-8"?>
+<dsp:drawing xmlns:dgm="http://schemas.openxmlformats.org/drawingml/2006/diagram" xmlns:dsp="http://schemas.microsoft.com/office/drawing/2008/diagram" xmlns:a="http://schemas.openxmlformats.org/drawingml/2006/main">
+  <dsp:spTree>
+    <dsp:nvGrpSpPr>
+      <dsp:cNvPr id="0" name=""/>
+      <dsp:cNvGrpSpPr/>
+    </dsp:nvGrpSpPr>
+    <dsp:grpSpPr/>
+    <dsp:sp modelId="{99272426-E283-4476-A74B-7C271F8C5F3D}">
+      <dsp:nvSpPr>
+        <dsp:cNvPr id="0" name=""/>
+        <dsp:cNvSpPr/>
+      </dsp:nvSpPr>
+      <dsp:spPr>
+        <a:xfrm rot="10800000">
+          <a:off x="1288686" y="1433"/>
+          <a:ext cx="4199653" cy="923515"/>
+        </a:xfrm>
+        <a:prstGeom prst="homePlate">
+          <a:avLst/>
+        </a:prstGeom>
+        <a:noFill/>
+        <a:ln w="12700" cap="flat" cmpd="sng" algn="ctr">
+          <a:solidFill>
+            <a:schemeClr val="lt1">
+              <a:hueOff val="0"/>
+              <a:satOff val="0"/>
+              <a:lumOff val="0"/>
+              <a:alphaOff val="0"/>
+            </a:schemeClr>
+          </a:solidFill>
+          <a:prstDash val="solid"/>
+          <a:miter lim="800000"/>
+        </a:ln>
+        <a:effectLst/>
+      </dsp:spPr>
+      <dsp:style>
+        <a:lnRef idx="2">
+          <a:scrgbClr r="0" g="0" b="0"/>
+        </a:lnRef>
+        <a:fillRef idx="1">
+          <a:scrgbClr r="0" g="0" b="0"/>
+        </a:fillRef>
+        <a:effectRef idx="0">
+          <a:scrgbClr r="0" g="0" b="0"/>
+        </a:effectRef>
+        <a:fontRef idx="minor">
+          <a:schemeClr val="lt1"/>
+        </a:fontRef>
+      </dsp:style>
+      <dsp:txBody>
+        <a:bodyPr spcFirstLastPara="0" vert="horz" wrap="square" lIns="407245" tIns="76200" rIns="142240" bIns="76200" numCol="1" spcCol="1270" anchor="ctr" anchorCtr="0">
+          <a:noAutofit/>
+        </a:bodyPr>
+        <a:lstStyle/>
+        <a:p>
+          <a:pPr marL="0" lvl="0" indent="0" algn="ctr" defTabSz="889000">
+            <a:lnSpc>
+              <a:spcPct val="90000"/>
+            </a:lnSpc>
+            <a:spcBef>
+              <a:spcPct val="0"/>
+            </a:spcBef>
+            <a:spcAft>
+              <a:spcPct val="35000"/>
+            </a:spcAft>
+            <a:buNone/>
+          </a:pPr>
+          <a:r>
+            <a:rPr lang="en-IN" sz="2000" kern="1200" dirty="0">
+              <a:solidFill>
+                <a:schemeClr val="tx1"/>
+              </a:solidFill>
+            </a:rPr>
+            <a:t>/bismillah-kani-49a31115/</a:t>
+          </a:r>
+        </a:p>
+      </dsp:txBody>
+      <dsp:txXfrm rot="10800000">
+        <a:off x="1519565" y="1433"/>
+        <a:ext cx="3968774" cy="923515"/>
+      </dsp:txXfrm>
+    </dsp:sp>
+    <dsp:sp modelId="{74AE73E2-6F74-44B8-A911-7B0BAAAF04EE}">
+      <dsp:nvSpPr>
+        <dsp:cNvPr id="0" name=""/>
+        <dsp:cNvSpPr/>
+      </dsp:nvSpPr>
+      <dsp:spPr>
+        <a:xfrm>
+          <a:off x="826928" y="1433"/>
+          <a:ext cx="923515" cy="923515"/>
+        </a:xfrm>
+        <a:prstGeom prst="ellipse">
+          <a:avLst/>
+        </a:prstGeom>
+        <a:blipFill>
+          <a:blip xmlns:r="http://schemas.openxmlformats.org/officeDocument/2006/relationships" r:embed="rId1">
+            <a:extLst>
+              <a:ext uri="{28A0092B-C50C-407E-A947-70E740481C1C}">
+                <a14:useLocalDpi xmlns:a14="http://schemas.microsoft.com/office/drawing/2010/main" val="0"/>
+              </a:ext>
+            </a:extLst>
+          </a:blip>
+          <a:srcRect/>
+          <a:stretch>
+            <a:fillRect/>
+          </a:stretch>
+        </a:blipFill>
+        <a:ln w="12700" cap="flat" cmpd="sng" algn="ctr">
+          <a:solidFill>
+            <a:schemeClr val="lt1">
+              <a:hueOff val="0"/>
+              <a:satOff val="0"/>
+              <a:lumOff val="0"/>
+              <a:alphaOff val="0"/>
+            </a:schemeClr>
+          </a:solidFill>
+          <a:prstDash val="solid"/>
+          <a:miter lim="800000"/>
+        </a:ln>
+        <a:effectLst/>
+      </dsp:spPr>
+      <dsp:style>
+        <a:lnRef idx="2">
+          <a:scrgbClr r="0" g="0" b="0"/>
+        </a:lnRef>
+        <a:fillRef idx="1">
+          <a:scrgbClr r="0" g="0" b="0"/>
+        </a:fillRef>
+        <a:effectRef idx="0">
+          <a:scrgbClr r="0" g="0" b="0"/>
+        </a:effectRef>
+        <a:fontRef idx="minor"/>
+      </dsp:style>
+    </dsp:sp>
+    <dsp:sp modelId="{F8C1CAD7-F598-45B4-A417-2E51AE1C8808}">
+      <dsp:nvSpPr>
+        <dsp:cNvPr id="0" name=""/>
+        <dsp:cNvSpPr/>
+      </dsp:nvSpPr>
+      <dsp:spPr>
+        <a:xfrm rot="10800000">
+          <a:off x="1288686" y="1200625"/>
+          <a:ext cx="4199653" cy="923515"/>
+        </a:xfrm>
+        <a:prstGeom prst="homePlate">
+          <a:avLst/>
+        </a:prstGeom>
+        <a:noFill/>
+        <a:ln w="12700" cap="flat" cmpd="sng" algn="ctr">
+          <a:solidFill>
+            <a:schemeClr val="lt1">
+              <a:hueOff val="0"/>
+              <a:satOff val="0"/>
+              <a:lumOff val="0"/>
+              <a:alphaOff val="0"/>
+            </a:schemeClr>
+          </a:solidFill>
+          <a:prstDash val="solid"/>
+          <a:miter lim="800000"/>
+        </a:ln>
+        <a:effectLst/>
+      </dsp:spPr>
+      <dsp:style>
+        <a:lnRef idx="2">
+          <a:scrgbClr r="0" g="0" b="0"/>
+        </a:lnRef>
+        <a:fillRef idx="1">
+          <a:scrgbClr r="0" g="0" b="0"/>
+        </a:fillRef>
+        <a:effectRef idx="0">
+          <a:scrgbClr r="0" g="0" b="0"/>
+        </a:effectRef>
+        <a:fontRef idx="minor">
+          <a:schemeClr val="lt1"/>
+        </a:fontRef>
+      </dsp:style>
+      <dsp:txBody>
+        <a:bodyPr spcFirstLastPara="0" vert="horz" wrap="square" lIns="407245" tIns="76200" rIns="142240" bIns="76200" numCol="1" spcCol="1270" anchor="ctr" anchorCtr="0">
+          <a:noAutofit/>
+        </a:bodyPr>
+        <a:lstStyle/>
+        <a:p>
+          <a:pPr marL="0" lvl="0" indent="0" algn="ctr" defTabSz="889000">
+            <a:lnSpc>
+              <a:spcPct val="90000"/>
+            </a:lnSpc>
+            <a:spcBef>
+              <a:spcPct val="0"/>
+            </a:spcBef>
+            <a:spcAft>
+              <a:spcPct val="35000"/>
+            </a:spcAft>
+            <a:buNone/>
+          </a:pPr>
+          <a:r>
+            <a:rPr lang="en-IN" sz="2000" kern="1200" dirty="0">
+              <a:solidFill>
+                <a:schemeClr val="tx1"/>
+              </a:solidFill>
+            </a:rPr>
+            <a:t>bismillahkani@gmail.com</a:t>
+          </a:r>
+        </a:p>
+      </dsp:txBody>
+      <dsp:txXfrm rot="10800000">
+        <a:off x="1519565" y="1200625"/>
+        <a:ext cx="3968774" cy="923515"/>
+      </dsp:txXfrm>
+    </dsp:sp>
+    <dsp:sp modelId="{1D371653-EF93-48BB-B97F-C29A649E35FE}">
+      <dsp:nvSpPr>
+        <dsp:cNvPr id="0" name=""/>
+        <dsp:cNvSpPr/>
+      </dsp:nvSpPr>
+      <dsp:spPr>
+        <a:xfrm>
+          <a:off x="826928" y="1200625"/>
+          <a:ext cx="923515" cy="923515"/>
+        </a:xfrm>
+        <a:prstGeom prst="ellipse">
+          <a:avLst/>
+        </a:prstGeom>
+        <a:blipFill>
+          <a:blip xmlns:r="http://schemas.openxmlformats.org/officeDocument/2006/relationships" r:embed="rId2"/>
+          <a:srcRect/>
+          <a:stretch>
+            <a:fillRect/>
+          </a:stretch>
+        </a:blipFill>
+        <a:ln w="12700" cap="flat" cmpd="sng" algn="ctr">
+          <a:solidFill>
+            <a:schemeClr val="lt1">
+              <a:hueOff val="0"/>
+              <a:satOff val="0"/>
+              <a:lumOff val="0"/>
+              <a:alphaOff val="0"/>
+            </a:schemeClr>
+          </a:solidFill>
+          <a:prstDash val="solid"/>
+          <a:miter lim="800000"/>
+        </a:ln>
+        <a:effectLst/>
+      </dsp:spPr>
+      <dsp:style>
+        <a:lnRef idx="2">
+          <a:scrgbClr r="0" g="0" b="0"/>
+        </a:lnRef>
+        <a:fillRef idx="1">
+          <a:scrgbClr r="0" g="0" b="0"/>
+        </a:fillRef>
+        <a:effectRef idx="0">
+          <a:scrgbClr r="0" g="0" b="0"/>
+        </a:effectRef>
+        <a:fontRef idx="minor"/>
+      </dsp:style>
+    </dsp:sp>
+    <dsp:sp modelId="{BC0FBE1F-9D5B-4D33-92FD-D2DB6A74C811}">
+      <dsp:nvSpPr>
+        <dsp:cNvPr id="0" name=""/>
+        <dsp:cNvSpPr/>
+      </dsp:nvSpPr>
+      <dsp:spPr>
+        <a:xfrm rot="10800000">
+          <a:off x="1288686" y="2399816"/>
+          <a:ext cx="4199653" cy="923515"/>
+        </a:xfrm>
+        <a:prstGeom prst="homePlate">
+          <a:avLst/>
+        </a:prstGeom>
+        <a:noFill/>
+        <a:ln w="12700" cap="flat" cmpd="sng" algn="ctr">
+          <a:solidFill>
+            <a:srgbClr val="000000">
+              <a:hueOff val="0"/>
+              <a:satOff val="0"/>
+              <a:lumOff val="0"/>
+              <a:alphaOff val="0"/>
+            </a:srgbClr>
+          </a:solidFill>
+          <a:prstDash val="solid"/>
+          <a:miter lim="800000"/>
+        </a:ln>
+        <a:effectLst/>
+      </dsp:spPr>
+      <dsp:style>
+        <a:lnRef idx="2">
+          <a:scrgbClr r="0" g="0" b="0"/>
+        </a:lnRef>
+        <a:fillRef idx="1">
+          <a:scrgbClr r="0" g="0" b="0"/>
+        </a:fillRef>
+        <a:effectRef idx="0">
+          <a:scrgbClr r="0" g="0" b="0"/>
+        </a:effectRef>
+        <a:fontRef idx="minor">
+          <a:schemeClr val="lt1"/>
+        </a:fontRef>
+      </dsp:style>
+      <dsp:txBody>
+        <a:bodyPr spcFirstLastPara="0" vert="horz" wrap="square" lIns="453801" tIns="175260" rIns="327152" bIns="175260" numCol="1" spcCol="1270" anchor="ctr" anchorCtr="0">
+          <a:noAutofit/>
+        </a:bodyPr>
+        <a:lstStyle/>
+        <a:p>
+          <a:pPr marL="0" lvl="0" indent="0" algn="ctr" defTabSz="2044700">
+            <a:lnSpc>
+              <a:spcPct val="90000"/>
+            </a:lnSpc>
+            <a:spcBef>
+              <a:spcPct val="0"/>
+            </a:spcBef>
+            <a:spcAft>
+              <a:spcPct val="35000"/>
+            </a:spcAft>
+            <a:buNone/>
+          </a:pPr>
+          <a:r>
+            <a:rPr lang="en-IN" sz="2000" kern="1200" dirty="0">
+              <a:solidFill>
+                <a:schemeClr val="tx1"/>
+              </a:solidFill>
+              <a:latin typeface="Source Sans Pro"/>
+              <a:ea typeface="+mn-ea"/>
+              <a:cs typeface="+mn-cs"/>
+            </a:rPr>
+            <a:t>/bismillahkani</a:t>
+          </a:r>
+        </a:p>
+      </dsp:txBody>
+      <dsp:txXfrm rot="10800000">
+        <a:off x="1519565" y="2399816"/>
+        <a:ext cx="3968774" cy="923515"/>
+      </dsp:txXfrm>
+    </dsp:sp>
+    <dsp:sp modelId="{9DBA89AF-C6B2-4C13-BFD5-EDF87909ECE8}">
+      <dsp:nvSpPr>
+        <dsp:cNvPr id="0" name=""/>
+        <dsp:cNvSpPr/>
+      </dsp:nvSpPr>
+      <dsp:spPr>
+        <a:xfrm>
+          <a:off x="826928" y="2399816"/>
+          <a:ext cx="923515" cy="923515"/>
+        </a:xfrm>
+        <a:prstGeom prst="ellipse">
+          <a:avLst/>
+        </a:prstGeom>
+        <a:blipFill>
+          <a:blip xmlns:r="http://schemas.openxmlformats.org/officeDocument/2006/relationships" r:embed="rId3"/>
+          <a:srcRect/>
+          <a:stretch>
+            <a:fillRect/>
+          </a:stretch>
+        </a:blipFill>
+        <a:ln w="12700" cap="flat" cmpd="sng" algn="ctr">
+          <a:solidFill>
+            <a:schemeClr val="lt1">
+              <a:hueOff val="0"/>
+              <a:satOff val="0"/>
+              <a:lumOff val="0"/>
+              <a:alphaOff val="0"/>
+            </a:schemeClr>
+          </a:solidFill>
+          <a:prstDash val="solid"/>
+          <a:miter lim="800000"/>
+        </a:ln>
+        <a:effectLst/>
+      </dsp:spPr>
+      <dsp:style>
+        <a:lnRef idx="2">
+          <a:scrgbClr r="0" g="0" b="0"/>
+        </a:lnRef>
+        <a:fillRef idx="1">
+          <a:scrgbClr r="0" g="0" b="0"/>
+        </a:fillRef>
+        <a:effectRef idx="0">
+          <a:scrgbClr r="0" g="0" b="0"/>
+        </a:effectRef>
+        <a:fontRef idx="minor"/>
+      </dsp:style>
+    </dsp:sp>
+  </dsp:spTree>
+</dsp:drawing>
+</file>
+
+<file path=ppt/diagrams/layout1.xml><?xml version="1.0" encoding="utf-8"?>
+<dgm:layoutDef xmlns:dgm="http://schemas.openxmlformats.org/drawingml/2006/diagram" xmlns:a="http://schemas.openxmlformats.org/drawingml/2006/main" uniqueId="urn:microsoft.com/office/officeart/2005/8/layout/vList3">
+  <dgm:title val=""/>
+  <dgm:desc val=""/>
+  <dgm:catLst>
+    <dgm:cat type="list" pri="14000"/>
+    <dgm:cat type="convert" pri="3000"/>
+    <dgm:cat type="picture" pri="27000"/>
+    <dgm:cat type="pictureconvert" pri="27000"/>
+  </dgm:catLst>
+  <dgm:sampData useDef="1">
+    <dgm:dataModel>
+      <dgm:ptLst/>
+      <dgm:bg/>
+      <dgm:whole/>
+    </dgm:dataModel>
+  </dgm:sampData>
+  <dgm:styleData>
+    <dgm:dataModel>
+      <dgm:ptLst>
+        <dgm:pt modelId="0" type="doc"/>
+        <dgm:pt modelId="1"/>
+        <dgm:pt modelId="2"/>
+      </dgm:ptLst>
+      <dgm:cxnLst>
+        <dgm:cxn modelId="3" srcId="0" destId="1" srcOrd="0" destOrd="0"/>
+        <dgm:cxn modelId="4" srcId="0" destId="2" srcOrd="1" destOrd="0"/>
+      </dgm:cxnLst>
+      <dgm:bg/>
+      <dgm:whole/>
+    </dgm:dataModel>
+  </dgm:styleData>
+  <dgm:clrData>
+    <dgm:dataModel>
+      <dgm:ptLst>
+        <dgm:pt modelId="0" type="doc"/>
+        <dgm:pt modelId="1"/>
+        <dgm:pt modelId="2"/>
+        <dgm:pt modelId="3"/>
+        <dgm:pt modelId="4"/>
+      </dgm:ptLst>
+      <dgm:cxnLst>
+        <dgm:cxn modelId="5" srcId="0" destId="1" srcOrd="0" destOrd="0"/>
+        <dgm:cxn modelId="6" srcId="0" destId="2" srcOrd="1" destOrd="0"/>
+        <dgm:cxn modelId="7" srcId="0" destId="3" srcOrd="2" destOrd="0"/>
+        <dgm:cxn modelId="8" srcId="0" destId="4" srcOrd="3" destOrd="0"/>
+      </dgm:cxnLst>
+      <dgm:bg/>
+      <dgm:whole/>
+    </dgm:dataModel>
+  </dgm:clrData>
+  <dgm:layoutNode name="linearFlow">
+    <dgm:varLst>
+      <dgm:dir/>
+      <dgm:resizeHandles val="exact"/>
+    </dgm:varLst>
+    <dgm:alg type="lin">
+      <dgm:param type="linDir" val="fromT"/>
+      <dgm:param type="vertAlign" val="mid"/>
+      <dgm:param type="horzAlign" val="ctr"/>
+    </dgm:alg>
+    <dgm:shape xmlns:r="http://schemas.openxmlformats.org/officeDocument/2006/relationships" r:blip="">
+      <dgm:adjLst/>
+    </dgm:shape>
+    <dgm:presOf/>
+    <dgm:constrLst>
+      <dgm:constr type="w" for="ch" forName="composite" refType="w"/>
+      <dgm:constr type="h" for="ch" forName="composite" refType="h"/>
+      <dgm:constr type="h" for="ch" forName="spacing" refType="h" refFor="ch" refForName="composite" fact="0.25"/>
+      <dgm:constr type="h" for="ch" forName="spacing" refType="w" op="lte" fact="0.1"/>
+      <dgm:constr type="primFontSz" for="des" ptType="node" op="equ" val="65"/>
+    </dgm:constrLst>
+    <dgm:ruleLst/>
+    <dgm:forEach name="Name0" axis="ch" ptType="node">
+      <dgm:layoutNode name="composite">
+        <dgm:alg type="composite"/>
+        <dgm:shape xmlns:r="http://schemas.openxmlformats.org/officeDocument/2006/relationships" r:blip="">
+          <dgm:adjLst/>
+        </dgm:shape>
+        <dgm:presOf/>
+        <dgm:choose name="Name1">
+          <dgm:if name="Name2" func="var" arg="dir" op="equ" val="norm">
+            <dgm:constrLst>
+              <dgm:constr type="w" for="ch" forName="imgShp" refType="w" fact="0.335"/>
+              <dgm:constr type="h" for="ch" forName="imgShp" refType="w" refFor="ch" refForName="imgShp" op="equ"/>
+              <dgm:constr type="h" for="ch" forName="imgShp" refType="h" op="lte"/>
+              <dgm:constr type="ctrY" for="ch" forName="imgShp" refType="h" fact="0.5"/>
+              <dgm:constr type="l" for="ch" forName="imgShp"/>
+              <dgm:constr type="w" for="ch" forName="txShp" refType="w" op="equ" fact="0.665"/>
+              <dgm:constr type="h" for="ch" forName="txShp" refType="h" refFor="ch" refForName="imgShp" op="equ"/>
+              <dgm:constr type="ctrY" for="ch" forName="txShp" refType="h" fact="0.5"/>
+              <dgm:constr type="l" for="ch" forName="txShp" refType="w" refFor="ch" refForName="imgShp" fact="0.5"/>
+              <dgm:constr type="lMarg" for="ch" forName="txShp" refType="w" refFor="ch" refForName="imgShp" fact="1.25"/>
+            </dgm:constrLst>
+          </dgm:if>
+          <dgm:else name="Name3">
+            <dgm:constrLst>
+              <dgm:constr type="w" for="ch" forName="imgShp" refType="w" fact="0.335"/>
+              <dgm:constr type="h" for="ch" forName="imgShp" refType="w" refFor="ch" refForName="imgShp" op="equ"/>
+              <dgm:constr type="h" for="ch" forName="imgShp" refType="h" op="lte"/>
+              <dgm:constr type="ctrY" for="ch" forName="imgShp" refType="h" fact="0.5"/>
+              <dgm:constr type="r" for="ch" forName="imgShp" refType="w"/>
+              <dgm:constr type="w" for="ch" forName="txShp" refType="w" op="equ" fact="0.665"/>
+              <dgm:constr type="h" for="ch" forName="txShp" refType="h" refFor="ch" refForName="imgShp" op="equ"/>
+              <dgm:constr type="ctrY" for="ch" forName="txShp" refType="h" fact="0.5"/>
+              <dgm:constr type="r" for="ch" forName="txShp" refType="ctrX" refFor="ch" refForName="imgShp"/>
+              <dgm:constr type="rMarg" for="ch" forName="txShp" refType="w" refFor="ch" refForName="imgShp" fact="1.25"/>
+            </dgm:constrLst>
+          </dgm:else>
+        </dgm:choose>
+        <dgm:ruleLst/>
+        <dgm:layoutNode name="imgShp" styleLbl="fgImgPlace1">
+          <dgm:alg type="sp"/>
+          <dgm:shape xmlns:r="http://schemas.openxmlformats.org/officeDocument/2006/relationships" type="ellipse" r:blip="" blipPhldr="1">
+            <dgm:adjLst/>
+          </dgm:shape>
+          <dgm:presOf/>
+          <dgm:constrLst/>
+          <dgm:ruleLst/>
+        </dgm:layoutNode>
+        <dgm:layoutNode name="txShp">
+          <dgm:varLst>
+            <dgm:bulletEnabled val="1"/>
+          </dgm:varLst>
+          <dgm:alg type="tx"/>
+          <dgm:choose name="Name4">
+            <dgm:if name="Name5" func="var" arg="dir" op="equ" val="norm">
+              <dgm:shape xmlns:r="http://schemas.openxmlformats.org/officeDocument/2006/relationships" rot="180" type="homePlate" r:blip="" zOrderOff="-1">
+                <dgm:adjLst/>
+              </dgm:shape>
+            </dgm:if>
+            <dgm:else name="Name6">
+              <dgm:shape xmlns:r="http://schemas.openxmlformats.org/officeDocument/2006/relationships" type="homePlate" r:blip="" zOrderOff="-1">
+                <dgm:adjLst/>
+              </dgm:shape>
+            </dgm:else>
+          </dgm:choose>
+          <dgm:presOf axis="desOrSelf" ptType="node"/>
+          <dgm:constrLst>
+            <dgm:constr type="tMarg" refType="primFontSz" fact="0.3"/>
+            <dgm:constr type="bMarg" refType="primFontSz" fact="0.3"/>
+          </dgm:constrLst>
+          <dgm:ruleLst>
+            <dgm:rule type="primFontSz" val="5" fact="NaN" max="NaN"/>
+          </dgm:ruleLst>
+        </dgm:layoutNode>
+      </dgm:layoutNode>
+      <dgm:forEach name="Name7" axis="followSib" ptType="sibTrans" cnt="1">
+        <dgm:layoutNode name="spacing">
+          <dgm:alg type="sp"/>
+          <dgm:shape xmlns:r="http://schemas.openxmlformats.org/officeDocument/2006/relationships" r:blip="">
+            <dgm:adjLst/>
+          </dgm:shape>
+          <dgm:presOf axis="self"/>
+          <dgm:constrLst/>
+          <dgm:ruleLst/>
+        </dgm:layoutNode>
+      </dgm:forEach>
+    </dgm:forEach>
+  </dgm:layoutNode>
+</dgm:layoutDef>
+</file>
+
+<file path=ppt/diagrams/quickStyle1.xml><?xml version="1.0" encoding="utf-8"?>
+<dgm:styleDef xmlns:dgm="http://schemas.openxmlformats.org/drawingml/2006/diagram" xmlns:a="http://schemas.openxmlformats.org/drawingml/2006/main" uniqueId="urn:microsoft.com/office/officeart/2005/8/quickstyle/simple1">
+  <dgm:title val=""/>
+  <dgm:desc val=""/>
+  <dgm:catLst>
+    <dgm:cat type="simple" pri="10100"/>
+  </dgm:catLst>
+  <dgm:scene3d>
+    <a:camera prst="orthographicFront"/>
+    <a:lightRig rig="threePt" dir="t"/>
+  </dgm:scene3d>
+  <dgm:styleLbl name="node0">
+    <dgm:scene3d>
+      <a:camera prst="orthographicFront"/>
+      <a:lightRig rig="threePt" dir="t"/>
+    </dgm:scene3d>
+    <dgm:sp3d/>
+    <dgm:txPr/>
+    <dgm:style>
+      <a:lnRef idx="2">
+        <a:scrgbClr r="0" g="0" b="0"/>
+      </a:lnRef>
+      <a:fillRef idx="1">
+        <a:scrgbClr r="0" g="0" b="0"/>
+      </a:fillRef>
+      <a:effectRef idx="0">
+        <a:scrgbClr r="0" g="0" b="0"/>
+      </a:effectRef>
+      <a:fontRef idx="minor">
+        <a:schemeClr val="lt1"/>
+      </a:fontRef>
+    </dgm:style>
+  </dgm:styleLbl>
+  <dgm:styleLbl name="lnNode1">
+    <dgm:scene3d>
+      <a:camera prst="orthographicFront"/>
+      <a:lightRig rig="threePt" dir="t"/>
+    </dgm:scene3d>
+    <dgm:sp3d/>
+    <dgm:txPr/>
+    <dgm:style>
+      <a:lnRef idx="2">
+        <a:scrgbClr r="0" g="0" b="0"/>
+      </a:lnRef>
+      <a:fillRef idx="1">
+        <a:scrgbClr r="0" g="0" b="0"/>
+      </a:fillRef>
+      <a:effectRef idx="0">
+        <a:scrgbClr r="0" g="0" b="0"/>
+      </a:effectRef>
+      <a:fontRef idx="minor">
+        <a:schemeClr val="lt1"/>
+      </a:fontRef>
+    </dgm:style>
+  </dgm:styleLbl>
+  <dgm:styleLbl name="vennNode1">
+    <dgm:scene3d>
+      <a:camera prst="orthographicFront"/>
+      <a:lightRig rig="threePt" dir="t"/>
+    </dgm:scene3d>
+    <dgm:sp3d/>
+    <dgm:txPr/>
+    <dgm:style>
+      <a:lnRef idx="2">
+        <a:scrgbClr r="0" g="0" b="0"/>
+      </a:lnRef>
+      <a:fillRef idx="1">
+        <a:scrgbClr r="0" g="0" b="0"/>
+      </a:fillRef>
+      <a:effectRef idx="0">
+        <a:scrgbClr r="0" g="0" b="0"/>
+      </a:effectRef>
+      <a:fontRef idx="minor">
+        <a:schemeClr val="tx1"/>
+      </a:fontRef>
+    </dgm:style>
+  </dgm:styleLbl>
+  <dgm:styleLbl name="alignNode1">
+    <dgm:scene3d>
+      <a:camera prst="orthographicFront"/>
+      <a:lightRig rig="threePt" dir="t"/>
+    </dgm:scene3d>
+    <dgm:sp3d/>
+    <dgm:txPr/>
+    <dgm:style>
+      <a:lnRef idx="2">
+        <a:scrgbClr r="0" g="0" b="0"/>
+      </a:lnRef>
+      <a:fillRef idx="1">
+        <a:scrgbClr r="0" g="0" b="0"/>
+      </a:fillRef>
+      <a:effectRef idx="0">
+        <a:scrgbClr r="0" g="0" b="0"/>
+      </a:effectRef>
+      <a:fontRef idx="minor">
+        <a:schemeClr val="lt1"/>
+      </a:fontRef>
+    </dgm:style>
+  </dgm:styleLbl>
+  <dgm:styleLbl name="node1">
+    <dgm:scene3d>
+      <a:camera prst="orthographicFront"/>
+      <a:lightRig rig="threePt" dir="t"/>
+    </dgm:scene3d>
+    <dgm:sp3d/>
+    <dgm:txPr/>
+    <dgm:style>
+      <a:lnRef idx="2">
+        <a:scrgbClr r="0" g="0" b="0"/>
+      </a:lnRef>
+      <a:fillRef idx="1">
+        <a:scrgbClr r="0" g="0" b="0"/>
+      </a:fillRef>
+      <a:effectRef idx="0">
+        <a:scrgbClr r="0" g="0" b="0"/>
+      </a:effectRef>
+      <a:fontRef idx="minor">
+        <a:schemeClr val="lt1"/>
+      </a:fontRef>
+    </dgm:style>
+  </dgm:styleLbl>
+  <dgm:styleLbl name="node2">
+    <dgm:scene3d>
+      <a:camera prst="orthographicFront"/>
+      <a:lightRig rig="threePt" dir="t"/>
+    </dgm:scene3d>
+    <dgm:sp3d/>
+    <dgm:txPr/>
+    <dgm:style>
+      <a:lnRef idx="2">
+        <a:scrgbClr r="0" g="0" b="0"/>
+      </a:lnRef>
+      <a:fillRef idx="1">
+        <a:scrgbClr r="0" g="0" b="0"/>
+      </a:fillRef>
+      <a:effectRef idx="0">
+        <a:scrgbClr r="0" g="0" b="0"/>
+      </a:effectRef>
+      <a:fontRef idx="minor">
+        <a:schemeClr val="lt1"/>
+      </a:fontRef>
+    </dgm:style>
+  </dgm:styleLbl>
+  <dgm:styleLbl name="node3">
+    <dgm:scene3d>
+      <a:camera prst="orthographicFront"/>
+      <a:lightRig rig="threePt" dir="t"/>
+    </dgm:scene3d>
+    <dgm:sp3d/>
+    <dgm:txPr/>
+    <dgm:style>
+      <a:lnRef idx="2">
+        <a:scrgbClr r="0" g="0" b="0"/>
+      </a:lnRef>
+      <a:fillRef idx="1">
+        <a:scrgbClr r="0" g="0" b="0"/>
+      </a:fillRef>
+      <a:effectRef idx="0">
+        <a:scrgbClr r="0" g="0" b="0"/>
+      </a:effectRef>
+      <a:fontRef idx="minor">
+        <a:schemeClr val="lt1"/>
+      </a:fontRef>
+    </dgm:style>
+  </dgm:styleLbl>
+  <dgm:styleLbl name="node4">
+    <dgm:scene3d>
+      <a:camera prst="orthographicFront"/>
+      <a:lightRig rig="threePt" dir="t"/>
+    </dgm:scene3d>
+    <dgm:sp3d/>
+    <dgm:txPr/>
+    <dgm:style>
+      <a:lnRef idx="2">
+        <a:scrgbClr r="0" g="0" b="0"/>
+      </a:lnRef>
+      <a:fillRef idx="1">
+        <a:scrgbClr r="0" g="0" b="0"/>
+      </a:fillRef>
+      <a:effectRef idx="0">
+        <a:scrgbClr r="0" g="0" b="0"/>
+      </a:effectRef>
+      <a:fontRef idx="minor">
+        <a:schemeClr val="lt1"/>
+      </a:fontRef>
+    </dgm:style>
+  </dgm:styleLbl>
+  <dgm:styleLbl name="fgImgPlace1">
+    <dgm:scene3d>
+      <a:camera prst="orthographicFront"/>
+      <a:lightRig rig="threePt" dir="t"/>
+    </dgm:scene3d>
+    <dgm:sp3d/>
+    <dgm:txPr/>
+    <dgm:style>
+      <a:lnRef idx="2">
+        <a:scrgbClr r="0" g="0" b="0"/>
+      </a:lnRef>
+      <a:fillRef idx="1">
+        <a:scrgbClr r="0" g="0" b="0"/>
+      </a:fillRef>
+      <a:effectRef idx="0">
+        <a:scrgbClr r="0" g="0" b="0"/>
+      </a:effectRef>
+      <a:fontRef idx="minor"/>
+    </dgm:style>
+  </dgm:styleLbl>
+  <dgm:styleLbl name="alignImgPlace1">
+    <dgm:scene3d>
+      <a:camera prst="orthographicFront"/>
+      <a:lightRig rig="threePt" dir="t"/>
+    </dgm:scene3d>
+    <dgm:sp3d/>
+    <dgm:txPr/>
+    <dgm:style>
+      <a:lnRef idx="2">
+        <a:scrgbClr r="0" g="0" b="0"/>
+      </a:lnRef>
+      <a:fillRef idx="1">
+        <a:scrgbClr r="0" g="0" b="0"/>
+      </a:fillRef>
+      <a:effectRef idx="0">
+        <a:scrgbClr r="0" g="0" b="0"/>
+      </a:effectRef>
+      <a:fontRef idx="minor"/>
+    </dgm:style>
+  </dgm:styleLbl>
+  <dgm:styleLbl name="bgImgPlace1">
+    <dgm:scene3d>
+      <a:camera prst="orthographicFront"/>
+      <a:lightRig rig="threePt" dir="t"/>
+    </dgm:scene3d>
+    <dgm:sp3d/>
+    <dgm:txPr/>
+    <dgm:style>
+      <a:lnRef idx="2">
+        <a:scrgbClr r="0" g="0" b="0"/>
+      </a:lnRef>
+      <a:fillRef idx="1">
+        <a:scrgbClr r="0" g="0" b="0"/>
+      </a:fillRef>
+      <a:effectRef idx="0">
+        <a:scrgbClr r="0" g="0" b="0"/>
+      </a:effectRef>
+      <a:fontRef idx="minor"/>
+    </dgm:style>
+  </dgm:styleLbl>
+  <dgm:styleLbl name="sibTrans2D1">
+    <dgm:scene3d>
+      <a:camera prst="orthographicFront"/>
+      <a:lightRig rig="threePt" dir="t"/>
+    </dgm:scene3d>
+    <dgm:sp3d/>
+    <dgm:txPr/>
+    <dgm:style>
+      <a:lnRef idx="0">
+        <a:scrgbClr r="0" g="0" b="0"/>
+      </a:lnRef>
+      <a:fillRef idx="1">
+        <a:scrgbClr r="0" g="0" b="0"/>
+      </a:fillRef>
+      <a:effectRef idx="0">
+        <a:scrgbClr r="0" g="0" b="0"/>
+      </a:effectRef>
+      <a:fontRef idx="minor">
+        <a:schemeClr val="lt1"/>
+      </a:fontRef>
+    </dgm:style>
+  </dgm:styleLbl>
+  <dgm:styleLbl name="fgSibTrans2D1">
+    <dgm:scene3d>
+      <a:camera prst="orthographicFront"/>
+      <a:lightRig rig="threePt" dir="t"/>
+    </dgm:scene3d>
+    <dgm:sp3d/>
+    <dgm:txPr/>
+    <dgm:style>
+      <a:lnRef idx="0">
+        <a:scrgbClr r="0" g="0" b="0"/>
+      </a:lnRef>
+      <a:fillRef idx="1">
+        <a:scrgbClr r="0" g="0" b="0"/>
+      </a:fillRef>
+      <a:effectRef idx="0">
+        <a:scrgbClr r="0" g="0" b="0"/>
+      </a:effectRef>
+      <a:fontRef idx="minor">
+        <a:schemeClr val="lt1"/>
+      </a:fontRef>
+    </dgm:style>
+  </dgm:styleLbl>
+  <dgm:styleLbl name="bgSibTrans2D1">
+    <dgm:scene3d>
+      <a:camera prst="orthographicFront"/>
+      <a:lightRig rig="threePt" dir="t"/>
+    </dgm:scene3d>
+    <dgm:sp3d/>
+    <dgm:txPr/>
+    <dgm:style>
+      <a:lnRef idx="0">
+        <a:scrgbClr r="0" g="0" b="0"/>
+      </a:lnRef>
+      <a:fillRef idx="1">
+        <a:scrgbClr r="0" g="0" b="0"/>
+      </a:fillRef>
+      <a:effectRef idx="0">
+        <a:scrgbClr r="0" g="0" b="0"/>
+      </a:effectRef>
+      <a:fontRef idx="minor">
+        <a:schemeClr val="lt1"/>
+      </a:fontRef>
+    </dgm:style>
+  </dgm:styleLbl>
+  <dgm:styleLbl name="sibTrans1D1">
+    <dgm:scene3d>
+      <a:camera prst="orthographicFront"/>
+      <a:lightRig rig="threePt" dir="t"/>
+    </dgm:scene3d>
+    <dgm:sp3d/>
+    <dgm:txPr/>
+    <dgm:style>
+      <a:lnRef idx="1">
+        <a:scrgbClr r="0" g="0" b="0"/>
+      </a:lnRef>
+      <a:fillRef idx="0">
+        <a:scrgbClr r="0" g="0" b="0"/>
+      </a:fillRef>
+      <a:effectRef idx="0">
+        <a:scrgbClr r="0" g="0" b="0"/>
+      </a:effectRef>
+      <a:fontRef idx="minor"/>
+    </dgm:style>
+  </dgm:styleLbl>
+  <dgm:styleLbl name="callout">
+    <dgm:scene3d>
+      <a:camera prst="orthographicFront"/>
+      <a:lightRig rig="threePt" dir="t"/>
+    </dgm:scene3d>
+    <dgm:sp3d/>
+    <dgm:txPr/>
+    <dgm:style>
+      <a:lnRef idx="2">
+        <a:scrgbClr r="0" g="0" b="0"/>
+      </a:lnRef>
+      <a:fillRef idx="1">
+        <a:scrgbClr r="0" g="0" b="0"/>
+      </a:fillRef>
+      <a:effectRef idx="0">
+        <a:scrgbClr r="0" g="0" b="0"/>
+      </a:effectRef>
+      <a:fontRef idx="minor"/>
+    </dgm:style>
+  </dgm:styleLbl>
+  <dgm:styleLbl name="asst0">
+    <dgm:scene3d>
+      <a:camera prst="orthographicFront"/>
+      <a:lightRig rig="threePt" dir="t"/>
+    </dgm:scene3d>
+    <dgm:sp3d/>
+    <dgm:txPr/>
+    <dgm:style>
+      <a:lnRef idx="2">
+        <a:scrgbClr r="0" g="0" b="0"/>
+      </a:lnRef>
+      <a:fillRef idx="1">
+        <a:scrgbClr r="0" g="0" b="0"/>
+      </a:fillRef>
+      <a:effectRef idx="0">
+        <a:scrgbClr r="0" g="0" b="0"/>
+      </a:effectRef>
+      <a:fontRef idx="minor">
+        <a:schemeClr val="lt1"/>
+      </a:fontRef>
+    </dgm:style>
+  </dgm:styleLbl>
+  <dgm:styleLbl name="asst1">
+    <dgm:scene3d>
+      <a:camera prst="orthographicFront"/>
+      <a:lightRig rig="threePt" dir="t"/>
+    </dgm:scene3d>
+    <dgm:sp3d/>
+    <dgm:txPr/>
+    <dgm:style>
+      <a:lnRef idx="2">
+        <a:scrgbClr r="0" g="0" b="0"/>
+      </a:lnRef>
+      <a:fillRef idx="1">
+        <a:scrgbClr r="0" g="0" b="0"/>
+      </a:fillRef>
+      <a:effectRef idx="0">
+        <a:scrgbClr r="0" g="0" b="0"/>
+      </a:effectRef>
+      <a:fontRef idx="minor">
+        <a:schemeClr val="lt1"/>
+      </a:fontRef>
+    </dgm:style>
+  </dgm:styleLbl>
+  <dgm:styleLbl name="asst2">
+    <dgm:scene3d>
+      <a:camera prst="orthographicFront"/>
+      <a:lightRig rig="threePt" dir="t"/>
+    </dgm:scene3d>
+    <dgm:sp3d/>
+    <dgm:txPr/>
+    <dgm:style>
+      <a:lnRef idx="2">
+        <a:scrgbClr r="0" g="0" b="0"/>
+      </a:lnRef>
+      <a:fillRef idx="1">
+        <a:scrgbClr r="0" g="0" b="0"/>
+      </a:fillRef>
+      <a:effectRef idx="0">
+        <a:scrgbClr r="0" g="0" b="0"/>
+      </a:effectRef>
+      <a:fontRef idx="minor">
+        <a:schemeClr val="lt1"/>
+      </a:fontRef>
+    </dgm:style>
+  </dgm:styleLbl>
+  <dgm:styleLbl name="asst3">
+    <dgm:scene3d>
+      <a:camera prst="orthographicFront"/>
+      <a:lightRig rig="threePt" dir="t"/>
+    </dgm:scene3d>
+    <dgm:sp3d/>
+    <dgm:txPr/>
+    <dgm:style>
+      <a:lnRef idx="2">
+        <a:scrgbClr r="0" g="0" b="0"/>
+      </a:lnRef>
+      <a:fillRef idx="1">
+        <a:scrgbClr r="0" g="0" b="0"/>
+      </a:fillRef>
+      <a:effectRef idx="0">
+        <a:scrgbClr r="0" g="0" b="0"/>
+      </a:effectRef>
+      <a:fontRef idx="minor">
+        <a:schemeClr val="lt1"/>
+      </a:fontRef>
+    </dgm:style>
+  </dgm:styleLbl>
+  <dgm:styleLbl name="asst4">
+    <dgm:scene3d>
+      <a:camera prst="orthographicFront"/>
+      <a:lightRig rig="threePt" dir="t"/>
+    </dgm:scene3d>
+    <dgm:sp3d/>
+    <dgm:txPr/>
+    <dgm:style>
+      <a:lnRef idx="2">
+        <a:scrgbClr r="0" g="0" b="0"/>
+      </a:lnRef>
+      <a:fillRef idx="1">
+        <a:scrgbClr r="0" g="0" b="0"/>
+      </a:fillRef>
+      <a:effectRef idx="0">
+        <a:scrgbClr r="0" g="0" b="0"/>
+      </a:effectRef>
+      <a:fontRef idx="minor">
+        <a:schemeClr val="lt1"/>
+      </a:fontRef>
+    </dgm:style>
+  </dgm:styleLbl>
+  <dgm:styleLbl name="parChTrans2D1">
+    <dgm:scene3d>
+      <a:camera prst="orthographicFront"/>
+      <a:lightRig rig="threePt" dir="t"/>
+    </dgm:scene3d>
+    <dgm:sp3d/>
+    <dgm:txPr/>
+    <dgm:style>
+      <a:lnRef idx="2">
+        <a:scrgbClr r="0" g="0" b="0"/>
+      </a:lnRef>
+      <a:fillRef idx="1">
+        <a:scrgbClr r="0" g="0" b="0"/>
+      </a:fillRef>
+      <a:effectRef idx="0">
+        <a:scrgbClr r="0" g="0" b="0"/>
+      </a:effectRef>
+      <a:fontRef idx="minor">
+        <a:schemeClr val="lt1"/>
+      </a:fontRef>
+    </dgm:style>
+  </dgm:styleLbl>
+  <dgm:styleLbl name="parChTrans2D2">
+    <dgm:scene3d>
+      <a:camera prst="orthographicFront"/>
+      <a:lightRig rig="threePt" dir="t"/>
+    </dgm:scene3d>
+    <dgm:sp3d/>
+    <dgm:txPr/>
+    <dgm:style>
+      <a:lnRef idx="2">
+        <a:scrgbClr r="0" g="0" b="0"/>
+      </a:lnRef>
+      <a:fillRef idx="1">
+        <a:scrgbClr r="0" g="0" b="0"/>
+      </a:fillRef>
+      <a:effectRef idx="0">
+        <a:scrgbClr r="0" g="0" b="0"/>
+      </a:effectRef>
+      <a:fontRef idx="minor">
+        <a:schemeClr val="lt1"/>
+      </a:fontRef>
+    </dgm:style>
+  </dgm:styleLbl>
+  <dgm:styleLbl name="parChTrans2D3">
+    <dgm:scene3d>
+      <a:camera prst="orthographicFront"/>
+      <a:lightRig rig="threePt" dir="t"/>
+    </dgm:scene3d>
+    <dgm:sp3d/>
+    <dgm:txPr/>
+    <dgm:style>
+      <a:lnRef idx="2">
+        <a:scrgbClr r="0" g="0" b="0"/>
+      </a:lnRef>
+      <a:fillRef idx="1">
+        <a:scrgbClr r="0" g="0" b="0"/>
+      </a:fillRef>
+      <a:effectRef idx="0">
+        <a:scrgbClr r="0" g="0" b="0"/>
+      </a:effectRef>
+      <a:fontRef idx="minor">
+        <a:schemeClr val="lt1"/>
+      </a:fontRef>
+    </dgm:style>
+  </dgm:styleLbl>
+  <dgm:styleLbl name="parChTrans2D4">
+    <dgm:scene3d>
+      <a:camera prst="orthographicFront"/>
+      <a:lightRig rig="threePt" dir="t"/>
+    </dgm:scene3d>
+    <dgm:sp3d/>
+    <dgm:txPr/>
+    <dgm:style>
+      <a:lnRef idx="2">
+        <a:scrgbClr r="0" g="0" b="0"/>
+      </a:lnRef>
+      <a:fillRef idx="1">
+        <a:scrgbClr r="0" g="0" b="0"/>
+      </a:fillRef>
+      <a:effectRef idx="0">
+        <a:scrgbClr r="0" g="0" b="0"/>
+      </a:effectRef>
+      <a:fontRef idx="minor">
+        <a:schemeClr val="lt1"/>
+      </a:fontRef>
+    </dgm:style>
+  </dgm:styleLbl>
+  <dgm:styleLbl name="parChTrans1D1">
+    <dgm:scene3d>
+      <a:camera prst="orthographicFront"/>
+      <a:lightRig rig="threePt" dir="t"/>
+    </dgm:scene3d>
+    <dgm:sp3d/>
+    <dgm:txPr/>
+    <dgm:style>
+      <a:lnRef idx="2">
+        <a:scrgbClr r="0" g="0" b="0"/>
+      </a:lnRef>
+      <a:fillRef idx="0">
+        <a:scrgbClr r="0" g="0" b="0"/>
+      </a:fillRef>
+      <a:effectRef idx="0">
+        <a:scrgbClr r="0" g="0" b="0"/>
+      </a:effectRef>
+      <a:fontRef idx="minor"/>
+    </dgm:style>
+  </dgm:styleLbl>
+  <dgm:styleLbl name="parChTrans1D2">
+    <dgm:scene3d>
+      <a:camera prst="orthographicFront"/>
+      <a:lightRig rig="threePt" dir="t"/>
+    </dgm:scene3d>
+    <dgm:sp3d/>
+    <dgm:txPr/>
+    <dgm:style>
+      <a:lnRef idx="2">
+        <a:scrgbClr r="0" g="0" b="0"/>
+      </a:lnRef>
+      <a:fillRef idx="0">
+        <a:scrgbClr r="0" g="0" b="0"/>
+      </a:fillRef>
+      <a:effectRef idx="0">
+        <a:scrgbClr r="0" g="0" b="0"/>
+      </a:effectRef>
+      <a:fontRef idx="minor"/>
+    </dgm:style>
+  </dgm:styleLbl>
+  <dgm:styleLbl name="parChTrans1D3">
+    <dgm:scene3d>
+      <a:camera prst="orthographicFront"/>
+      <a:lightRig rig="threePt" dir="t"/>
+    </dgm:scene3d>
+    <dgm:sp3d/>
+    <dgm:txPr/>
+    <dgm:style>
+      <a:lnRef idx="2">
+        <a:scrgbClr r="0" g="0" b="0"/>
+      </a:lnRef>
+      <a:fillRef idx="0">
+        <a:scrgbClr r="0" g="0" b="0"/>
+      </a:fillRef>
+      <a:effectRef idx="0">
+        <a:scrgbClr r="0" g="0" b="0"/>
+      </a:effectRef>
+      <a:fontRef idx="minor"/>
+    </dgm:style>
+  </dgm:styleLbl>
+  <dgm:styleLbl name="parChTrans1D4">
+    <dgm:scene3d>
+      <a:camera prst="orthographicFront"/>
+      <a:lightRig rig="threePt" dir="t"/>
+    </dgm:scene3d>
+    <dgm:sp3d/>
+    <dgm:txPr/>
+    <dgm:style>
+      <a:lnRef idx="2">
+        <a:scrgbClr r="0" g="0" b="0"/>
+      </a:lnRef>
+      <a:fillRef idx="0">
+        <a:scrgbClr r="0" g="0" b="0"/>
+      </a:fillRef>
+      <a:effectRef idx="0">
+        <a:scrgbClr r="0" g="0" b="0"/>
+      </a:effectRef>
+      <a:fontRef idx="minor"/>
+    </dgm:style>
+  </dgm:styleLbl>
+  <dgm:styleLbl name="fgAcc1">
+    <dgm:scene3d>
+      <a:camera prst="orthographicFront"/>
+      <a:lightRig rig="threePt" dir="t"/>
+    </dgm:scene3d>
+    <dgm:sp3d/>
+    <dgm:txPr/>
+    <dgm:style>
+      <a:lnRef idx="2">
+        <a:scrgbClr r="0" g="0" b="0"/>
+      </a:lnRef>
+      <a:fillRef idx="1">
+        <a:scrgbClr r="0" g="0" b="0"/>
+      </a:fillRef>
+      <a:effectRef idx="0">
+        <a:scrgbClr r="0" g="0" b="0"/>
+      </a:effectRef>
+      <a:fontRef idx="minor"/>
+    </dgm:style>
+  </dgm:styleLbl>
+  <dgm:styleLbl name="conFgAcc1">
+    <dgm:scene3d>
+      <a:camera prst="orthographicFront"/>
+      <a:lightRig rig="threePt" dir="t"/>
+    </dgm:scene3d>
+    <dgm:sp3d/>
+    <dgm:txPr/>
+    <dgm:style>
+      <a:lnRef idx="2">
+        <a:scrgbClr r="0" g="0" b="0"/>
+      </a:lnRef>
+      <a:fillRef idx="1">
+        <a:scrgbClr r="0" g="0" b="0"/>
+      </a:fillRef>
+      <a:effectRef idx="0">
+        <a:scrgbClr r="0" g="0" b="0"/>
+      </a:effectRef>
+      <a:fontRef idx="minor"/>
+    </dgm:style>
+  </dgm:styleLbl>
+  <dgm:styleLbl name="alignAcc1">
+    <dgm:scene3d>
+      <a:camera prst="orthographicFront"/>
+      <a:lightRig rig="threePt" dir="t"/>
+    </dgm:scene3d>
+    <dgm:sp3d/>
+    <dgm:txPr/>
+    <dgm:style>
+      <a:lnRef idx="2">
+        <a:scrgbClr r="0" g="0" b="0"/>
+      </a:lnRef>
+      <a:fillRef idx="1">
+        <a:scrgbClr r="0" g="0" b="0"/>
+      </a:fillRef>
+      <a:effectRef idx="0">
+        <a:scrgbClr r="0" g="0" b="0"/>
+      </a:effectRef>
+      <a:fontRef idx="minor"/>
+    </dgm:style>
+  </dgm:styleLbl>
+  <dgm:styleLbl name="trAlignAcc1">
+    <dgm:scene3d>
+      <a:camera prst="orthographicFront"/>
+      <a:lightRig rig="threePt" dir="t"/>
+    </dgm:scene3d>
+    <dgm:sp3d/>
+    <dgm:txPr/>
+    <dgm:style>
+      <a:lnRef idx="1">
+        <a:scrgbClr r="0" g="0" b="0"/>
+      </a:lnRef>
+      <a:fillRef idx="1">
+        <a:scrgbClr r="0" g="0" b="0"/>
+      </a:fillRef>
+      <a:effectRef idx="0">
+        <a:scrgbClr r="0" g="0" b="0"/>
+      </a:effectRef>
+      <a:fontRef idx="minor"/>
+    </dgm:style>
+  </dgm:styleLbl>
+  <dgm:styleLbl name="bgAcc1">
+    <dgm:scene3d>
+      <a:camera prst="orthographicFront"/>
+      <a:lightRig rig="threePt" dir="t"/>
+    </dgm:scene3d>
+    <dgm:sp3d/>
+    <dgm:txPr/>
+    <dgm:style>
+      <a:lnRef idx="2">
+        <a:scrgbClr r="0" g="0" b="0"/>
+      </a:lnRef>
+      <a:fillRef idx="1">
+        <a:scrgbClr r="0" g="0" b="0"/>
+      </a:fillRef>
+      <a:effectRef idx="0">
+        <a:scrgbClr r="0" g="0" b="0"/>
+      </a:effectRef>
+      <a:fontRef idx="minor"/>
+    </dgm:style>
+  </dgm:styleLbl>
+  <dgm:styleLbl name="solidFgAcc1">
+    <dgm:scene3d>
+      <a:camera prst="orthographicFront"/>
+      <a:lightRig rig="threePt" dir="t"/>
+    </dgm:scene3d>
+    <dgm:sp3d/>
+    <dgm:txPr/>
+    <dgm:style>
+      <a:lnRef idx="2">
+        <a:scrgbClr r="0" g="0" b="0"/>
+      </a:lnRef>
+      <a:fillRef idx="1">
+        <a:scrgbClr r="0" g="0" b="0"/>
+      </a:fillRef>
+      <a:effectRef idx="0">
+        <a:scrgbClr r="0" g="0" b="0"/>
+      </a:effectRef>
+      <a:fontRef idx="minor"/>
+    </dgm:style>
+  </dgm:styleLbl>
+  <dgm:styleLbl name="solidAlignAcc1">
+    <dgm:scene3d>
+      <a:camera prst="orthographicFront"/>
+      <a:lightRig rig="threePt" dir="t"/>
+    </dgm:scene3d>
+    <dgm:sp3d/>
+    <dgm:txPr/>
+    <dgm:style>
+      <a:lnRef idx="2">
+        <a:scrgbClr r="0" g="0" b="0"/>
+      </a:lnRef>
+      <a:fillRef idx="1">
+        <a:scrgbClr r="0" g="0" b="0"/>
+      </a:fillRef>
+      <a:effectRef idx="0">
+        <a:scrgbClr r="0" g="0" b="0"/>
+      </a:effectRef>
+      <a:fontRef idx="minor"/>
+    </dgm:style>
+  </dgm:styleLbl>
+  <dgm:styleLbl name="solidBgAcc1">
+    <dgm:scene3d>
+      <a:camera prst="orthographicFront"/>
+      <a:lightRig rig="threePt" dir="t"/>
+    </dgm:scene3d>
+    <dgm:sp3d/>
+    <dgm:txPr/>
+    <dgm:style>
+      <a:lnRef idx="2">
+        <a:scrgbClr r="0" g="0" b="0"/>
+      </a:lnRef>
+      <a:fillRef idx="1">
+        <a:scrgbClr r="0" g="0" b="0"/>
+      </a:fillRef>
+      <a:effectRef idx="0">
+        <a:scrgbClr r="0" g="0" b="0"/>
+      </a:effectRef>
+      <a:fontRef idx="minor"/>
+    </dgm:style>
+  </dgm:styleLbl>
+  <dgm:styleLbl name="fgAccFollowNode1">
+    <dgm:scene3d>
+      <a:camera prst="orthographicFront"/>
+      <a:lightRig rig="threePt" dir="t"/>
+    </dgm:scene3d>
+    <dgm:sp3d/>
+    <dgm:txPr/>
+    <dgm:style>
+      <a:lnRef idx="2">
+        <a:scrgbClr r="0" g="0" b="0"/>
+      </a:lnRef>
+      <a:fillRef idx="1">
+        <a:scrgbClr r="0" g="0" b="0"/>
+      </a:fillRef>
+      <a:effectRef idx="0">
+        <a:scrgbClr r="0" g="0" b="0"/>
+      </a:effectRef>
+      <a:fontRef idx="minor"/>
+    </dgm:style>
+  </dgm:styleLbl>
+  <dgm:styleLbl name="alignAccFollowNode1">
+    <dgm:scene3d>
+      <a:camera prst="orthographicFront"/>
+      <a:lightRig rig="threePt" dir="t"/>
+    </dgm:scene3d>
+    <dgm:sp3d/>
+    <dgm:txPr/>
+    <dgm:style>
+      <a:lnRef idx="2">
+        <a:scrgbClr r="0" g="0" b="0"/>
+      </a:lnRef>
+      <a:fillRef idx="1">
+        <a:scrgbClr r="0" g="0" b="0"/>
+      </a:fillRef>
+      <a:effectRef idx="0">
+        <a:scrgbClr r="0" g="0" b="0"/>
+      </a:effectRef>
+      <a:fontRef idx="minor"/>
+    </dgm:style>
+  </dgm:styleLbl>
+  <dgm:styleLbl name="bgAccFollowNode1">
+    <dgm:scene3d>
+      <a:camera prst="orthographicFront"/>
+      <a:lightRig rig="threePt" dir="t"/>
+    </dgm:scene3d>
+    <dgm:sp3d/>
+    <dgm:txPr/>
+    <dgm:style>
+      <a:lnRef idx="2">
+        <a:scrgbClr r="0" g="0" b="0"/>
+      </a:lnRef>
+      <a:fillRef idx="1">
+        <a:scrgbClr r="0" g="0" b="0"/>
+      </a:fillRef>
+      <a:effectRef idx="0">
+        <a:scrgbClr r="0" g="0" b="0"/>
+      </a:effectRef>
+      <a:fontRef idx="minor"/>
+    </dgm:style>
+  </dgm:styleLbl>
+  <dgm:styleLbl name="fgAcc0">
+    <dgm:scene3d>
+      <a:camera prst="orthographicFront"/>
+      <a:lightRig rig="threePt" dir="t"/>
+    </dgm:scene3d>
+    <dgm:sp3d/>
+    <dgm:txPr/>
+    <dgm:style>
+      <a:lnRef idx="2">
+        <a:scrgbClr r="0" g="0" b="0"/>
+      </a:lnRef>
+      <a:fillRef idx="1">
+        <a:scrgbClr r="0" g="0" b="0"/>
+      </a:fillRef>
+      <a:effectRef idx="0">
+        <a:scrgbClr r="0" g="0" b="0"/>
+      </a:effectRef>
+      <a:fontRef idx="minor"/>
+    </dgm:style>
+  </dgm:styleLbl>
+  <dgm:styleLbl name="fgAcc2">
+    <dgm:scene3d>
+      <a:camera prst="orthographicFront"/>
+      <a:lightRig rig="threePt" dir="t"/>
+    </dgm:scene3d>
+    <dgm:sp3d/>
+    <dgm:txPr/>
+    <dgm:style>
+      <a:lnRef idx="2">
+        <a:scrgbClr r="0" g="0" b="0"/>
+      </a:lnRef>
+      <a:fillRef idx="1">
+        <a:scrgbClr r="0" g="0" b="0"/>
+      </a:fillRef>
+      <a:effectRef idx="0">
+        <a:scrgbClr r="0" g="0" b="0"/>
+      </a:effectRef>
+      <a:fontRef idx="minor"/>
+    </dgm:style>
+  </dgm:styleLbl>
+  <dgm:styleLbl name="fgAcc3">
+    <dgm:scene3d>
+      <a:camera prst="orthographicFront"/>
+      <a:lightRig rig="threePt" dir="t"/>
+    </dgm:scene3d>
+    <dgm:sp3d/>
+    <dgm:txPr/>
+    <dgm:style>
+      <a:lnRef idx="2">
+        <a:scrgbClr r="0" g="0" b="0"/>
+      </a:lnRef>
+      <a:fillRef idx="1">
+        <a:scrgbClr r="0" g="0" b="0"/>
+      </a:fillRef>
+      <a:effectRef idx="0">
+        <a:scrgbClr r="0" g="0" b="0"/>
+      </a:effectRef>
+      <a:fontRef idx="minor"/>
+    </dgm:style>
+  </dgm:styleLbl>
+  <dgm:styleLbl name="fgAcc4">
+    <dgm:scene3d>
+      <a:camera prst="orthographicFront"/>
+      <a:lightRig rig="threePt" dir="t"/>
+    </dgm:scene3d>
+    <dgm:sp3d/>
+    <dgm:txPr/>
+    <dgm:style>
+      <a:lnRef idx="2">
+        <a:scrgbClr r="0" g="0" b="0"/>
+      </a:lnRef>
+      <a:fillRef idx="1">
+        <a:scrgbClr r="0" g="0" b="0"/>
+      </a:fillRef>
+      <a:effectRef idx="0">
+        <a:scrgbClr r="0" g="0" b="0"/>
+      </a:effectRef>
+      <a:fontRef idx="minor"/>
+    </dgm:style>
+  </dgm:styleLbl>
+  <dgm:styleLbl name="bgShp">
+    <dgm:scene3d>
+      <a:camera prst="orthographicFront"/>
+      <a:lightRig rig="threePt" dir="t"/>
+    </dgm:scene3d>
+    <dgm:sp3d/>
+    <dgm:txPr/>
+    <dgm:style>
+      <a:lnRef idx="0">
+        <a:scrgbClr r="0" g="0" b="0"/>
+      </a:lnRef>
+      <a:fillRef idx="1">
+        <a:scrgbClr r="0" g="0" b="0"/>
+      </a:fillRef>
+      <a:effectRef idx="0">
+        <a:scrgbClr r="0" g="0" b="0"/>
+      </a:effectRef>
+      <a:fontRef idx="minor"/>
+    </dgm:style>
+  </dgm:styleLbl>
+  <dgm:styleLbl name="dkBgShp">
+    <dgm:scene3d>
+      <a:camera prst="orthographicFront"/>
+      <a:lightRig rig="threePt" dir="t"/>
+    </dgm:scene3d>
+    <dgm:sp3d/>
+    <dgm:txPr/>
+    <dgm:style>
+      <a:lnRef idx="0">
+        <a:scrgbClr r="0" g="0" b="0"/>
+      </a:lnRef>
+      <a:fillRef idx="1">
+        <a:scrgbClr r="0" g="0" b="0"/>
+      </a:fillRef>
+      <a:effectRef idx="0">
+        <a:scrgbClr r="0" g="0" b="0"/>
+      </a:effectRef>
+      <a:fontRef idx="minor"/>
+    </dgm:style>
+  </dgm:styleLbl>
+  <dgm:styleLbl name="trBgShp">
+    <dgm:scene3d>
+      <a:camera prst="orthographicFront"/>
+      <a:lightRig rig="threePt" dir="t"/>
+    </dgm:scene3d>
+    <dgm:sp3d/>
+    <dgm:txPr/>
+    <dgm:style>
+      <a:lnRef idx="0">
+        <a:scrgbClr r="0" g="0" b="0"/>
+      </a:lnRef>
+      <a:fillRef idx="1">
+        <a:scrgbClr r="0" g="0" b="0"/>
+      </a:fillRef>
+      <a:effectRef idx="0">
+        <a:scrgbClr r="0" g="0" b="0"/>
+      </a:effectRef>
+      <a:fontRef idx="minor"/>
+    </dgm:style>
+  </dgm:styleLbl>
+  <dgm:styleLbl name="fgShp">
+    <dgm:scene3d>
+      <a:camera prst="orthographicFront"/>
+      <a:lightRig rig="threePt" dir="t"/>
+    </dgm:scene3d>
+    <dgm:sp3d/>
+    <dgm:txPr/>
+    <dgm:style>
+      <a:lnRef idx="2">
+        <a:scrgbClr r="0" g="0" b="0"/>
+      </a:lnRef>
+      <a:fillRef idx="1">
+        <a:scrgbClr r="0" g="0" b="0"/>
+      </a:fillRef>
+      <a:effectRef idx="0">
+        <a:scrgbClr r="0" g="0" b="0"/>
+      </a:effectRef>
+      <a:fontRef idx="minor"/>
+    </dgm:style>
+  </dgm:styleLbl>
+  <dgm:styleLbl name="revTx">
+    <dgm:scene3d>
+      <a:camera prst="orthographicFront"/>
+      <a:lightRig rig="threePt" dir="t"/>
+    </dgm:scene3d>
+    <dgm:sp3d/>
+    <dgm:txPr/>
+    <dgm:style>
+      <a:lnRef idx="0">
+        <a:scrgbClr r="0" g="0" b="0"/>
+      </a:lnRef>
+      <a:fillRef idx="0">
+        <a:scrgbClr r="0" g="0" b="0"/>
+      </a:fillRef>
+      <a:effectRef idx="0">
+        <a:scrgbClr r="0" g="0" b="0"/>
+      </a:effectRef>
+      <a:fontRef idx="minor"/>
+    </dgm:style>
+  </dgm:styleLbl>
+</dgm:styleDef>
+</file>
+
 <file path=ppt/slideLayouts/slideLayout1.xml><?xml version="1.0" encoding="utf-8"?>
 <p:sldLayout xmlns:a="http://schemas.openxmlformats.org/drawingml/2006/main" xmlns:r="http://schemas.openxmlformats.org/officeDocument/2006/relationships" xmlns:p="http://schemas.openxmlformats.org/presentationml/2006/main" type="title" preserve="1">
   <p:cSld name="Title Slide">
@@ -686,7 +3435,7 @@
           <a:p>
             <a:fld id="{D6D0F569-AC90-44EB-9EF4-4E5C2F5D823C}" type="datetime1">
               <a:rPr lang="en-US" smtClean="0"/>
-              <a:t>1/10/2022</a:t>
+              <a:t>1/11/2022</a:t>
             </a:fld>
             <a:endParaRPr lang="en-US" dirty="0"/>
           </a:p>
@@ -1365,7 +4114,7 @@
           <a:p>
             <a:fld id="{46BA7D41-E8B7-4A0B-B861-3EC4AE88917D}" type="datetime1">
               <a:rPr lang="en-US" smtClean="0"/>
-              <a:t>1/10/2022</a:t>
+              <a:t>1/11/2022</a:t>
             </a:fld>
             <a:endParaRPr lang="en-US" dirty="0"/>
           </a:p>
@@ -2054,7 +4803,7 @@
           <a:p>
             <a:fld id="{A7C34823-0B19-4B4E-A643-7A3B0A3D24D6}" type="datetime1">
               <a:rPr lang="en-US" smtClean="0"/>
-              <a:t>1/10/2022</a:t>
+              <a:t>1/11/2022</a:t>
             </a:fld>
             <a:endParaRPr lang="en-US" dirty="0"/>
           </a:p>
@@ -2736,7 +5485,7 @@
           <a:p>
             <a:fld id="{8C2D79EF-17C8-45D8-9866-DAF5723FC604}" type="datetime1">
               <a:rPr lang="en-US" smtClean="0"/>
-              <a:t>1/10/2022</a:t>
+              <a:t>1/11/2022</a:t>
             </a:fld>
             <a:endParaRPr lang="en-US" dirty="0"/>
           </a:p>
@@ -3491,7 +6240,7 @@
           <a:p>
             <a:fld id="{DFFC2ADC-3680-4013-A757-E4663495DB98}" type="datetime1">
               <a:rPr lang="en-US" smtClean="0"/>
-              <a:t>1/10/2022</a:t>
+              <a:t>1/11/2022</a:t>
             </a:fld>
             <a:endParaRPr lang="en-US" dirty="0"/>
           </a:p>
@@ -4238,7 +6987,7 @@
           <a:p>
             <a:fld id="{4751BA94-5DCA-4F19-960F-0FB2BD5EE85A}" type="datetime1">
               <a:rPr lang="en-US" smtClean="0"/>
-              <a:t>1/10/2022</a:t>
+              <a:t>1/11/2022</a:t>
             </a:fld>
             <a:endParaRPr lang="en-US" dirty="0"/>
           </a:p>
@@ -5132,7 +7881,7 @@
           <a:p>
             <a:fld id="{01BED947-38D9-44AC-8B89-E79758333B77}" type="datetime1">
               <a:rPr lang="en-US" smtClean="0"/>
-              <a:t>1/10/2022</a:t>
+              <a:t>1/11/2022</a:t>
             </a:fld>
             <a:endParaRPr lang="en-US" dirty="0"/>
           </a:p>
@@ -5753,7 +8502,7 @@
           <a:p>
             <a:fld id="{3781E23F-BD3C-4F23-B116-2B758120C8AC}" type="datetime1">
               <a:rPr lang="en-US" smtClean="0"/>
-              <a:t>1/10/2022</a:t>
+              <a:t>1/11/2022</a:t>
             </a:fld>
             <a:endParaRPr lang="en-US" dirty="0"/>
           </a:p>
@@ -6345,7 +9094,7 @@
           <a:p>
             <a:fld id="{473CFAA9-6D59-4D98-869E-ACBDB83B2CA4}" type="datetime1">
               <a:rPr lang="en-US" smtClean="0"/>
-              <a:t>1/10/2022</a:t>
+              <a:t>1/11/2022</a:t>
             </a:fld>
             <a:endParaRPr lang="en-US"/>
           </a:p>
@@ -7137,7 +9886,7 @@
           <a:p>
             <a:fld id="{DC410804-27E3-430A-BB42-B831260DE39A}" type="datetime1">
               <a:rPr lang="en-US" smtClean="0"/>
-              <a:t>1/10/2022</a:t>
+              <a:t>1/11/2022</a:t>
             </a:fld>
             <a:endParaRPr lang="en-US" dirty="0"/>
           </a:p>
@@ -7908,7 +10657,7 @@
           <a:p>
             <a:fld id="{60E22DE3-3D1A-4D53-B9A6-6C7463B8C992}" type="datetime1">
               <a:rPr lang="en-US" smtClean="0"/>
-              <a:t>1/10/2022</a:t>
+              <a:t>1/11/2022</a:t>
             </a:fld>
             <a:endParaRPr lang="en-US" dirty="0"/>
           </a:p>
@@ -8219,7 +10968,7 @@
             <a:fld id="{5ECD8B30-1B71-45A1-8314-D59C86F581E1}" type="datetime1">
               <a:rPr lang="en-US" smtClean="0"/>
               <a:pPr/>
-              <a:t>1/10/2022</a:t>
+              <a:t>1/11/2022</a:t>
             </a:fld>
             <a:endParaRPr lang="en-US" b="1" dirty="0"/>
           </a:p>
@@ -8671,7 +11420,7 @@
           <a:p>
             <a:r>
               <a:rPr lang="en-US" sz="4000" dirty="0"/>
-              <a:t>Serverless AI</a:t>
+              <a:t>AWS Serverless AI</a:t>
             </a:r>
             <a:endParaRPr lang="en-IN" sz="4000" dirty="0"/>
           </a:p>
@@ -8732,7 +11481,7 @@
           <a:p>
             <a:r>
               <a:rPr lang="en-US" sz="3600" dirty="0"/>
-              <a:t>Outline</a:t>
+              <a:t>Agenda</a:t>
             </a:r>
             <a:endParaRPr lang="en-IN" sz="3600" dirty="0"/>
           </a:p>
@@ -8867,14 +11616,19 @@
             <p:ph idx="1"/>
           </p:nvPr>
         </p:nvSpPr>
-        <p:spPr/>
+        <p:spPr>
+          <a:xfrm>
+            <a:off x="4049486" y="1640600"/>
+            <a:ext cx="7602892" cy="4351338"/>
+          </a:xfrm>
+        </p:spPr>
         <p:txBody>
           <a:bodyPr>
             <a:normAutofit/>
           </a:bodyPr>
           <a:lstStyle/>
           <a:p>
-            <a:pPr marL="228600" marR="0" lvl="0" indent="-228600" algn="l" defTabSz="914400" rtl="0" eaLnBrk="1" fontAlgn="auto" latinLnBrk="0" hangingPunct="1">
+            <a:pPr marL="0" marR="0" lvl="0" indent="0" algn="l" defTabSz="914400" rtl="0" eaLnBrk="1" fontAlgn="auto" latinLnBrk="0" hangingPunct="1">
               <a:lnSpc>
                 <a:spcPct val="90000"/>
               </a:lnSpc>
@@ -8886,13 +11640,12 @@
               </a:spcAft>
               <a:buClrTx/>
               <a:buSzTx/>
-              <a:buFont typeface="Arial" panose="020B0604020202020204" pitchFamily="34" charset="0"/>
-              <a:buChar char="•"/>
+              <a:buNone/>
               <a:tabLst/>
               <a:defRPr/>
             </a:pPr>
             <a:r>
-              <a:rPr kumimoji="0" lang="en-US" sz="2200" b="0" i="0" u="none" strike="noStrike" kern="1200" cap="none" spc="0" normalizeH="0" baseline="0" noProof="0" dirty="0">
+              <a:rPr kumimoji="0" lang="en-US" sz="2000" b="0" i="0" u="none" strike="noStrike" kern="1200" cap="none" spc="0" normalizeH="0" baseline="0" noProof="0" dirty="0">
                 <a:ln>
                   <a:noFill/>
                 </a:ln>
@@ -8910,189 +11663,108 @@
             </a:r>
           </a:p>
           <a:p>
-            <a:pPr marL="228600" marR="0" lvl="0" indent="-228600" algn="l" defTabSz="914400" rtl="0" eaLnBrk="1" fontAlgn="auto" latinLnBrk="0" hangingPunct="1">
-              <a:lnSpc>
-                <a:spcPct val="90000"/>
-              </a:lnSpc>
-              <a:spcBef>
-                <a:spcPts val="1000"/>
-              </a:spcBef>
-              <a:spcAft>
-                <a:spcPts val="0"/>
-              </a:spcAft>
-              <a:buClrTx/>
-              <a:buSzTx/>
-              <a:buFont typeface="Arial" panose="020B0604020202020204" pitchFamily="34" charset="0"/>
-              <a:buChar char="•"/>
-              <a:tabLst/>
-              <a:defRPr/>
+            <a:pPr marL="0" indent="0">
+              <a:buNone/>
             </a:pPr>
             <a:r>
-              <a:rPr kumimoji="0" lang="en-US" sz="2200" b="0" i="0" u="none" strike="noStrike" kern="1200" cap="none" spc="0" normalizeH="0" baseline="0" noProof="0" dirty="0">
-                <a:ln>
-                  <a:noFill/>
-                </a:ln>
-                <a:solidFill>
-                  <a:srgbClr val="FFFFFF"/>
-                </a:solidFill>
-                <a:effectLst/>
-                <a:uLnTx/>
-                <a:uFillTx/>
-                <a:latin typeface="Source Sans Pro"/>
-                <a:ea typeface="+mn-ea"/>
-                <a:cs typeface="+mn-cs"/>
-              </a:rPr>
-              <a:t>Serverless has become a critical element in modern application development by offloading undifferentiated tasks to AWS. </a:t>
+              <a:rPr lang="en-US" sz="2000" dirty="0"/>
+              <a:t>A serverless architecture means that developers and operators do not need to spend time with maintenance operations, infrastructure availability, or capacity planning. </a:t>
             </a:r>
           </a:p>
           <a:p>
-            <a:pPr marL="228600" marR="0" lvl="0" indent="-228600" algn="l" defTabSz="914400" rtl="0" eaLnBrk="1" fontAlgn="auto" latinLnBrk="0" hangingPunct="1">
-              <a:lnSpc>
-                <a:spcPct val="90000"/>
-              </a:lnSpc>
-              <a:spcBef>
-                <a:spcPts val="1000"/>
-              </a:spcBef>
-              <a:spcAft>
-                <a:spcPts val="0"/>
-              </a:spcAft>
-              <a:buClrTx/>
-              <a:buSzTx/>
-              <a:buFont typeface="Arial" panose="020B0604020202020204" pitchFamily="34" charset="0"/>
-              <a:buChar char="•"/>
-              <a:tabLst/>
-              <a:defRPr/>
+            <a:pPr marL="0" indent="0">
+              <a:buNone/>
             </a:pPr>
             <a:r>
-              <a:rPr kumimoji="0" lang="en-US" sz="2200" b="0" i="0" u="none" strike="noStrike" kern="1200" cap="none" spc="0" normalizeH="0" baseline="0" noProof="0" dirty="0">
-                <a:ln>
-                  <a:noFill/>
-                </a:ln>
-                <a:solidFill>
-                  <a:srgbClr val="FFFFFF"/>
-                </a:solidFill>
-                <a:effectLst/>
-                <a:uLnTx/>
-                <a:uFillTx/>
-                <a:latin typeface="Source Sans Pro"/>
-                <a:ea typeface="+mn-ea"/>
-                <a:cs typeface="+mn-cs"/>
-              </a:rPr>
-              <a:t>Using a serverless first approach, developers can reduce their time-to-market for creating customer value with </a:t>
+              <a:rPr lang="en-US" sz="2000" dirty="0"/>
+              <a:t>For compute, you are charged based solely upon the time and memory allocated to run your code, without associated fees for idle time.</a:t>
             </a:r>
-            <a:r>
-              <a:rPr kumimoji="0" lang="en-US" sz="2200" b="0" i="1" u="none" strike="noStrike" kern="1200" cap="none" spc="0" normalizeH="0" baseline="0" noProof="0" dirty="0">
-                <a:ln>
-                  <a:noFill/>
-                </a:ln>
-                <a:solidFill>
-                  <a:srgbClr val="FFFFFF"/>
-                </a:solidFill>
-                <a:effectLst/>
-                <a:uLnTx/>
-                <a:uFillTx/>
-                <a:latin typeface="Source Sans Pro"/>
-                <a:ea typeface="+mn-ea"/>
-                <a:cs typeface="+mn-cs"/>
-              </a:rPr>
-              <a:t>faster development </a:t>
-            </a:r>
-            <a:r>
-              <a:rPr kumimoji="0" lang="en-US" sz="2200" b="0" i="0" u="none" strike="noStrike" kern="1200" cap="none" spc="0" normalizeH="0" baseline="0" noProof="0" dirty="0">
-                <a:ln>
-                  <a:noFill/>
-                </a:ln>
-                <a:solidFill>
-                  <a:srgbClr val="FFFFFF"/>
-                </a:solidFill>
-                <a:effectLst/>
-                <a:uLnTx/>
-                <a:uFillTx/>
-                <a:latin typeface="Source Sans Pro"/>
-                <a:ea typeface="+mn-ea"/>
-                <a:cs typeface="+mn-cs"/>
-              </a:rPr>
-              <a:t>practices by concentrating on business logic rather than undifferentiated heavy lifting.</a:t>
-            </a:r>
-          </a:p>
-          <a:p>
-            <a:pPr marL="228600" marR="0" lvl="0" indent="-228600" algn="l" defTabSz="914400" rtl="0" eaLnBrk="1" fontAlgn="auto" latinLnBrk="0" hangingPunct="1">
-              <a:lnSpc>
-                <a:spcPct val="90000"/>
-              </a:lnSpc>
-              <a:spcBef>
-                <a:spcPts val="1000"/>
-              </a:spcBef>
-              <a:spcAft>
-                <a:spcPts val="0"/>
-              </a:spcAft>
-              <a:buClrTx/>
-              <a:buSzTx/>
-              <a:buFont typeface="Arial" panose="020B0604020202020204" pitchFamily="34" charset="0"/>
-              <a:buChar char="•"/>
-              <a:tabLst/>
-              <a:defRPr/>
+          </a:p>
+          <a:p>
+            <a:pPr marL="0" indent="0">
+              <a:buNone/>
             </a:pPr>
             <a:r>
-              <a:rPr kumimoji="0" lang="en-US" sz="2200" b="0" i="0" u="none" strike="noStrike" kern="1200" cap="none" spc="0" normalizeH="0" baseline="0" noProof="0" dirty="0">
-                <a:ln>
-                  <a:noFill/>
-                </a:ln>
-                <a:solidFill>
-                  <a:srgbClr val="FFFFFF"/>
-                </a:solidFill>
-                <a:effectLst/>
-                <a:uLnTx/>
-                <a:uFillTx/>
-                <a:latin typeface="Source Sans Pro"/>
-                <a:ea typeface="+mn-ea"/>
-                <a:cs typeface="+mn-cs"/>
-              </a:rPr>
-              <a:t>Serverless is a key enabler to achieve sustainable architecture – new architecture pillar of AWS. Developers will begin to make </a:t>
+              <a:rPr lang="en-US" sz="2000" dirty="0"/>
+              <a:t>Using a serverless first approach, developers can reduce their time-to-market for creating customer value with faster development practices by concentrating on business logic rather than undifferentiated heavy lifting.</a:t>
             </a:r>
-            <a:r>
-              <a:rPr kumimoji="0" lang="en-US" sz="2200" b="0" i="1" u="none" strike="noStrike" kern="1200" cap="none" spc="0" normalizeH="0" baseline="0" noProof="0" dirty="0">
-                <a:ln>
-                  <a:noFill/>
-                </a:ln>
-                <a:solidFill>
-                  <a:srgbClr val="FFFFFF"/>
-                </a:solidFill>
-                <a:effectLst/>
-                <a:uLnTx/>
-                <a:uFillTx/>
-                <a:latin typeface="Source Sans Pro"/>
-                <a:ea typeface="+mn-ea"/>
-                <a:cs typeface="+mn-cs"/>
-              </a:rPr>
-              <a:t>sustainability-conscious</a:t>
-            </a:r>
-            <a:r>
-              <a:rPr kumimoji="0" lang="en-US" sz="2200" b="0" i="0" u="none" strike="noStrike" kern="1200" cap="none" spc="0" normalizeH="0" baseline="0" noProof="0" dirty="0">
-                <a:ln>
-                  <a:noFill/>
-                </a:ln>
-                <a:solidFill>
-                  <a:srgbClr val="FFFFFF"/>
-                </a:solidFill>
-                <a:effectLst/>
-                <a:uLnTx/>
-                <a:uFillTx/>
-                <a:latin typeface="Source Sans Pro"/>
-                <a:ea typeface="+mn-ea"/>
-                <a:cs typeface="+mn-cs"/>
-              </a:rPr>
-              <a:t> decisions about the systems and applications they are building.</a:t>
-            </a:r>
-          </a:p>
-          <a:p>
-            <a:endParaRPr lang="en-US" dirty="0"/>
-          </a:p>
-          <a:p>
-            <a:endParaRPr lang="en-IN" dirty="0"/>
+            <a:endParaRPr lang="en-IN" sz="2000" dirty="0"/>
           </a:p>
         </p:txBody>
       </p:sp>
+      <p:pic>
+        <p:nvPicPr>
+          <p:cNvPr id="5" name="Picture 4">
+            <a:extLst>
+              <a:ext uri="{FF2B5EF4-FFF2-40B4-BE49-F238E27FC236}">
+                <a16:creationId xmlns:a16="http://schemas.microsoft.com/office/drawing/2014/main" id="{E9856ED0-1522-4C2E-A7E0-81CCA8F0AFB1}"/>
+              </a:ext>
+            </a:extLst>
+          </p:cNvPr>
+          <p:cNvPicPr>
+            <a:picLocks noChangeAspect="1"/>
+          </p:cNvPicPr>
+          <p:nvPr/>
+        </p:nvPicPr>
+        <p:blipFill>
+          <a:blip r:embed="rId2"/>
+          <a:stretch>
+            <a:fillRect/>
+          </a:stretch>
+        </p:blipFill>
+        <p:spPr>
+          <a:xfrm>
+            <a:off x="607261" y="2743661"/>
+            <a:ext cx="2754869" cy="2145216"/>
+          </a:xfrm>
+          <a:prstGeom prst="rect">
+            <a:avLst/>
+          </a:prstGeom>
+        </p:spPr>
+      </p:pic>
+      <p:cxnSp>
+        <p:nvCxnSpPr>
+          <p:cNvPr id="7" name="Straight Connector 6">
+            <a:extLst>
+              <a:ext uri="{FF2B5EF4-FFF2-40B4-BE49-F238E27FC236}">
+                <a16:creationId xmlns:a16="http://schemas.microsoft.com/office/drawing/2014/main" id="{CA788EE6-C6CE-4F53-A631-989019F75831}"/>
+              </a:ext>
+            </a:extLst>
+          </p:cNvPr>
+          <p:cNvCxnSpPr>
+            <a:cxnSpLocks/>
+          </p:cNvCxnSpPr>
+          <p:nvPr/>
+        </p:nvCxnSpPr>
+        <p:spPr>
+          <a:xfrm>
+            <a:off x="3705808" y="1446245"/>
+            <a:ext cx="0" cy="4740049"/>
+          </a:xfrm>
+          <a:prstGeom prst="line">
+            <a:avLst/>
+          </a:prstGeom>
+          <a:ln w="19050">
+            <a:solidFill>
+              <a:schemeClr val="accent4"/>
+            </a:solidFill>
+          </a:ln>
+        </p:spPr>
+        <p:style>
+          <a:lnRef idx="1">
+            <a:schemeClr val="accent1"/>
+          </a:lnRef>
+          <a:fillRef idx="0">
+            <a:schemeClr val="accent1"/>
+          </a:fillRef>
+          <a:effectRef idx="0">
+            <a:schemeClr val="accent1"/>
+          </a:effectRef>
+          <a:fontRef idx="minor">
+            <a:schemeClr val="tx1"/>
+          </a:fontRef>
+        </p:style>
+      </p:cxnSp>
     </p:spTree>
     <p:extLst>
       <p:ext uri="{BB962C8B-B14F-4D97-AF65-F5344CB8AC3E}">
@@ -9148,7 +11820,7 @@
           <a:p>
             <a:r>
               <a:rPr lang="en-US" sz="3600" dirty="0"/>
-              <a:t>AWS Serverless </a:t>
+              <a:t>Serverless</a:t>
             </a:r>
             <a:endParaRPr lang="en-IN" sz="3600" dirty="0"/>
           </a:p>
@@ -9170,14 +11842,100 @@
             <p:ph idx="1"/>
           </p:nvPr>
         </p:nvSpPr>
-        <p:spPr/>
+        <p:spPr>
+          <a:xfrm>
+            <a:off x="4049486" y="1640600"/>
+            <a:ext cx="7602892" cy="4351338"/>
+          </a:xfrm>
+        </p:spPr>
         <p:txBody>
           <a:bodyPr>
-            <a:normAutofit/>
+            <a:normAutofit lnSpcReduction="10000"/>
           </a:bodyPr>
           <a:lstStyle/>
           <a:p>
-            <a:pPr marL="228600" marR="0" lvl="0" indent="-228600" algn="l" defTabSz="914400" rtl="0" eaLnBrk="1" fontAlgn="auto" latinLnBrk="0" hangingPunct="1">
+            <a:pPr marL="0" indent="0">
+              <a:buNone/>
+              <a:defRPr/>
+            </a:pPr>
+            <a:r>
+              <a:rPr lang="en-US" sz="2400" dirty="0">
+                <a:solidFill>
+                  <a:srgbClr val="FFFFFF"/>
+                </a:solidFill>
+                <a:latin typeface="Source Sans Pro"/>
+              </a:rPr>
+              <a:t>Lambda – event driven pay as you go compute service that runs your code without provisioning or managing servers. Function as a Service (</a:t>
+            </a:r>
+            <a:r>
+              <a:rPr lang="en-US" sz="2400" dirty="0" err="1">
+                <a:solidFill>
+                  <a:srgbClr val="FFFFFF"/>
+                </a:solidFill>
+                <a:latin typeface="Source Sans Pro"/>
+              </a:rPr>
+              <a:t>FaaS</a:t>
+            </a:r>
+            <a:r>
+              <a:rPr lang="en-US" sz="2400" dirty="0">
+                <a:solidFill>
+                  <a:srgbClr val="FFFFFF"/>
+                </a:solidFill>
+                <a:latin typeface="Source Sans Pro"/>
+              </a:rPr>
+              <a:t>)</a:t>
+            </a:r>
+          </a:p>
+          <a:p>
+            <a:pPr marL="0" indent="0">
+              <a:buNone/>
+              <a:defRPr/>
+            </a:pPr>
+            <a:endParaRPr lang="en-US" sz="2400" dirty="0">
+              <a:solidFill>
+                <a:srgbClr val="FFFFFF"/>
+              </a:solidFill>
+              <a:latin typeface="Source Sans Pro"/>
+            </a:endParaRPr>
+          </a:p>
+          <a:p>
+            <a:pPr marL="0" indent="0">
+              <a:buNone/>
+              <a:defRPr/>
+            </a:pPr>
+            <a:r>
+              <a:rPr lang="en-US" sz="2400" dirty="0" err="1">
+                <a:solidFill>
+                  <a:srgbClr val="FFFFFF"/>
+                </a:solidFill>
+                <a:latin typeface="Source Sans Pro"/>
+              </a:rPr>
+              <a:t>Fargate</a:t>
+            </a:r>
+            <a:r>
+              <a:rPr lang="en-US" sz="2400" dirty="0">
+                <a:solidFill>
+                  <a:srgbClr val="FFFFFF"/>
+                </a:solidFill>
+                <a:latin typeface="Source Sans Pro"/>
+              </a:rPr>
+              <a:t> – serverless compute engine for your container workload</a:t>
+            </a:r>
+          </a:p>
+          <a:p>
+            <a:pPr marL="0" indent="0">
+              <a:buNone/>
+              <a:defRPr/>
+            </a:pPr>
+            <a:endParaRPr lang="en-US" sz="2400" dirty="0">
+              <a:solidFill>
+                <a:srgbClr val="FFFFFF"/>
+              </a:solidFill>
+              <a:latin typeface="Source Sans Pro"/>
+            </a:endParaRPr>
+          </a:p>
+          <a:p>
+            <a:pPr marL="0" marR="0" lvl="0" indent="0" algn="l" defTabSz="914400" rtl="0" eaLnBrk="1" fontAlgn="auto" latinLnBrk="0" hangingPunct="1">
               <a:lnSpc>
                 <a:spcPct val="90000"/>
               </a:lnSpc>
@@ -9189,132 +11947,40 @@
               </a:spcAft>
               <a:buClrTx/>
               <a:buSzTx/>
-              <a:buFont typeface="Arial" panose="020B0604020202020204" pitchFamily="34" charset="0"/>
-              <a:buChar char="•"/>
+              <a:buNone/>
               <a:tabLst/>
               <a:defRPr/>
             </a:pPr>
             <a:r>
-              <a:rPr kumimoji="0" lang="en-US" sz="2200" b="0" i="0" u="none" strike="noStrike" kern="1200" cap="none" spc="0" normalizeH="0" baseline="0" noProof="0" dirty="0">
-                <a:ln>
-                  <a:noFill/>
-                </a:ln>
+              <a:rPr lang="en-US" sz="2400" dirty="0">
                 <a:solidFill>
                   <a:srgbClr val="FFFFFF"/>
                 </a:solidFill>
-                <a:effectLst/>
-                <a:uLnTx/>
-                <a:uFillTx/>
                 <a:latin typeface="Source Sans Pro"/>
-                <a:ea typeface="+mn-ea"/>
-                <a:cs typeface="+mn-cs"/>
               </a:rPr>
-              <a:t>Computer</a:t>
+              <a:t>Application integration – API Gateway, </a:t>
             </a:r>
-          </a:p>
-          <a:p>
-            <a:pPr lvl="1">
-              <a:spcBef>
-                <a:spcPts val="1000"/>
-              </a:spcBef>
-              <a:defRPr/>
-            </a:pPr>
             <a:r>
-              <a:rPr kumimoji="0" lang="en-US" sz="1800" b="0" i="0" u="none" strike="noStrike" kern="1200" cap="none" spc="0" normalizeH="0" baseline="0" noProof="0" dirty="0">
-                <a:ln>
-                  <a:noFill/>
-                </a:ln>
+              <a:rPr lang="en-US" sz="2400" dirty="0" err="1">
                 <a:solidFill>
                   <a:srgbClr val="FFFFFF"/>
                 </a:solidFill>
-                <a:effectLst/>
-                <a:uLnTx/>
-                <a:uFillTx/>
                 <a:latin typeface="Source Sans Pro"/>
-                <a:ea typeface="+mn-ea"/>
-                <a:cs typeface="+mn-cs"/>
               </a:rPr>
-              <a:t>Lambda – event driven pay as you go compute service that runs your code without provisioning or managing servers. Function as a Service (</a:t>
+              <a:t>Eventbridge</a:t>
             </a:r>
             <a:r>
-              <a:rPr kumimoji="0" lang="en-US" sz="1800" b="0" i="0" u="none" strike="noStrike" kern="1200" cap="none" spc="0" normalizeH="0" baseline="0" noProof="0" dirty="0" err="1">
-                <a:ln>
-                  <a:noFill/>
-                </a:ln>
+              <a:rPr lang="en-US" sz="2400" dirty="0">
                 <a:solidFill>
                   <a:srgbClr val="FFFFFF"/>
                 </a:solidFill>
-                <a:effectLst/>
-                <a:uLnTx/>
-                <a:uFillTx/>
                 <a:latin typeface="Source Sans Pro"/>
-                <a:ea typeface="+mn-ea"/>
-                <a:cs typeface="+mn-cs"/>
               </a:rPr>
-              <a:t>FaaS</a:t>
+              <a:t>, Step Functions, SQS, SNS,</a:t>
             </a:r>
-            <a:r>
-              <a:rPr kumimoji="0" lang="en-US" sz="1800" b="0" i="0" u="none" strike="noStrike" kern="1200" cap="none" spc="0" normalizeH="0" baseline="0" noProof="0" dirty="0">
-                <a:ln>
-                  <a:noFill/>
-                </a:ln>
-                <a:solidFill>
-                  <a:srgbClr val="FFFFFF"/>
-                </a:solidFill>
-                <a:effectLst/>
-                <a:uLnTx/>
-                <a:uFillTx/>
-                <a:latin typeface="Source Sans Pro"/>
-                <a:ea typeface="+mn-ea"/>
-                <a:cs typeface="+mn-cs"/>
-              </a:rPr>
-              <a:t>)</a:t>
-            </a:r>
-          </a:p>
-          <a:p>
-            <a:pPr lvl="1">
-              <a:spcBef>
-                <a:spcPts val="1000"/>
-              </a:spcBef>
-              <a:defRPr/>
-            </a:pPr>
-            <a:r>
-              <a:rPr kumimoji="0" lang="en-US" sz="1800" b="0" i="0" u="none" strike="noStrike" kern="1200" cap="none" spc="0" normalizeH="0" baseline="0" noProof="0" dirty="0" err="1">
-                <a:ln>
-                  <a:noFill/>
-                </a:ln>
-                <a:solidFill>
-                  <a:srgbClr val="FFFFFF"/>
-                </a:solidFill>
-                <a:effectLst/>
-                <a:uLnTx/>
-                <a:uFillTx/>
-                <a:latin typeface="Source Sans Pro"/>
-                <a:ea typeface="+mn-ea"/>
-                <a:cs typeface="+mn-cs"/>
-              </a:rPr>
-              <a:t>Fargate</a:t>
-            </a:r>
-            <a:r>
-              <a:rPr kumimoji="0" lang="en-US" sz="1800" b="0" i="0" u="none" strike="noStrike" kern="1200" cap="none" spc="0" normalizeH="0" baseline="0" noProof="0" dirty="0">
-                <a:ln>
-                  <a:noFill/>
-                </a:ln>
-                <a:solidFill>
-                  <a:srgbClr val="FFFFFF"/>
-                </a:solidFill>
-                <a:effectLst/>
-                <a:uLnTx/>
-                <a:uFillTx/>
-                <a:latin typeface="Source Sans Pro"/>
-                <a:ea typeface="+mn-ea"/>
-                <a:cs typeface="+mn-cs"/>
-              </a:rPr>
-              <a:t> – serverless compute engine for your container workload</a:t>
-            </a:r>
-          </a:p>
-          <a:p>
-            <a:pPr marL="228600" marR="0" lvl="0" indent="-228600" algn="l" defTabSz="914400" rtl="0" eaLnBrk="1" fontAlgn="auto" latinLnBrk="0" hangingPunct="1">
+          </a:p>
+          <a:p>
+            <a:pPr marL="0" marR="0" lvl="0" indent="0" algn="l" defTabSz="914400" rtl="0" eaLnBrk="1" fontAlgn="auto" latinLnBrk="0" hangingPunct="1">
               <a:lnSpc>
                 <a:spcPct val="90000"/>
               </a:lnSpc>
@@ -9326,41 +11992,19 @@
               </a:spcAft>
               <a:buClrTx/>
               <a:buSzTx/>
-              <a:buFont typeface="Arial" panose="020B0604020202020204" pitchFamily="34" charset="0"/>
-              <a:buChar char="•"/>
+              <a:buNone/>
               <a:tabLst/>
               <a:defRPr/>
             </a:pPr>
-            <a:r>
-              <a:rPr lang="en-US" sz="2200" dirty="0">
-                <a:solidFill>
-                  <a:srgbClr val="FFFFFF"/>
-                </a:solidFill>
-                <a:latin typeface="Source Sans Pro"/>
-              </a:rPr>
-              <a:t>Application integration – API Gateway, </a:t>
-            </a:r>
-            <a:r>
-              <a:rPr lang="en-US" sz="2200" dirty="0" err="1">
-                <a:solidFill>
-                  <a:srgbClr val="FFFFFF"/>
-                </a:solidFill>
-                <a:latin typeface="Source Sans Pro"/>
-              </a:rPr>
-              <a:t>Eventbridge</a:t>
-            </a:r>
-            <a:r>
-              <a:rPr lang="en-US" sz="2200" dirty="0">
-                <a:solidFill>
-                  <a:srgbClr val="FFFFFF"/>
-                </a:solidFill>
-                <a:latin typeface="Source Sans Pro"/>
-              </a:rPr>
-              <a:t>, Step Functions, SQS, SNS,</a:t>
-            </a:r>
-          </a:p>
-          <a:p>
-            <a:pPr marL="228600" marR="0" lvl="0" indent="-228600" algn="l" defTabSz="914400" rtl="0" eaLnBrk="1" fontAlgn="auto" latinLnBrk="0" hangingPunct="1">
+            <a:endParaRPr lang="en-US" sz="2400" dirty="0">
+              <a:solidFill>
+                <a:srgbClr val="FFFFFF"/>
+              </a:solidFill>
+              <a:latin typeface="Source Sans Pro"/>
+            </a:endParaRPr>
+          </a:p>
+          <a:p>
+            <a:pPr marL="0" marR="0" lvl="0" indent="0" algn="l" defTabSz="914400" rtl="0" eaLnBrk="1" fontAlgn="auto" latinLnBrk="0" hangingPunct="1">
               <a:lnSpc>
                 <a:spcPct val="90000"/>
               </a:lnSpc>
@@ -9372,13 +12016,12 @@
               </a:spcAft>
               <a:buClrTx/>
               <a:buSzTx/>
-              <a:buFont typeface="Arial" panose="020B0604020202020204" pitchFamily="34" charset="0"/>
-              <a:buChar char="•"/>
+              <a:buNone/>
               <a:tabLst/>
               <a:defRPr/>
             </a:pPr>
             <a:r>
-              <a:rPr kumimoji="0" lang="en-US" sz="2200" b="0" i="0" u="none" strike="noStrike" kern="1200" cap="none" spc="0" normalizeH="0" baseline="0" noProof="0" dirty="0">
+              <a:rPr kumimoji="0" lang="en-US" sz="2400" b="0" i="0" u="none" strike="noStrike" kern="1200" cap="none" spc="0" normalizeH="0" baseline="0" noProof="0" dirty="0">
                 <a:ln>
                   <a:noFill/>
                 </a:ln>
@@ -9395,240 +12038,85 @@
               <a:t>Data Store – S3, DynamoDB</a:t>
             </a:r>
           </a:p>
-          <a:p>
-            <a:pPr marL="228600" marR="0" lvl="0" indent="-228600" algn="l" defTabSz="914400" rtl="0" eaLnBrk="1" fontAlgn="auto" latinLnBrk="0" hangingPunct="1">
-              <a:lnSpc>
-                <a:spcPct val="90000"/>
-              </a:lnSpc>
-              <a:spcBef>
-                <a:spcPts val="1000"/>
-              </a:spcBef>
-              <a:spcAft>
-                <a:spcPts val="0"/>
-              </a:spcAft>
-              <a:buClrTx/>
-              <a:buSzTx/>
-              <a:buFont typeface="Arial" panose="020B0604020202020204" pitchFamily="34" charset="0"/>
-              <a:buChar char="•"/>
-              <a:tabLst/>
-              <a:defRPr/>
-            </a:pPr>
-            <a:endParaRPr kumimoji="0" lang="en-US" sz="2200" b="0" i="0" u="none" strike="noStrike" kern="1200" cap="none" spc="0" normalizeH="0" baseline="0" noProof="0" dirty="0">
-              <a:ln>
-                <a:noFill/>
-              </a:ln>
-              <a:solidFill>
-                <a:srgbClr val="FFFFFF"/>
-              </a:solidFill>
-              <a:effectLst/>
-              <a:uLnTx/>
-              <a:uFillTx/>
-              <a:latin typeface="Source Sans Pro"/>
-              <a:ea typeface="+mn-ea"/>
-              <a:cs typeface="+mn-cs"/>
-            </a:endParaRPr>
-          </a:p>
-          <a:p>
-            <a:endParaRPr lang="en-US" dirty="0"/>
-          </a:p>
-          <a:p>
-            <a:pPr lvl="2"/>
-            <a:endParaRPr lang="en-IN" dirty="0"/>
-          </a:p>
         </p:txBody>
       </p:sp>
       <p:pic>
         <p:nvPicPr>
-          <p:cNvPr id="2050" name="Picture 2">
+          <p:cNvPr id="5" name="Picture 4">
             <a:extLst>
               <a:ext uri="{FF2B5EF4-FFF2-40B4-BE49-F238E27FC236}">
-                <a16:creationId xmlns:a16="http://schemas.microsoft.com/office/drawing/2014/main" id="{FA545FEB-674A-41E2-A64E-2EB31A400C7E}"/>
+                <a16:creationId xmlns:a16="http://schemas.microsoft.com/office/drawing/2014/main" id="{E9856ED0-1522-4C2E-A7E0-81CCA8F0AFB1}"/>
               </a:ext>
             </a:extLst>
           </p:cNvPr>
           <p:cNvPicPr>
-            <a:picLocks noChangeAspect="1" noChangeArrowheads="1"/>
+            <a:picLocks noChangeAspect="1"/>
           </p:cNvPicPr>
           <p:nvPr/>
         </p:nvPicPr>
         <p:blipFill>
-          <a:blip r:embed="rId2">
-            <a:extLst>
-              <a:ext uri="{28A0092B-C50C-407E-A947-70E740481C1C}">
-                <a14:useLocalDpi xmlns:a14="http://schemas.microsoft.com/office/drawing/2010/main" val="0"/>
-              </a:ext>
-            </a:extLst>
-          </a:blip>
-          <a:srcRect/>
+          <a:blip r:embed="rId2"/>
           <a:stretch>
             <a:fillRect/>
           </a:stretch>
         </p:blipFill>
-        <p:spPr bwMode="auto">
+        <p:spPr>
           <a:xfrm>
-            <a:off x="1580567" y="4395010"/>
-            <a:ext cx="1324558" cy="1368710"/>
+            <a:off x="607261" y="2743661"/>
+            <a:ext cx="2754869" cy="2145216"/>
           </a:xfrm>
           <a:prstGeom prst="rect">
             <a:avLst/>
           </a:prstGeom>
-          <a:noFill/>
-          <a:extLst>
-            <a:ext uri="{909E8E84-426E-40DD-AFC4-6F175D3DCCD1}">
-              <a14:hiddenFill xmlns:a14="http://schemas.microsoft.com/office/drawing/2010/main">
-                <a:solidFill>
-                  <a:srgbClr val="FFFFFF"/>
-                </a:solidFill>
-              </a14:hiddenFill>
-            </a:ext>
-          </a:extLst>
         </p:spPr>
       </p:pic>
-      <p:pic>
-        <p:nvPicPr>
-          <p:cNvPr id="2052" name="Picture 4">
+      <p:cxnSp>
+        <p:nvCxnSpPr>
+          <p:cNvPr id="7" name="Straight Connector 6">
             <a:extLst>
               <a:ext uri="{FF2B5EF4-FFF2-40B4-BE49-F238E27FC236}">
-                <a16:creationId xmlns:a16="http://schemas.microsoft.com/office/drawing/2014/main" id="{C9EED710-A33C-43D8-B347-E2B253BAA419}"/>
+                <a16:creationId xmlns:a16="http://schemas.microsoft.com/office/drawing/2014/main" id="{CA788EE6-C6CE-4F53-A631-989019F75831}"/>
               </a:ext>
             </a:extLst>
           </p:cNvPr>
-          <p:cNvPicPr>
-            <a:picLocks noChangeAspect="1" noChangeArrowheads="1"/>
-          </p:cNvPicPr>
+          <p:cNvCxnSpPr>
+            <a:cxnSpLocks/>
+          </p:cNvCxnSpPr>
           <p:nvPr/>
-        </p:nvPicPr>
-        <p:blipFill>
-          <a:blip r:embed="rId3">
-            <a:extLst>
-              <a:ext uri="{28A0092B-C50C-407E-A947-70E740481C1C}">
-                <a14:useLocalDpi xmlns:a14="http://schemas.microsoft.com/office/drawing/2010/main" val="0"/>
-              </a:ext>
-            </a:extLst>
-          </a:blip>
-          <a:srcRect/>
-          <a:stretch>
-            <a:fillRect/>
-          </a:stretch>
-        </p:blipFill>
-        <p:spPr bwMode="auto">
+        </p:nvCxnSpPr>
+        <p:spPr>
           <a:xfrm>
-            <a:off x="4027391" y="4458880"/>
-            <a:ext cx="1066800" cy="1240971"/>
+            <a:off x="3705808" y="1446245"/>
+            <a:ext cx="0" cy="4740049"/>
           </a:xfrm>
-          <a:prstGeom prst="rect">
+          <a:prstGeom prst="line">
             <a:avLst/>
           </a:prstGeom>
-          <a:noFill/>
-          <a:extLst>
-            <a:ext uri="{909E8E84-426E-40DD-AFC4-6F175D3DCCD1}">
-              <a14:hiddenFill xmlns:a14="http://schemas.microsoft.com/office/drawing/2010/main">
-                <a:solidFill>
-                  <a:srgbClr val="FFFFFF"/>
-                </a:solidFill>
-              </a14:hiddenFill>
-            </a:ext>
-          </a:extLst>
+          <a:ln w="19050">
+            <a:solidFill>
+              <a:schemeClr val="accent4"/>
+            </a:solidFill>
+          </a:ln>
         </p:spPr>
-      </p:pic>
-      <p:pic>
-        <p:nvPicPr>
-          <p:cNvPr id="2054" name="Picture 6">
-            <a:extLst>
-              <a:ext uri="{FF2B5EF4-FFF2-40B4-BE49-F238E27FC236}">
-                <a16:creationId xmlns:a16="http://schemas.microsoft.com/office/drawing/2014/main" id="{E9333AB9-CB3D-48DC-AE64-B3B4D3F80684}"/>
-              </a:ext>
-            </a:extLst>
-          </p:cNvPr>
-          <p:cNvPicPr>
-            <a:picLocks noChangeAspect="1" noChangeArrowheads="1"/>
-          </p:cNvPicPr>
-          <p:nvPr/>
-        </p:nvPicPr>
-        <p:blipFill>
-          <a:blip r:embed="rId4">
-            <a:extLst>
-              <a:ext uri="{28A0092B-C50C-407E-A947-70E740481C1C}">
-                <a14:useLocalDpi xmlns:a14="http://schemas.microsoft.com/office/drawing/2010/main" val="0"/>
-              </a:ext>
-            </a:extLst>
-          </a:blip>
-          <a:srcRect/>
-          <a:stretch>
-            <a:fillRect/>
-          </a:stretch>
-        </p:blipFill>
-        <p:spPr bwMode="auto">
-          <a:xfrm>
-            <a:off x="6216457" y="4529296"/>
-            <a:ext cx="1066800" cy="1100138"/>
-          </a:xfrm>
-          <a:prstGeom prst="rect">
-            <a:avLst/>
-          </a:prstGeom>
-          <a:noFill/>
-          <a:extLst>
-            <a:ext uri="{909E8E84-426E-40DD-AFC4-6F175D3DCCD1}">
-              <a14:hiddenFill xmlns:a14="http://schemas.microsoft.com/office/drawing/2010/main">
-                <a:solidFill>
-                  <a:srgbClr val="FFFFFF"/>
-                </a:solidFill>
-              </a14:hiddenFill>
-            </a:ext>
-          </a:extLst>
-        </p:spPr>
-      </p:pic>
-      <p:pic>
-        <p:nvPicPr>
-          <p:cNvPr id="2056" name="Picture 8">
-            <a:extLst>
-              <a:ext uri="{FF2B5EF4-FFF2-40B4-BE49-F238E27FC236}">
-                <a16:creationId xmlns:a16="http://schemas.microsoft.com/office/drawing/2014/main" id="{6DBF328F-03C9-4028-AA30-A696573F2ADF}"/>
-              </a:ext>
-            </a:extLst>
-          </p:cNvPr>
-          <p:cNvPicPr>
-            <a:picLocks noChangeAspect="1" noChangeArrowheads="1"/>
-          </p:cNvPicPr>
-          <p:nvPr/>
-        </p:nvPicPr>
-        <p:blipFill>
-          <a:blip r:embed="rId5">
-            <a:extLst>
-              <a:ext uri="{28A0092B-C50C-407E-A947-70E740481C1C}">
-                <a14:useLocalDpi xmlns:a14="http://schemas.microsoft.com/office/drawing/2010/main" val="0"/>
-              </a:ext>
-            </a:extLst>
-          </a:blip>
-          <a:srcRect/>
-          <a:stretch>
-            <a:fillRect/>
-          </a:stretch>
-        </p:blipFill>
-        <p:spPr bwMode="auto">
-          <a:xfrm>
-            <a:off x="8405523" y="4529297"/>
-            <a:ext cx="1003066" cy="1100137"/>
-          </a:xfrm>
-          <a:prstGeom prst="rect">
-            <a:avLst/>
-          </a:prstGeom>
-          <a:noFill/>
-          <a:extLst>
-            <a:ext uri="{909E8E84-426E-40DD-AFC4-6F175D3DCCD1}">
-              <a14:hiddenFill xmlns:a14="http://schemas.microsoft.com/office/drawing/2010/main">
-                <a:solidFill>
-                  <a:srgbClr val="FFFFFF"/>
-                </a:solidFill>
-              </a14:hiddenFill>
-            </a:ext>
-          </a:extLst>
-        </p:spPr>
-      </p:pic>
+        <p:style>
+          <a:lnRef idx="1">
+            <a:schemeClr val="accent1"/>
+          </a:lnRef>
+          <a:fillRef idx="0">
+            <a:schemeClr val="accent1"/>
+          </a:fillRef>
+          <a:effectRef idx="0">
+            <a:schemeClr val="accent1"/>
+          </a:effectRef>
+          <a:fontRef idx="minor">
+            <a:schemeClr val="tx1"/>
+          </a:fontRef>
+        </p:style>
+      </p:cxnSp>
     </p:spTree>
     <p:extLst>
       <p:ext uri="{BB962C8B-B14F-4D97-AF65-F5344CB8AC3E}">
-        <p14:creationId xmlns:p14="http://schemas.microsoft.com/office/powerpoint/2010/main" val="3553993776"/>
+        <p14:creationId xmlns:p14="http://schemas.microsoft.com/office/powerpoint/2010/main" val="218333412"/>
       </p:ext>
     </p:extLst>
   </p:cSld>
@@ -9680,7 +12168,7 @@
           <a:p>
             <a:r>
               <a:rPr lang="en-US" sz="3600" dirty="0"/>
-              <a:t>SAM </a:t>
+              <a:t>SAM</a:t>
             </a:r>
             <a:endParaRPr lang="en-IN" sz="3600" dirty="0"/>
           </a:p>
@@ -9704,8 +12192,8 @@
         </p:nvSpPr>
         <p:spPr>
           <a:xfrm>
-            <a:off x="838200" y="1825625"/>
-            <a:ext cx="7606004" cy="4351338"/>
+            <a:off x="4049486" y="1640600"/>
+            <a:ext cx="7602892" cy="4351338"/>
           </a:xfrm>
         </p:spPr>
         <p:txBody>
@@ -9714,37 +12202,127 @@
           </a:bodyPr>
           <a:lstStyle/>
           <a:p>
+            <a:pPr marL="0" indent="0">
+              <a:buNone/>
+            </a:pPr>
             <a:r>
               <a:rPr lang="en-US" sz="2400" dirty="0"/>
               <a:t>The AWS Serverless Application Model (AWS SAM) is an open-source framework that you can use to build serverless applications on AWS.</a:t>
             </a:r>
           </a:p>
           <a:p>
+            <a:pPr marL="0" indent="0">
+              <a:buNone/>
+            </a:pPr>
+            <a:endParaRPr lang="en-US" sz="2400" dirty="0"/>
+          </a:p>
+          <a:p>
+            <a:pPr marL="0" indent="0">
+              <a:buNone/>
+            </a:pPr>
             <a:r>
               <a:rPr lang="en-US" sz="2400" dirty="0"/>
               <a:t>With just a few lines per resource, you can define the application you want and model it using YAML.</a:t>
             </a:r>
           </a:p>
           <a:p>
+            <a:pPr marL="0" indent="0">
+              <a:buNone/>
+            </a:pPr>
+            <a:endParaRPr lang="en-US" sz="2400" dirty="0"/>
+          </a:p>
+          <a:p>
+            <a:pPr marL="0" indent="0">
+              <a:buNone/>
+            </a:pPr>
             <a:r>
               <a:rPr lang="en-US" sz="2400" dirty="0"/>
               <a:t>During deployment, SAM transforms and expands the SAM syntax into AWS CloudFormation syntax, enabling you to build serverless applications faster.</a:t>
             </a:r>
           </a:p>
           <a:p>
-            <a:endParaRPr lang="en-US" sz="2400" dirty="0"/>
-          </a:p>
-          <a:p>
-            <a:endParaRPr lang="en-IN" sz="2400" dirty="0"/>
+            <a:pPr marL="0" marR="0" lvl="0" indent="0" algn="l" defTabSz="914400" rtl="0" eaLnBrk="1" fontAlgn="auto" latinLnBrk="0" hangingPunct="1">
+              <a:lnSpc>
+                <a:spcPct val="90000"/>
+              </a:lnSpc>
+              <a:spcBef>
+                <a:spcPts val="1000"/>
+              </a:spcBef>
+              <a:spcAft>
+                <a:spcPts val="0"/>
+              </a:spcAft>
+              <a:buClrTx/>
+              <a:buSzTx/>
+              <a:buNone/>
+              <a:tabLst/>
+              <a:defRPr/>
+            </a:pPr>
+            <a:endParaRPr kumimoji="0" lang="en-US" sz="2400" b="0" i="0" u="none" strike="noStrike" kern="1200" cap="none" spc="0" normalizeH="0" baseline="0" noProof="0" dirty="0">
+              <a:ln>
+                <a:noFill/>
+              </a:ln>
+              <a:solidFill>
+                <a:srgbClr val="FFFFFF"/>
+              </a:solidFill>
+              <a:effectLst/>
+              <a:uLnTx/>
+              <a:uFillTx/>
+              <a:latin typeface="Source Sans Pro"/>
+              <a:ea typeface="+mn-ea"/>
+              <a:cs typeface="+mn-cs"/>
+            </a:endParaRPr>
           </a:p>
         </p:txBody>
       </p:sp>
+      <p:cxnSp>
+        <p:nvCxnSpPr>
+          <p:cNvPr id="7" name="Straight Connector 6">
+            <a:extLst>
+              <a:ext uri="{FF2B5EF4-FFF2-40B4-BE49-F238E27FC236}">
+                <a16:creationId xmlns:a16="http://schemas.microsoft.com/office/drawing/2014/main" id="{CA788EE6-C6CE-4F53-A631-989019F75831}"/>
+              </a:ext>
+            </a:extLst>
+          </p:cNvPr>
+          <p:cNvCxnSpPr>
+            <a:cxnSpLocks/>
+          </p:cNvCxnSpPr>
+          <p:nvPr/>
+        </p:nvCxnSpPr>
+        <p:spPr>
+          <a:xfrm>
+            <a:off x="3705808" y="1446245"/>
+            <a:ext cx="0" cy="4740049"/>
+          </a:xfrm>
+          <a:prstGeom prst="line">
+            <a:avLst/>
+          </a:prstGeom>
+          <a:ln w="19050">
+            <a:solidFill>
+              <a:schemeClr val="accent4"/>
+            </a:solidFill>
+          </a:ln>
+        </p:spPr>
+        <p:style>
+          <a:lnRef idx="1">
+            <a:schemeClr val="accent1"/>
+          </a:lnRef>
+          <a:fillRef idx="0">
+            <a:schemeClr val="accent1"/>
+          </a:fillRef>
+          <a:effectRef idx="0">
+            <a:schemeClr val="accent1"/>
+          </a:effectRef>
+          <a:fontRef idx="minor">
+            <a:schemeClr val="tx1"/>
+          </a:fontRef>
+        </p:style>
+      </p:cxnSp>
       <p:pic>
         <p:nvPicPr>
-          <p:cNvPr id="1026" name="Picture 2" descr="AWS Serverless Application Model (SAM) Command Line Interface – Build,  Test, and Debug Serverless Apps Locally | AWS News Blog">
+          <p:cNvPr id="6" name="Picture 2" descr="AWS Serverless Application Model (SAM) Command Line Interface – Build,  Test, and Debug Serverless Apps Locally | AWS News Blog">
             <a:extLst>
               <a:ext uri="{FF2B5EF4-FFF2-40B4-BE49-F238E27FC236}">
-                <a16:creationId xmlns:a16="http://schemas.microsoft.com/office/drawing/2014/main" id="{D05205C2-AE80-4687-B5A8-D93A86A0E948}"/>
+                <a16:creationId xmlns:a16="http://schemas.microsoft.com/office/drawing/2014/main" id="{9E53003B-115E-42BE-81D7-3F3265909EFF}"/>
               </a:ext>
             </a:extLst>
           </p:cNvPr>
@@ -9768,7 +12346,7 @@
         </p:blipFill>
         <p:spPr bwMode="auto">
           <a:xfrm>
-            <a:off x="8712265" y="1825624"/>
+            <a:off x="838200" y="2115173"/>
             <a:ext cx="2391164" cy="3402193"/>
           </a:xfrm>
           <a:prstGeom prst="rect">
@@ -9789,7 +12367,7 @@
     </p:spTree>
     <p:extLst>
       <p:ext uri="{BB962C8B-B14F-4D97-AF65-F5344CB8AC3E}">
-        <p14:creationId xmlns:p14="http://schemas.microsoft.com/office/powerpoint/2010/main" val="2223700853"/>
+        <p14:creationId xmlns:p14="http://schemas.microsoft.com/office/powerpoint/2010/main" val="1156256514"/>
       </p:ext>
     </p:extLst>
   </p:cSld>
@@ -9840,12 +12418,8 @@
           <a:lstStyle/>
           <a:p>
             <a:r>
-              <a:rPr lang="en-US" sz="3600" dirty="0" err="1"/>
-              <a:t>Sagemaker</a:t>
-            </a:r>
-            <a:r>
               <a:rPr lang="en-US" sz="3600" dirty="0"/>
-              <a:t> Serverless</a:t>
+              <a:t>SAM</a:t>
             </a:r>
             <a:endParaRPr lang="en-IN" sz="3600" dirty="0"/>
           </a:p>
@@ -9867,7 +12441,12 @@
             <p:ph idx="1"/>
           </p:nvPr>
         </p:nvSpPr>
-        <p:spPr/>
+        <p:spPr>
+          <a:xfrm>
+            <a:off x="4049486" y="1640600"/>
+            <a:ext cx="7602892" cy="4351338"/>
+          </a:xfrm>
+        </p:spPr>
         <p:txBody>
           <a:bodyPr>
             <a:normAutofit/>
@@ -9891,7 +12470,7 @@
               <a:defRPr/>
             </a:pPr>
             <a:r>
-              <a:rPr kumimoji="0" lang="en-US" sz="2200" b="0" i="0" u="none" strike="noStrike" kern="1200" cap="none" spc="0" normalizeH="0" baseline="0" noProof="0" dirty="0" err="1">
+              <a:rPr kumimoji="0" lang="en-US" sz="2400" b="0" i="0" u="none" strike="noStrike" kern="1200" cap="none" spc="0" normalizeH="0" baseline="0" noProof="0" dirty="0" err="1">
                 <a:ln>
                   <a:noFill/>
                 </a:ln>
@@ -9908,7 +12487,7 @@
               <a:t>Sagemaker</a:t>
             </a:r>
             <a:r>
-              <a:rPr kumimoji="0" lang="en-US" sz="2200" b="0" i="0" u="none" strike="noStrike" kern="1200" cap="none" spc="0" normalizeH="0" baseline="0" noProof="0" dirty="0">
+              <a:rPr kumimoji="0" lang="en-US" sz="2400" b="0" i="0" u="none" strike="noStrike" kern="1200" cap="none" spc="0" normalizeH="0" baseline="0" noProof="0" dirty="0">
                 <a:ln>
                   <a:noFill/>
                 </a:ln>
@@ -9944,7 +12523,7 @@
               <a:defRPr/>
             </a:pPr>
             <a:r>
-              <a:rPr kumimoji="0" lang="en-US" sz="2200" b="0" i="0" u="none" strike="noStrike" kern="1200" cap="none" spc="0" normalizeH="0" baseline="0" noProof="0" dirty="0">
+              <a:rPr kumimoji="0" lang="en-US" sz="2400" b="0" i="0" u="none" strike="noStrike" kern="1200" cap="none" spc="0" normalizeH="0" baseline="0" noProof="0" dirty="0">
                 <a:ln>
                   <a:noFill/>
                 </a:ln>
@@ -9980,7 +12559,7 @@
               <a:defRPr/>
             </a:pPr>
             <a:r>
-              <a:rPr kumimoji="0" lang="en-US" sz="2200" b="0" i="0" u="none" strike="noStrike" kern="1200" cap="none" spc="0" normalizeH="0" baseline="0" noProof="0" dirty="0">
+              <a:rPr kumimoji="0" lang="en-US" sz="2400" b="0" i="0" u="none" strike="noStrike" kern="1200" cap="none" spc="0" normalizeH="0" baseline="0" noProof="0" dirty="0">
                 <a:ln>
                   <a:noFill/>
                 </a:ln>
@@ -10016,7 +12595,7 @@
               <a:defRPr/>
             </a:pPr>
             <a:r>
-              <a:rPr kumimoji="0" lang="en-US" sz="2200" b="0" i="0" u="none" strike="noStrike" kern="1200" cap="none" spc="0" normalizeH="0" baseline="0" noProof="0" dirty="0">
+              <a:rPr kumimoji="0" lang="en-US" sz="2400" b="0" i="0" u="none" strike="noStrike" kern="1200" cap="none" spc="0" normalizeH="0" baseline="0" noProof="0" dirty="0">
                 <a:ln>
                   <a:noFill/>
                 </a:ln>
@@ -10052,7 +12631,7 @@
               <a:defRPr/>
             </a:pPr>
             <a:r>
-              <a:rPr kumimoji="0" lang="en-US" sz="2200" b="0" i="0" u="none" strike="noStrike" kern="1200" cap="none" spc="0" normalizeH="0" baseline="0" noProof="0" dirty="0">
+              <a:rPr kumimoji="0" lang="en-US" sz="2400" b="0" i="0" u="none" strike="noStrike" kern="1200" cap="none" spc="0" normalizeH="0" baseline="0" noProof="0" dirty="0">
                 <a:ln>
                   <a:noFill/>
                 </a:ln>
@@ -10070,7 +12649,7 @@
             </a:r>
           </a:p>
           <a:p>
-            <a:pPr marL="228600" marR="0" lvl="0" indent="-228600" algn="l" defTabSz="914400" rtl="0" eaLnBrk="1" fontAlgn="auto" latinLnBrk="0" hangingPunct="1">
+            <a:pPr marL="0" marR="0" lvl="0" indent="0" algn="l" defTabSz="914400" rtl="0" eaLnBrk="1" fontAlgn="auto" latinLnBrk="0" hangingPunct="1">
               <a:lnSpc>
                 <a:spcPct val="90000"/>
               </a:lnSpc>
@@ -10082,12 +12661,11 @@
               </a:spcAft>
               <a:buClrTx/>
               <a:buSzTx/>
-              <a:buFont typeface="Arial" panose="020B0604020202020204" pitchFamily="34" charset="0"/>
-              <a:buChar char="•"/>
+              <a:buNone/>
               <a:tabLst/>
               <a:defRPr/>
             </a:pPr>
-            <a:endParaRPr kumimoji="0" lang="en-US" sz="2200" b="0" i="0" u="none" strike="noStrike" kern="1200" cap="none" spc="0" normalizeH="0" baseline="0" noProof="0" dirty="0">
+            <a:endParaRPr kumimoji="0" lang="en-US" sz="2400" b="0" i="0" u="none" strike="noStrike" kern="1200" cap="none" spc="0" normalizeH="0" baseline="0" noProof="0" dirty="0">
               <a:ln>
                 <a:noFill/>
               </a:ln>
@@ -10102,52 +12680,237 @@
               <a:cs typeface="+mn-cs"/>
             </a:endParaRPr>
           </a:p>
-          <a:p>
-            <a:pPr marL="228600" marR="0" lvl="0" indent="-228600" algn="l" defTabSz="914400" rtl="0" eaLnBrk="1" fontAlgn="auto" latinLnBrk="0" hangingPunct="1">
-              <a:lnSpc>
-                <a:spcPct val="90000"/>
-              </a:lnSpc>
-              <a:spcBef>
-                <a:spcPts val="1000"/>
-              </a:spcBef>
-              <a:spcAft>
-                <a:spcPts val="0"/>
-              </a:spcAft>
-              <a:buClrTx/>
-              <a:buSzTx/>
-              <a:buFont typeface="Arial" panose="020B0604020202020204" pitchFamily="34" charset="0"/>
-              <a:buChar char="•"/>
-              <a:tabLst/>
-              <a:defRPr/>
-            </a:pPr>
-            <a:endParaRPr kumimoji="0" lang="en-US" sz="2200" b="0" i="0" u="none" strike="noStrike" kern="1200" cap="none" spc="0" normalizeH="0" baseline="0" noProof="0" dirty="0">
-              <a:ln>
-                <a:noFill/>
-              </a:ln>
-              <a:solidFill>
-                <a:srgbClr val="FFFFFF"/>
-              </a:solidFill>
-              <a:effectLst/>
-              <a:uLnTx/>
-              <a:uFillTx/>
-              <a:latin typeface="Source Sans Pro"/>
-              <a:ea typeface="+mn-ea"/>
-              <a:cs typeface="+mn-cs"/>
-            </a:endParaRPr>
-          </a:p>
-          <a:p>
-            <a:endParaRPr lang="en-US" dirty="0"/>
-          </a:p>
-          <a:p>
-            <a:pPr lvl="2"/>
-            <a:endParaRPr lang="en-IN" dirty="0"/>
-          </a:p>
         </p:txBody>
       </p:sp>
+      <p:cxnSp>
+        <p:nvCxnSpPr>
+          <p:cNvPr id="7" name="Straight Connector 6">
+            <a:extLst>
+              <a:ext uri="{FF2B5EF4-FFF2-40B4-BE49-F238E27FC236}">
+                <a16:creationId xmlns:a16="http://schemas.microsoft.com/office/drawing/2014/main" id="{CA788EE6-C6CE-4F53-A631-989019F75831}"/>
+              </a:ext>
+            </a:extLst>
+          </p:cNvPr>
+          <p:cNvCxnSpPr>
+            <a:cxnSpLocks/>
+          </p:cNvCxnSpPr>
+          <p:nvPr/>
+        </p:nvCxnSpPr>
+        <p:spPr>
+          <a:xfrm>
+            <a:off x="3705808" y="1446245"/>
+            <a:ext cx="0" cy="4740049"/>
+          </a:xfrm>
+          <a:prstGeom prst="line">
+            <a:avLst/>
+          </a:prstGeom>
+          <a:ln w="19050">
+            <a:solidFill>
+              <a:schemeClr val="accent4"/>
+            </a:solidFill>
+          </a:ln>
+        </p:spPr>
+        <p:style>
+          <a:lnRef idx="1">
+            <a:schemeClr val="accent1"/>
+          </a:lnRef>
+          <a:fillRef idx="0">
+            <a:schemeClr val="accent1"/>
+          </a:fillRef>
+          <a:effectRef idx="0">
+            <a:schemeClr val="accent1"/>
+          </a:effectRef>
+          <a:fontRef idx="minor">
+            <a:schemeClr val="tx1"/>
+          </a:fontRef>
+        </p:style>
+      </p:cxnSp>
+      <p:pic>
+        <p:nvPicPr>
+          <p:cNvPr id="1028" name="Picture 4" descr="Deploy Sentiment Analyzer Using SageMaker and W&amp;amp;B">
+            <a:extLst>
+              <a:ext uri="{FF2B5EF4-FFF2-40B4-BE49-F238E27FC236}">
+                <a16:creationId xmlns:a16="http://schemas.microsoft.com/office/drawing/2014/main" id="{97971218-F620-4619-8DE4-7D4CC94657E9}"/>
+              </a:ext>
+            </a:extLst>
+          </p:cNvPr>
+          <p:cNvPicPr>
+            <a:picLocks noChangeAspect="1" noChangeArrowheads="1"/>
+          </p:cNvPicPr>
+          <p:nvPr/>
+        </p:nvPicPr>
+        <p:blipFill>
+          <a:blip r:embed="rId2">
+            <a:extLst>
+              <a:ext uri="{28A0092B-C50C-407E-A947-70E740481C1C}">
+                <a14:useLocalDpi xmlns:a14="http://schemas.microsoft.com/office/drawing/2010/main" val="0"/>
+              </a:ext>
+            </a:extLst>
+          </a:blip>
+          <a:srcRect/>
+          <a:stretch>
+            <a:fillRect/>
+          </a:stretch>
+        </p:blipFill>
+        <p:spPr bwMode="auto">
+          <a:xfrm>
+            <a:off x="504631" y="2387519"/>
+            <a:ext cx="2857500" cy="2857500"/>
+          </a:xfrm>
+          <a:prstGeom prst="rect">
+            <a:avLst/>
+          </a:prstGeom>
+          <a:noFill/>
+          <a:extLst>
+            <a:ext uri="{909E8E84-426E-40DD-AFC4-6F175D3DCCD1}">
+              <a14:hiddenFill xmlns:a14="http://schemas.microsoft.com/office/drawing/2010/main">
+                <a:solidFill>
+                  <a:srgbClr val="FFFFFF"/>
+                </a:solidFill>
+              </a14:hiddenFill>
+            </a:ext>
+          </a:extLst>
+        </p:spPr>
+      </p:pic>
     </p:spTree>
     <p:extLst>
       <p:ext uri="{BB962C8B-B14F-4D97-AF65-F5344CB8AC3E}">
-        <p14:creationId xmlns:p14="http://schemas.microsoft.com/office/powerpoint/2010/main" val="484266114"/>
+        <p14:creationId xmlns:p14="http://schemas.microsoft.com/office/powerpoint/2010/main" val="1388869530"/>
+      </p:ext>
+    </p:extLst>
+  </p:cSld>
+  <p:clrMapOvr>
+    <a:masterClrMapping/>
+  </p:clrMapOvr>
+</p:sld>
+</file>
+
+<file path=ppt/slides/slide7.xml><?xml version="1.0" encoding="utf-8"?>
+<p:sld xmlns:a="http://schemas.openxmlformats.org/drawingml/2006/main" xmlns:r="http://schemas.openxmlformats.org/officeDocument/2006/relationships" xmlns:p="http://schemas.openxmlformats.org/presentationml/2006/main">
+  <p:cSld>
+    <p:spTree>
+      <p:nvGrpSpPr>
+        <p:cNvPr id="1" name=""/>
+        <p:cNvGrpSpPr/>
+        <p:nvPr/>
+      </p:nvGrpSpPr>
+      <p:grpSpPr>
+        <a:xfrm>
+          <a:off x="0" y="0"/>
+          <a:ext cx="0" cy="0"/>
+          <a:chOff x="0" y="0"/>
+          <a:chExt cx="0" cy="0"/>
+        </a:xfrm>
+      </p:grpSpPr>
+      <p:sp>
+        <p:nvSpPr>
+          <p:cNvPr id="2" name="Title 1">
+            <a:extLst>
+              <a:ext uri="{FF2B5EF4-FFF2-40B4-BE49-F238E27FC236}">
+                <a16:creationId xmlns:a16="http://schemas.microsoft.com/office/drawing/2014/main" id="{0762D416-5E9E-43BA-B28B-8A6676914E47}"/>
+              </a:ext>
+            </a:extLst>
+          </p:cNvPr>
+          <p:cNvSpPr>
+            <a:spLocks noGrp="1"/>
+          </p:cNvSpPr>
+          <p:nvPr>
+            <p:ph type="title"/>
+          </p:nvPr>
+        </p:nvSpPr>
+        <p:spPr/>
+        <p:txBody>
+          <a:bodyPr>
+            <a:normAutofit/>
+          </a:bodyPr>
+          <a:lstStyle/>
+          <a:p>
+            <a:r>
+              <a:rPr lang="en-US" sz="3600" dirty="0"/>
+              <a:t>Thank you!</a:t>
+            </a:r>
+            <a:endParaRPr lang="en-IN" sz="3600" dirty="0"/>
+          </a:p>
+        </p:txBody>
+      </p:sp>
+      <p:graphicFrame>
+        <p:nvGraphicFramePr>
+          <p:cNvPr id="6" name="Content Placeholder 5">
+            <a:extLst>
+              <a:ext uri="{FF2B5EF4-FFF2-40B4-BE49-F238E27FC236}">
+                <a16:creationId xmlns:a16="http://schemas.microsoft.com/office/drawing/2014/main" id="{A04993CD-4690-4BC8-8871-CB598329B592}"/>
+              </a:ext>
+            </a:extLst>
+          </p:cNvPr>
+          <p:cNvGraphicFramePr>
+            <a:graphicFrameLocks noGrp="1"/>
+          </p:cNvGraphicFramePr>
+          <p:nvPr>
+            <p:ph idx="1"/>
+            <p:extLst>
+              <p:ext uri="{D42A27DB-BD31-4B8C-83A1-F6EECF244321}">
+                <p14:modId xmlns:p14="http://schemas.microsoft.com/office/powerpoint/2010/main" val="4152017329"/>
+              </p:ext>
+            </p:extLst>
+          </p:nvPr>
+        </p:nvGraphicFramePr>
+        <p:xfrm>
+          <a:off x="3705808" y="2153886"/>
+          <a:ext cx="6315268" cy="3324766"/>
+        </p:xfrm>
+        <a:graphic>
+          <a:graphicData uri="http://schemas.openxmlformats.org/drawingml/2006/diagram">
+            <dgm:relIds xmlns:dgm="http://schemas.openxmlformats.org/drawingml/2006/diagram" xmlns:r="http://schemas.openxmlformats.org/officeDocument/2006/relationships" r:dm="rId2" r:lo="rId3" r:qs="rId4" r:cs="rId5"/>
+          </a:graphicData>
+        </a:graphic>
+      </p:graphicFrame>
+      <p:cxnSp>
+        <p:nvCxnSpPr>
+          <p:cNvPr id="7" name="Straight Connector 6">
+            <a:extLst>
+              <a:ext uri="{FF2B5EF4-FFF2-40B4-BE49-F238E27FC236}">
+                <a16:creationId xmlns:a16="http://schemas.microsoft.com/office/drawing/2014/main" id="{CA788EE6-C6CE-4F53-A631-989019F75831}"/>
+              </a:ext>
+            </a:extLst>
+          </p:cNvPr>
+          <p:cNvCxnSpPr>
+            <a:cxnSpLocks/>
+          </p:cNvCxnSpPr>
+          <p:nvPr/>
+        </p:nvCxnSpPr>
+        <p:spPr>
+          <a:xfrm>
+            <a:off x="3331806" y="1446245"/>
+            <a:ext cx="0" cy="4740049"/>
+          </a:xfrm>
+          <a:prstGeom prst="line">
+            <a:avLst/>
+          </a:prstGeom>
+          <a:ln w="19050">
+            <a:solidFill>
+              <a:schemeClr val="accent4"/>
+            </a:solidFill>
+          </a:ln>
+        </p:spPr>
+        <p:style>
+          <a:lnRef idx="1">
+            <a:schemeClr val="accent1"/>
+          </a:lnRef>
+          <a:fillRef idx="0">
+            <a:schemeClr val="accent1"/>
+          </a:fillRef>
+          <a:effectRef idx="0">
+            <a:schemeClr val="accent1"/>
+          </a:effectRef>
+          <a:fontRef idx="minor">
+            <a:schemeClr val="tx1"/>
+          </a:fontRef>
+        </p:style>
+      </p:cxnSp>
+    </p:spTree>
+    <p:extLst>
+      <p:ext uri="{BB962C8B-B14F-4D97-AF65-F5344CB8AC3E}">
+        <p14:creationId xmlns:p14="http://schemas.microsoft.com/office/powerpoint/2010/main" val="532780318"/>
       </p:ext>
     </p:extLst>
   </p:cSld>

--- a/serverless-workshop.pptx
+++ b/serverless-workshop.pptx
@@ -1006,13 +1006,14 @@
         <a:bodyPr/>
         <a:lstStyle/>
         <a:p>
+          <a:pPr algn="l"/>
           <a:r>
             <a:rPr lang="en-IN" sz="2000" dirty="0">
               <a:solidFill>
                 <a:schemeClr val="tx1"/>
               </a:solidFill>
             </a:rPr>
-            <a:t>/bismillah-kani-49a31115/</a:t>
+            <a:t>https://www.linkedin.com/in/bismillah-kani-49a31115/</a:t>
           </a:r>
         </a:p>
       </dgm:t>
@@ -1048,6 +1049,7 @@
         <a:bodyPr/>
         <a:lstStyle/>
         <a:p>
+          <a:pPr algn="l"/>
           <a:r>
             <a:rPr lang="en-IN" sz="2000" dirty="0">
               <a:solidFill>
@@ -1103,7 +1105,7 @@
         <a:bodyPr spcFirstLastPara="0" vert="horz" wrap="square" lIns="453801" tIns="175260" rIns="327152" bIns="175260" numCol="1" spcCol="1270" anchor="ctr" anchorCtr="0"/>
         <a:lstStyle/>
         <a:p>
-          <a:pPr marL="0" lvl="0" indent="0" algn="ctr" defTabSz="2044700">
+          <a:pPr marL="0" lvl="0" indent="0" algn="l" defTabSz="2044700">
             <a:lnSpc>
               <a:spcPct val="90000"/>
             </a:lnSpc>
@@ -1124,7 +1126,7 @@
               <a:ea typeface="+mn-ea"/>
               <a:cs typeface="+mn-cs"/>
             </a:rPr>
-            <a:t>/bismillahkani</a:t>
+            <a:t>https://github.com/bismillahkani</a:t>
           </a:r>
         </a:p>
       </dgm:t>
@@ -1165,7 +1167,7 @@
       <dgm:spPr/>
     </dgm:pt>
     <dgm:pt modelId="{74AE73E2-6F74-44B8-A911-7B0BAAAF04EE}" type="pres">
-      <dgm:prSet presAssocID="{1599D4BC-C6D6-4250-823B-B94EC33E6D81}" presName="imgShp" presStyleLbl="fgImgPlace1" presStyleIdx="0" presStyleCnt="3"/>
+      <dgm:prSet presAssocID="{1599D4BC-C6D6-4250-823B-B94EC33E6D81}" presName="imgShp" presStyleLbl="fgImgPlace1" presStyleIdx="0" presStyleCnt="3" custLinFactNeighborX="-5053" custLinFactNeighborY="1011"/>
       <dgm:spPr>
         <a:blipFill>
           <a:blip xmlns:r="http://schemas.openxmlformats.org/officeDocument/2006/relationships" r:embed="rId1">
@@ -1183,7 +1185,7 @@
       </dgm:spPr>
     </dgm:pt>
     <dgm:pt modelId="{99272426-E283-4476-A74B-7C271F8C5F3D}" type="pres">
-      <dgm:prSet presAssocID="{1599D4BC-C6D6-4250-823B-B94EC33E6D81}" presName="txShp" presStyleLbl="node1" presStyleIdx="0" presStyleCnt="3">
+      <dgm:prSet presAssocID="{1599D4BC-C6D6-4250-823B-B94EC33E6D81}" presName="txShp" presStyleLbl="node1" presStyleIdx="0" presStyleCnt="3" custScaleX="124570" custLinFactNeighborX="12903" custLinFactNeighborY="2175">
         <dgm:presLayoutVars>
           <dgm:bulletEnabled val="1"/>
         </dgm:presLayoutVars>
@@ -1199,7 +1201,7 @@
       <dgm:spPr/>
     </dgm:pt>
     <dgm:pt modelId="{1D371653-EF93-48BB-B97F-C29A649E35FE}" type="pres">
-      <dgm:prSet presAssocID="{87433413-0CA1-40E6-A6CE-0C7722460EC6}" presName="imgShp" presStyleLbl="fgImgPlace1" presStyleIdx="1" presStyleCnt="3"/>
+      <dgm:prSet presAssocID="{87433413-0CA1-40E6-A6CE-0C7722460EC6}" presName="imgShp" presStyleLbl="fgImgPlace1" presStyleIdx="1" presStyleCnt="3" custLinFactNeighborX="-30321" custLinFactNeighborY="0"/>
       <dgm:spPr>
         <a:blipFill>
           <a:blip xmlns:r="http://schemas.openxmlformats.org/officeDocument/2006/relationships" r:embed="rId2"/>
@@ -1211,7 +1213,7 @@
       </dgm:spPr>
     </dgm:pt>
     <dgm:pt modelId="{F8C1CAD7-F598-45B4-A417-2E51AE1C8808}" type="pres">
-      <dgm:prSet presAssocID="{87433413-0CA1-40E6-A6CE-0C7722460EC6}" presName="txShp" presStyleLbl="node1" presStyleIdx="1" presStyleCnt="3">
+      <dgm:prSet presAssocID="{87433413-0CA1-40E6-A6CE-0C7722460EC6}" presName="txShp" presStyleLbl="node1" presStyleIdx="1" presStyleCnt="3" custLinFactNeighborX="-2532" custLinFactNeighborY="0">
         <dgm:presLayoutVars>
           <dgm:bulletEnabled val="1"/>
         </dgm:presLayoutVars>
@@ -1227,7 +1229,7 @@
       <dgm:spPr/>
     </dgm:pt>
     <dgm:pt modelId="{9DBA89AF-C6B2-4C13-BFD5-EDF87909ECE8}" type="pres">
-      <dgm:prSet presAssocID="{60F82DAF-EE05-4E72-9B3F-9D0611A3D4FB}" presName="imgShp" presStyleLbl="fgImgPlace1" presStyleIdx="2" presStyleCnt="3"/>
+      <dgm:prSet presAssocID="{60F82DAF-EE05-4E72-9B3F-9D0611A3D4FB}" presName="imgShp" presStyleLbl="fgImgPlace1" presStyleIdx="2" presStyleCnt="3" custLinFactNeighborX="-30321" custLinFactNeighborY="-6064"/>
       <dgm:spPr>
         <a:blipFill>
           <a:blip xmlns:r="http://schemas.openxmlformats.org/officeDocument/2006/relationships" r:embed="rId3"/>
@@ -1239,7 +1241,7 @@
       </dgm:spPr>
     </dgm:pt>
     <dgm:pt modelId="{BC0FBE1F-9D5B-4D33-92FD-D2DB6A74C811}" type="pres">
-      <dgm:prSet presAssocID="{60F82DAF-EE05-4E72-9B3F-9D0611A3D4FB}" presName="txShp" presStyleLbl="node1" presStyleIdx="2" presStyleCnt="3">
+      <dgm:prSet presAssocID="{60F82DAF-EE05-4E72-9B3F-9D0611A3D4FB}" presName="txShp" presStyleLbl="node1" presStyleIdx="2" presStyleCnt="3" custLinFactNeighborX="-2701" custLinFactNeighborY="-5604">
         <dgm:presLayoutVars>
           <dgm:bulletEnabled val="1"/>
         </dgm:presLayoutVars>
@@ -1300,8 +1302,8 @@
       </dsp:nvSpPr>
       <dsp:spPr>
         <a:xfrm rot="10800000">
-          <a:off x="1288686" y="1433"/>
-          <a:ext cx="4199653" cy="923515"/>
+          <a:off x="1426421" y="22101"/>
+          <a:ext cx="6885597" cy="923190"/>
         </a:xfrm>
         <a:prstGeom prst="homePlate">
           <a:avLst/>
@@ -1336,12 +1338,12 @@
         </a:fontRef>
       </dsp:style>
       <dsp:txBody>
-        <a:bodyPr spcFirstLastPara="0" vert="horz" wrap="square" lIns="407245" tIns="76200" rIns="142240" bIns="76200" numCol="1" spcCol="1270" anchor="ctr" anchorCtr="0">
+        <a:bodyPr spcFirstLastPara="0" vert="horz" wrap="square" lIns="407101" tIns="76200" rIns="142240" bIns="76200" numCol="1" spcCol="1270" anchor="ctr" anchorCtr="0">
           <a:noAutofit/>
         </a:bodyPr>
         <a:lstStyle/>
         <a:p>
-          <a:pPr marL="0" lvl="0" indent="0" algn="ctr" defTabSz="889000">
+          <a:pPr marL="0" lvl="0" indent="0" algn="l" defTabSz="889000">
             <a:lnSpc>
               <a:spcPct val="90000"/>
             </a:lnSpc>
@@ -1359,13 +1361,13 @@
                 <a:schemeClr val="tx1"/>
               </a:solidFill>
             </a:rPr>
-            <a:t>/bismillah-kani-49a31115/</a:t>
+            <a:t>https://www.linkedin.com/in/bismillah-kani-49a31115/</a:t>
           </a:r>
         </a:p>
       </dsp:txBody>
       <dsp:txXfrm rot="10800000">
-        <a:off x="1519565" y="1433"/>
-        <a:ext cx="3968774" cy="923515"/>
+        <a:off x="1657218" y="22101"/>
+        <a:ext cx="6654800" cy="923190"/>
       </dsp:txXfrm>
     </dsp:sp>
     <dsp:sp modelId="{74AE73E2-6F74-44B8-A911-7B0BAAAF04EE}">
@@ -1375,8 +1377,8 @@
       </dsp:nvSpPr>
       <dsp:spPr>
         <a:xfrm>
-          <a:off x="826928" y="1433"/>
-          <a:ext cx="923515" cy="923515"/>
+          <a:off x="884019" y="11355"/>
+          <a:ext cx="923190" cy="923190"/>
         </a:xfrm>
         <a:prstGeom prst="ellipse">
           <a:avLst/>
@@ -1428,8 +1430,8 @@
       </dsp:nvSpPr>
       <dsp:spPr>
         <a:xfrm rot="10800000">
-          <a:off x="1288686" y="1200625"/>
-          <a:ext cx="4199653" cy="923515"/>
+          <a:off x="1483104" y="1200787"/>
+          <a:ext cx="5527492" cy="923190"/>
         </a:xfrm>
         <a:prstGeom prst="homePlate">
           <a:avLst/>
@@ -1464,12 +1466,12 @@
         </a:fontRef>
       </dsp:style>
       <dsp:txBody>
-        <a:bodyPr spcFirstLastPara="0" vert="horz" wrap="square" lIns="407245" tIns="76200" rIns="142240" bIns="76200" numCol="1" spcCol="1270" anchor="ctr" anchorCtr="0">
+        <a:bodyPr spcFirstLastPara="0" vert="horz" wrap="square" lIns="407101" tIns="76200" rIns="142240" bIns="76200" numCol="1" spcCol="1270" anchor="ctr" anchorCtr="0">
           <a:noAutofit/>
         </a:bodyPr>
         <a:lstStyle/>
         <a:p>
-          <a:pPr marL="0" lvl="0" indent="0" algn="ctr" defTabSz="889000">
+          <a:pPr marL="0" lvl="0" indent="0" algn="l" defTabSz="889000">
             <a:lnSpc>
               <a:spcPct val="90000"/>
             </a:lnSpc>
@@ -1492,8 +1494,8 @@
         </a:p>
       </dsp:txBody>
       <dsp:txXfrm rot="10800000">
-        <a:off x="1519565" y="1200625"/>
-        <a:ext cx="3968774" cy="923515"/>
+        <a:off x="1713901" y="1200787"/>
+        <a:ext cx="5296695" cy="923190"/>
       </dsp:txXfrm>
     </dsp:sp>
     <dsp:sp modelId="{1D371653-EF93-48BB-B97F-C29A649E35FE}">
@@ -1503,8 +1505,8 @@
       </dsp:nvSpPr>
       <dsp:spPr>
         <a:xfrm>
-          <a:off x="826928" y="1200625"/>
-          <a:ext cx="923515" cy="923515"/>
+          <a:off x="881545" y="1200787"/>
+          <a:ext cx="923190" cy="923190"/>
         </a:xfrm>
         <a:prstGeom prst="ellipse">
           <a:avLst/>
@@ -1550,8 +1552,8 @@
       </dsp:nvSpPr>
       <dsp:spPr>
         <a:xfrm rot="10800000">
-          <a:off x="1288686" y="2399816"/>
-          <a:ext cx="4199653" cy="923515"/>
+          <a:off x="1473763" y="2347818"/>
+          <a:ext cx="5527492" cy="923190"/>
         </a:xfrm>
         <a:prstGeom prst="homePlate">
           <a:avLst/>
@@ -1591,7 +1593,7 @@
         </a:bodyPr>
         <a:lstStyle/>
         <a:p>
-          <a:pPr marL="0" lvl="0" indent="0" algn="ctr" defTabSz="2044700">
+          <a:pPr marL="0" lvl="0" indent="0" algn="l" defTabSz="2044700">
             <a:lnSpc>
               <a:spcPct val="90000"/>
             </a:lnSpc>
@@ -1612,13 +1614,13 @@
               <a:ea typeface="+mn-ea"/>
               <a:cs typeface="+mn-cs"/>
             </a:rPr>
-            <a:t>/bismillahkani</a:t>
+            <a:t>https://github.com/bismillahkani</a:t>
           </a:r>
         </a:p>
       </dsp:txBody>
       <dsp:txXfrm rot="10800000">
-        <a:off x="1519565" y="2399816"/>
-        <a:ext cx="3968774" cy="923515"/>
+        <a:off x="1704560" y="2347818"/>
+        <a:ext cx="5296695" cy="923190"/>
       </dsp:txXfrm>
     </dsp:sp>
     <dsp:sp modelId="{9DBA89AF-C6B2-4C13-BFD5-EDF87909ECE8}">
@@ -1628,8 +1630,8 @@
       </dsp:nvSpPr>
       <dsp:spPr>
         <a:xfrm>
-          <a:off x="826928" y="2399816"/>
-          <a:ext cx="923515" cy="923515"/>
+          <a:off x="881545" y="2343571"/>
+          <a:ext cx="923190" cy="923190"/>
         </a:xfrm>
         <a:prstGeom prst="ellipse">
           <a:avLst/>
@@ -3435,7 +3437,7 @@
           <a:p>
             <a:fld id="{D6D0F569-AC90-44EB-9EF4-4E5C2F5D823C}" type="datetime1">
               <a:rPr lang="en-US" smtClean="0"/>
-              <a:t>1/11/2022</a:t>
+              <a:t>1/15/2022</a:t>
             </a:fld>
             <a:endParaRPr lang="en-US" dirty="0"/>
           </a:p>
@@ -4114,7 +4116,7 @@
           <a:p>
             <a:fld id="{46BA7D41-E8B7-4A0B-B861-3EC4AE88917D}" type="datetime1">
               <a:rPr lang="en-US" smtClean="0"/>
-              <a:t>1/11/2022</a:t>
+              <a:t>1/15/2022</a:t>
             </a:fld>
             <a:endParaRPr lang="en-US" dirty="0"/>
           </a:p>
@@ -4803,7 +4805,7 @@
           <a:p>
             <a:fld id="{A7C34823-0B19-4B4E-A643-7A3B0A3D24D6}" type="datetime1">
               <a:rPr lang="en-US" smtClean="0"/>
-              <a:t>1/11/2022</a:t>
+              <a:t>1/15/2022</a:t>
             </a:fld>
             <a:endParaRPr lang="en-US" dirty="0"/>
           </a:p>
@@ -5485,7 +5487,7 @@
           <a:p>
             <a:fld id="{8C2D79EF-17C8-45D8-9866-DAF5723FC604}" type="datetime1">
               <a:rPr lang="en-US" smtClean="0"/>
-              <a:t>1/11/2022</a:t>
+              <a:t>1/15/2022</a:t>
             </a:fld>
             <a:endParaRPr lang="en-US" dirty="0"/>
           </a:p>
@@ -6240,7 +6242,7 @@
           <a:p>
             <a:fld id="{DFFC2ADC-3680-4013-A757-E4663495DB98}" type="datetime1">
               <a:rPr lang="en-US" smtClean="0"/>
-              <a:t>1/11/2022</a:t>
+              <a:t>1/15/2022</a:t>
             </a:fld>
             <a:endParaRPr lang="en-US" dirty="0"/>
           </a:p>
@@ -6987,7 +6989,7 @@
           <a:p>
             <a:fld id="{4751BA94-5DCA-4F19-960F-0FB2BD5EE85A}" type="datetime1">
               <a:rPr lang="en-US" smtClean="0"/>
-              <a:t>1/11/2022</a:t>
+              <a:t>1/15/2022</a:t>
             </a:fld>
             <a:endParaRPr lang="en-US" dirty="0"/>
           </a:p>
@@ -7881,7 +7883,7 @@
           <a:p>
             <a:fld id="{01BED947-38D9-44AC-8B89-E79758333B77}" type="datetime1">
               <a:rPr lang="en-US" smtClean="0"/>
-              <a:t>1/11/2022</a:t>
+              <a:t>1/15/2022</a:t>
             </a:fld>
             <a:endParaRPr lang="en-US" dirty="0"/>
           </a:p>
@@ -8502,7 +8504,7 @@
           <a:p>
             <a:fld id="{3781E23F-BD3C-4F23-B116-2B758120C8AC}" type="datetime1">
               <a:rPr lang="en-US" smtClean="0"/>
-              <a:t>1/11/2022</a:t>
+              <a:t>1/15/2022</a:t>
             </a:fld>
             <a:endParaRPr lang="en-US" dirty="0"/>
           </a:p>
@@ -9094,7 +9096,7 @@
           <a:p>
             <a:fld id="{473CFAA9-6D59-4D98-869E-ACBDB83B2CA4}" type="datetime1">
               <a:rPr lang="en-US" smtClean="0"/>
-              <a:t>1/11/2022</a:t>
+              <a:t>1/15/2022</a:t>
             </a:fld>
             <a:endParaRPr lang="en-US"/>
           </a:p>
@@ -9886,7 +9888,7 @@
           <a:p>
             <a:fld id="{DC410804-27E3-430A-BB42-B831260DE39A}" type="datetime1">
               <a:rPr lang="en-US" smtClean="0"/>
-              <a:t>1/11/2022</a:t>
+              <a:t>1/15/2022</a:t>
             </a:fld>
             <a:endParaRPr lang="en-US" dirty="0"/>
           </a:p>
@@ -10657,7 +10659,7 @@
           <a:p>
             <a:fld id="{60E22DE3-3D1A-4D53-B9A6-6C7463B8C992}" type="datetime1">
               <a:rPr lang="en-US" smtClean="0"/>
-              <a:t>1/11/2022</a:t>
+              <a:t>1/15/2022</a:t>
             </a:fld>
             <a:endParaRPr lang="en-US" dirty="0"/>
           </a:p>
@@ -10968,7 +10970,7 @@
             <a:fld id="{5ECD8B30-1B71-45A1-8314-D59C86F581E1}" type="datetime1">
               <a:rPr lang="en-US" smtClean="0"/>
               <a:pPr/>
-              <a:t>1/11/2022</a:t>
+              <a:t>1/15/2022</a:t>
             </a:fld>
             <a:endParaRPr lang="en-US" b="1" dirty="0"/>
           </a:p>
@@ -12418,8 +12420,8 @@
           <a:lstStyle/>
           <a:p>
             <a:r>
-              <a:rPr lang="en-US" sz="3600" dirty="0"/>
-              <a:t>SAM</a:t>
+              <a:rPr lang="en-US" sz="3600" dirty="0" err="1"/>
+              <a:t>Sagemaker</a:t>
             </a:r>
             <a:endParaRPr lang="en-IN" sz="3600" dirty="0"/>
           </a:p>
@@ -12849,14 +12851,14 @@
             <p:ph idx="1"/>
             <p:extLst>
               <p:ext uri="{D42A27DB-BD31-4B8C-83A1-F6EECF244321}">
-                <p14:modId xmlns:p14="http://schemas.microsoft.com/office/powerpoint/2010/main" val="4152017329"/>
+                <p14:modId xmlns:p14="http://schemas.microsoft.com/office/powerpoint/2010/main" val="915212793"/>
               </p:ext>
             </p:extLst>
           </p:nvPr>
         </p:nvGraphicFramePr>
         <p:xfrm>
-          <a:off x="3705808" y="2153886"/>
-          <a:ext cx="6315268" cy="3324766"/>
+          <a:off x="2586133" y="2153886"/>
+          <a:ext cx="8312019" cy="3324766"/>
         </p:xfrm>
         <a:graphic>
           <a:graphicData uri="http://schemas.openxmlformats.org/drawingml/2006/diagram">
